--- a/media/WorkAnniversaryLogo_modified.pptx
+++ b/media/WorkAnniversaryLogo_modified.pptx
@@ -2,24 +2,24 @@
 <file path=ppt/presentation.xml><?xml version="1.0" encoding="utf-8"?>
 <p:presentation xmlns:a="http://schemas.openxmlformats.org/drawingml/2006/main" xmlns:r="http://schemas.openxmlformats.org/officeDocument/2006/relationships" xmlns:p="http://schemas.openxmlformats.org/presentationml/2006/main" strictFirstAndLastChars="0" embedTrueTypeFonts="1" saveSubsetFonts="1" autoCompressPictures="0">
   <p:sldMasterIdLst>
-    <p:sldMasterId id="2147483659" r:id="rId1"/>
+    <p:sldMasterId id="2147483658" r:id="rId1"/>
   </p:sldMasterIdLst>
   <p:notesMasterIdLst>
-    <p:notesMasterId r:id="rId4"/>
+    <p:notesMasterId r:id="rId9"/>
   </p:notesMasterIdLst>
   <p:sldIdLst>
-    <p:sldId id="257" r:id="rId2"/>
-    <p:sldId id="258" r:id="rId3"/>
+    <p:sldId id="256" r:id="rId2"/>
+    <p:sldId id="257" r:id="rId8"/>
   </p:sldIdLst>
   <p:sldSz cx="9144000" cy="5143500" type="screen16x9"/>
   <p:notesSz cx="6858000" cy="9144000"/>
   <p:embeddedFontLst>
     <p:embeddedFont>
       <p:font typeface="Century Gothic" panose="020B0502020202020204" pitchFamily="34" charset="0"/>
-      <p:regular r:id="rId5"/>
-      <p:bold r:id="rId6"/>
-      <p:italic r:id="rId7"/>
-      <p:boldItalic r:id="rId8"/>
+      <p:regular r:id="rId10"/>
+      <p:bold r:id="rId11"/>
+      <p:italic r:id="rId12"/>
+      <p:boldItalic r:id="rId13"/>
     </p:embeddedFont>
   </p:embeddedFontLst>
   <p:defaultTextStyle>
@@ -274,9 +274,12 @@
 <p:notesMaster xmlns:a="http://schemas.openxmlformats.org/drawingml/2006/main" xmlns:r="http://schemas.openxmlformats.org/officeDocument/2006/relationships" xmlns:p="http://schemas.openxmlformats.org/presentationml/2006/main">
   <p:cSld>
     <p:bg>
-      <p:bgRef idx="1001">
-        <a:schemeClr val="bg1"/>
-      </p:bgRef>
+      <p:bgPr>
+        <a:solidFill>
+          <a:schemeClr val="lt1"/>
+        </a:solidFill>
+        <a:effectLst/>
+      </p:bgPr>
     </p:bg>
     <p:spTree>
       <p:nvGrpSpPr>
@@ -371,104 +374,239 @@
             <a:noAutofit/>
           </a:bodyPr>
           <a:lstStyle>
-            <a:lvl1pPr marL="457200" lvl="0" indent="-298450">
-              <a:spcBef>
-                <a:spcPts val="0"/>
-              </a:spcBef>
-              <a:spcAft>
-                <a:spcPts val="0"/>
-              </a:spcAft>
+            <a:lvl1pPr marL="457200" marR="0" lvl="0" indent="-298450" algn="l" rtl="0">
+              <a:lnSpc>
+                <a:spcPct val="100000"/>
+              </a:lnSpc>
+              <a:spcBef>
+                <a:spcPts val="0"/>
+              </a:spcBef>
+              <a:spcAft>
+                <a:spcPts val="0"/>
+              </a:spcAft>
+              <a:buClr>
+                <a:srgbClr val="000000"/>
+              </a:buClr>
               <a:buSzPts val="1100"/>
+              <a:buFont typeface="Arial"/>
               <a:buChar char="●"/>
-              <a:defRPr sz="1100"/>
+              <a:defRPr sz="1100" b="0" i="0" u="none" strike="noStrike" cap="none">
+                <a:solidFill>
+                  <a:srgbClr val="000000"/>
+                </a:solidFill>
+                <a:latin typeface="Arial"/>
+                <a:ea typeface="Arial"/>
+                <a:cs typeface="Arial"/>
+                <a:sym typeface="Arial"/>
+              </a:defRPr>
             </a:lvl1pPr>
-            <a:lvl2pPr marL="914400" lvl="1" indent="-298450">
-              <a:spcBef>
-                <a:spcPts val="0"/>
-              </a:spcBef>
-              <a:spcAft>
-                <a:spcPts val="0"/>
-              </a:spcAft>
+            <a:lvl2pPr marL="914400" marR="0" lvl="1" indent="-298450" algn="l" rtl="0">
+              <a:lnSpc>
+                <a:spcPct val="100000"/>
+              </a:lnSpc>
+              <a:spcBef>
+                <a:spcPts val="0"/>
+              </a:spcBef>
+              <a:spcAft>
+                <a:spcPts val="0"/>
+              </a:spcAft>
+              <a:buClr>
+                <a:srgbClr val="000000"/>
+              </a:buClr>
               <a:buSzPts val="1100"/>
+              <a:buFont typeface="Arial"/>
               <a:buChar char="○"/>
-              <a:defRPr sz="1100"/>
+              <a:defRPr sz="1100" b="0" i="0" u="none" strike="noStrike" cap="none">
+                <a:solidFill>
+                  <a:srgbClr val="000000"/>
+                </a:solidFill>
+                <a:latin typeface="Arial"/>
+                <a:ea typeface="Arial"/>
+                <a:cs typeface="Arial"/>
+                <a:sym typeface="Arial"/>
+              </a:defRPr>
             </a:lvl2pPr>
-            <a:lvl3pPr marL="1371600" lvl="2" indent="-298450">
-              <a:spcBef>
-                <a:spcPts val="0"/>
-              </a:spcBef>
-              <a:spcAft>
-                <a:spcPts val="0"/>
-              </a:spcAft>
+            <a:lvl3pPr marL="1371600" marR="0" lvl="2" indent="-298450" algn="l" rtl="0">
+              <a:lnSpc>
+                <a:spcPct val="100000"/>
+              </a:lnSpc>
+              <a:spcBef>
+                <a:spcPts val="0"/>
+              </a:spcBef>
+              <a:spcAft>
+                <a:spcPts val="0"/>
+              </a:spcAft>
+              <a:buClr>
+                <a:srgbClr val="000000"/>
+              </a:buClr>
               <a:buSzPts val="1100"/>
+              <a:buFont typeface="Arial"/>
               <a:buChar char="■"/>
-              <a:defRPr sz="1100"/>
+              <a:defRPr sz="1100" b="0" i="0" u="none" strike="noStrike" cap="none">
+                <a:solidFill>
+                  <a:srgbClr val="000000"/>
+                </a:solidFill>
+                <a:latin typeface="Arial"/>
+                <a:ea typeface="Arial"/>
+                <a:cs typeface="Arial"/>
+                <a:sym typeface="Arial"/>
+              </a:defRPr>
             </a:lvl3pPr>
-            <a:lvl4pPr marL="1828800" lvl="3" indent="-298450">
-              <a:spcBef>
-                <a:spcPts val="0"/>
-              </a:spcBef>
-              <a:spcAft>
-                <a:spcPts val="0"/>
-              </a:spcAft>
+            <a:lvl4pPr marL="1828800" marR="0" lvl="3" indent="-298450" algn="l" rtl="0">
+              <a:lnSpc>
+                <a:spcPct val="100000"/>
+              </a:lnSpc>
+              <a:spcBef>
+                <a:spcPts val="0"/>
+              </a:spcBef>
+              <a:spcAft>
+                <a:spcPts val="0"/>
+              </a:spcAft>
+              <a:buClr>
+                <a:srgbClr val="000000"/>
+              </a:buClr>
               <a:buSzPts val="1100"/>
+              <a:buFont typeface="Arial"/>
               <a:buChar char="●"/>
-              <a:defRPr sz="1100"/>
+              <a:defRPr sz="1100" b="0" i="0" u="none" strike="noStrike" cap="none">
+                <a:solidFill>
+                  <a:srgbClr val="000000"/>
+                </a:solidFill>
+                <a:latin typeface="Arial"/>
+                <a:ea typeface="Arial"/>
+                <a:cs typeface="Arial"/>
+                <a:sym typeface="Arial"/>
+              </a:defRPr>
             </a:lvl4pPr>
-            <a:lvl5pPr marL="2286000" lvl="4" indent="-298450">
-              <a:spcBef>
-                <a:spcPts val="0"/>
-              </a:spcBef>
-              <a:spcAft>
-                <a:spcPts val="0"/>
-              </a:spcAft>
+            <a:lvl5pPr marL="2286000" marR="0" lvl="4" indent="-298450" algn="l" rtl="0">
+              <a:lnSpc>
+                <a:spcPct val="100000"/>
+              </a:lnSpc>
+              <a:spcBef>
+                <a:spcPts val="0"/>
+              </a:spcBef>
+              <a:spcAft>
+                <a:spcPts val="0"/>
+              </a:spcAft>
+              <a:buClr>
+                <a:srgbClr val="000000"/>
+              </a:buClr>
               <a:buSzPts val="1100"/>
+              <a:buFont typeface="Arial"/>
               <a:buChar char="○"/>
-              <a:defRPr sz="1100"/>
+              <a:defRPr sz="1100" b="0" i="0" u="none" strike="noStrike" cap="none">
+                <a:solidFill>
+                  <a:srgbClr val="000000"/>
+                </a:solidFill>
+                <a:latin typeface="Arial"/>
+                <a:ea typeface="Arial"/>
+                <a:cs typeface="Arial"/>
+                <a:sym typeface="Arial"/>
+              </a:defRPr>
             </a:lvl5pPr>
-            <a:lvl6pPr marL="2743200" lvl="5" indent="-298450">
-              <a:spcBef>
-                <a:spcPts val="0"/>
-              </a:spcBef>
-              <a:spcAft>
-                <a:spcPts val="0"/>
-              </a:spcAft>
+            <a:lvl6pPr marL="2743200" marR="0" lvl="5" indent="-298450" algn="l" rtl="0">
+              <a:lnSpc>
+                <a:spcPct val="100000"/>
+              </a:lnSpc>
+              <a:spcBef>
+                <a:spcPts val="0"/>
+              </a:spcBef>
+              <a:spcAft>
+                <a:spcPts val="0"/>
+              </a:spcAft>
+              <a:buClr>
+                <a:srgbClr val="000000"/>
+              </a:buClr>
               <a:buSzPts val="1100"/>
+              <a:buFont typeface="Arial"/>
               <a:buChar char="■"/>
-              <a:defRPr sz="1100"/>
+              <a:defRPr sz="1100" b="0" i="0" u="none" strike="noStrike" cap="none">
+                <a:solidFill>
+                  <a:srgbClr val="000000"/>
+                </a:solidFill>
+                <a:latin typeface="Arial"/>
+                <a:ea typeface="Arial"/>
+                <a:cs typeface="Arial"/>
+                <a:sym typeface="Arial"/>
+              </a:defRPr>
             </a:lvl6pPr>
-            <a:lvl7pPr marL="3200400" lvl="6" indent="-298450">
-              <a:spcBef>
-                <a:spcPts val="0"/>
-              </a:spcBef>
-              <a:spcAft>
-                <a:spcPts val="0"/>
-              </a:spcAft>
+            <a:lvl7pPr marL="3200400" marR="0" lvl="6" indent="-298450" algn="l" rtl="0">
+              <a:lnSpc>
+                <a:spcPct val="100000"/>
+              </a:lnSpc>
+              <a:spcBef>
+                <a:spcPts val="0"/>
+              </a:spcBef>
+              <a:spcAft>
+                <a:spcPts val="0"/>
+              </a:spcAft>
+              <a:buClr>
+                <a:srgbClr val="000000"/>
+              </a:buClr>
               <a:buSzPts val="1100"/>
+              <a:buFont typeface="Arial"/>
               <a:buChar char="●"/>
-              <a:defRPr sz="1100"/>
+              <a:defRPr sz="1100" b="0" i="0" u="none" strike="noStrike" cap="none">
+                <a:solidFill>
+                  <a:srgbClr val="000000"/>
+                </a:solidFill>
+                <a:latin typeface="Arial"/>
+                <a:ea typeface="Arial"/>
+                <a:cs typeface="Arial"/>
+                <a:sym typeface="Arial"/>
+              </a:defRPr>
             </a:lvl7pPr>
-            <a:lvl8pPr marL="3657600" lvl="7" indent="-298450">
-              <a:spcBef>
-                <a:spcPts val="0"/>
-              </a:spcBef>
-              <a:spcAft>
-                <a:spcPts val="0"/>
-              </a:spcAft>
+            <a:lvl8pPr marL="3657600" marR="0" lvl="7" indent="-298450" algn="l" rtl="0">
+              <a:lnSpc>
+                <a:spcPct val="100000"/>
+              </a:lnSpc>
+              <a:spcBef>
+                <a:spcPts val="0"/>
+              </a:spcBef>
+              <a:spcAft>
+                <a:spcPts val="0"/>
+              </a:spcAft>
+              <a:buClr>
+                <a:srgbClr val="000000"/>
+              </a:buClr>
               <a:buSzPts val="1100"/>
+              <a:buFont typeface="Arial"/>
               <a:buChar char="○"/>
-              <a:defRPr sz="1100"/>
+              <a:defRPr sz="1100" b="0" i="0" u="none" strike="noStrike" cap="none">
+                <a:solidFill>
+                  <a:srgbClr val="000000"/>
+                </a:solidFill>
+                <a:latin typeface="Arial"/>
+                <a:ea typeface="Arial"/>
+                <a:cs typeface="Arial"/>
+                <a:sym typeface="Arial"/>
+              </a:defRPr>
             </a:lvl8pPr>
-            <a:lvl9pPr marL="4114800" lvl="8" indent="-298450">
-              <a:spcBef>
-                <a:spcPts val="0"/>
-              </a:spcBef>
-              <a:spcAft>
-                <a:spcPts val="0"/>
-              </a:spcAft>
+            <a:lvl9pPr marL="4114800" marR="0" lvl="8" indent="-298450" algn="l" rtl="0">
+              <a:lnSpc>
+                <a:spcPct val="100000"/>
+              </a:lnSpc>
+              <a:spcBef>
+                <a:spcPts val="0"/>
+              </a:spcBef>
+              <a:spcAft>
+                <a:spcPts val="0"/>
+              </a:spcAft>
+              <a:buClr>
+                <a:srgbClr val="000000"/>
+              </a:buClr>
               <a:buSzPts val="1100"/>
+              <a:buFont typeface="Arial"/>
               <a:buChar char="■"/>
-              <a:defRPr sz="1100"/>
+              <a:defRPr sz="1100" b="0" i="0" u="none" strike="noStrike" cap="none">
+                <a:solidFill>
+                  <a:srgbClr val="000000"/>
+                </a:solidFill>
+                <a:latin typeface="Arial"/>
+                <a:ea typeface="Arial"/>
+                <a:cs typeface="Arial"/>
+                <a:sym typeface="Arial"/>
+              </a:defRPr>
             </a:lvl9pPr>
           </a:lstStyle>
           <a:p>
@@ -716,7 +854,7 @@
   <p:cSld>
     <p:spTree>
       <p:nvGrpSpPr>
-        <p:cNvPr id="1" name="Shape 59"/>
+        <p:cNvPr id="1" name="Shape 47"/>
         <p:cNvGrpSpPr/>
         <p:nvPr/>
       </p:nvGrpSpPr>
@@ -730,7 +868,7 @@
       </p:grpSpPr>
       <p:sp>
         <p:nvSpPr>
-          <p:cNvPr id="60" name="Google Shape;60;g335c548e95c_0_109:notes"/>
+          <p:cNvPr id="48" name="Google Shape;48;p1:notes"/>
           <p:cNvSpPr>
             <a:spLocks noGrp="1" noRot="1" noChangeAspect="1"/>
           </p:cNvSpPr>
@@ -767,11 +905,21 @@
               </a:path>
             </a:pathLst>
           </a:custGeom>
+          <a:noFill/>
+          <a:ln w="9525" cap="flat" cmpd="sng">
+            <a:solidFill>
+              <a:srgbClr val="000000"/>
+            </a:solidFill>
+            <a:prstDash val="solid"/>
+            <a:round/>
+            <a:headEnd type="none" w="sm" len="sm"/>
+            <a:tailEnd type="none" w="sm" len="sm"/>
+          </a:ln>
         </p:spPr>
       </p:sp>
       <p:sp>
         <p:nvSpPr>
-          <p:cNvPr id="61" name="Google Shape;61;g335c548e95c_0_109:notes"/>
+          <p:cNvPr id="49" name="Google Shape;49;p1:notes"/>
           <p:cNvSpPr txBox="1">
             <a:spLocks noGrp="1"/>
           </p:cNvSpPr>
@@ -787,6 +935,10 @@
           <a:prstGeom prst="rect">
             <a:avLst/>
           </a:prstGeom>
+          <a:noFill/>
+          <a:ln>
+            <a:noFill/>
+          </a:ln>
         </p:spPr>
         <p:txBody>
           <a:bodyPr spcFirstLastPara="1" wrap="square" lIns="91425" tIns="91425" rIns="91425" bIns="91425" anchor="t" anchorCtr="0">
@@ -795,116 +947,16 @@
           <a:lstStyle/>
           <a:p>
             <a:pPr marL="0" lvl="0" indent="0" algn="l" rtl="0">
-              <a:spcBef>
-                <a:spcPts val="0"/>
-              </a:spcBef>
-              <a:spcAft>
-                <a:spcPts val="0"/>
-              </a:spcAft>
-              <a:buNone/>
-            </a:pPr>
-            <a:endParaRPr/>
-          </a:p>
-        </p:txBody>
-      </p:sp>
-    </p:spTree>
-  </p:cSld>
-  <p:clrMapOvr>
-    <a:masterClrMapping/>
-  </p:clrMapOvr>
-</p:notes>
-</file>
-
-<file path=ppt/notesSlides/notesSlide2.xml><?xml version="1.0" encoding="utf-8"?>
-<p:notes xmlns:a="http://schemas.openxmlformats.org/drawingml/2006/main" xmlns:r="http://schemas.openxmlformats.org/officeDocument/2006/relationships" xmlns:p="http://schemas.openxmlformats.org/presentationml/2006/main" showMasterSp="0" showMasterPhAnim="0">
-  <p:cSld>
-    <p:spTree>
-      <p:nvGrpSpPr>
-        <p:cNvPr id="1" name="Shape 59"/>
-        <p:cNvGrpSpPr/>
-        <p:nvPr/>
-      </p:nvGrpSpPr>
-      <p:grpSpPr>
-        <a:xfrm>
-          <a:off x="0" y="0"/>
-          <a:ext cx="0" cy="0"/>
-          <a:chOff x="0" y="0"/>
-          <a:chExt cx="0" cy="0"/>
-        </a:xfrm>
-      </p:grpSpPr>
-      <p:sp>
-        <p:nvSpPr>
-          <p:cNvPr id="60" name="Google Shape;60;g335c548e95c_0_109:notes"/>
-          <p:cNvSpPr>
-            <a:spLocks noGrp="1" noRot="1" noChangeAspect="1"/>
-          </p:cNvSpPr>
-          <p:nvPr>
-            <p:ph type="sldImg" idx="2"/>
-          </p:nvPr>
-        </p:nvSpPr>
-        <p:spPr>
-          <a:xfrm>
-            <a:off x="381000" y="685800"/>
-            <a:ext cx="6096000" cy="3429000"/>
-          </a:xfrm>
-          <a:custGeom>
-            <a:avLst/>
-            <a:gdLst/>
-            <a:ahLst/>
-            <a:cxnLst/>
-            <a:rect l="l" t="t" r="r" b="b"/>
-            <a:pathLst>
-              <a:path w="120000" h="120000" extrusionOk="0">
-                <a:moveTo>
-                  <a:pt x="0" y="0"/>
-                </a:moveTo>
-                <a:lnTo>
-                  <a:pt x="120000" y="0"/>
-                </a:lnTo>
-                <a:lnTo>
-                  <a:pt x="120000" y="120000"/>
-                </a:lnTo>
-                <a:lnTo>
-                  <a:pt x="0" y="120000"/>
-                </a:lnTo>
-                <a:close/>
-              </a:path>
-            </a:pathLst>
-          </a:custGeom>
-        </p:spPr>
-      </p:sp>
-      <p:sp>
-        <p:nvSpPr>
-          <p:cNvPr id="61" name="Google Shape;61;g335c548e95c_0_109:notes"/>
-          <p:cNvSpPr txBox="1">
-            <a:spLocks noGrp="1"/>
-          </p:cNvSpPr>
-          <p:nvPr>
-            <p:ph type="body" idx="1"/>
-          </p:nvPr>
-        </p:nvSpPr>
-        <p:spPr>
-          <a:xfrm>
-            <a:off x="685800" y="4343400"/>
-            <a:ext cx="5486400" cy="4114800"/>
-          </a:xfrm>
-          <a:prstGeom prst="rect">
-            <a:avLst/>
-          </a:prstGeom>
-        </p:spPr>
-        <p:txBody>
-          <a:bodyPr spcFirstLastPara="1" wrap="square" lIns="91425" tIns="91425" rIns="91425" bIns="91425" anchor="t" anchorCtr="0">
-            <a:noAutofit/>
-          </a:bodyPr>
-          <a:lstStyle/>
-          <a:p>
-            <a:pPr marL="0" lvl="0" indent="0" algn="l" rtl="0">
-              <a:spcBef>
-                <a:spcPts val="0"/>
-              </a:spcBef>
-              <a:spcAft>
-                <a:spcPts val="0"/>
-              </a:spcAft>
+              <a:lnSpc>
+                <a:spcPct val="100000"/>
+              </a:lnSpc>
+              <a:spcBef>
+                <a:spcPts val="0"/>
+              </a:spcBef>
+              <a:spcAft>
+                <a:spcPts val="0"/>
+              </a:spcAft>
+              <a:buSzPts val="1100"/>
               <a:buNone/>
             </a:pPr>
             <a:endParaRPr/>
@@ -954,6 +1006,10 @@
           <a:prstGeom prst="rect">
             <a:avLst/>
           </a:prstGeom>
+          <a:noFill/>
+          <a:ln>
+            <a:noFill/>
+          </a:ln>
         </p:spPr>
         <p:txBody>
           <a:bodyPr spcFirstLastPara="1" wrap="square" lIns="91425" tIns="91425" rIns="91425" bIns="91425" anchor="b" anchorCtr="0">
@@ -961,6 +1017,9 @@
           </a:bodyPr>
           <a:lstStyle>
             <a:lvl1pPr lvl="0" algn="ctr">
+              <a:lnSpc>
+                <a:spcPct val="100000"/>
+              </a:lnSpc>
               <a:spcBef>
                 <a:spcPts val="0"/>
               </a:spcBef>
@@ -972,6 +1031,9 @@
               <a:defRPr sz="5200"/>
             </a:lvl1pPr>
             <a:lvl2pPr lvl="1" algn="ctr">
+              <a:lnSpc>
+                <a:spcPct val="100000"/>
+              </a:lnSpc>
               <a:spcBef>
                 <a:spcPts val="0"/>
               </a:spcBef>
@@ -983,6 +1045,9 @@
               <a:defRPr sz="5200"/>
             </a:lvl2pPr>
             <a:lvl3pPr lvl="2" algn="ctr">
+              <a:lnSpc>
+                <a:spcPct val="100000"/>
+              </a:lnSpc>
               <a:spcBef>
                 <a:spcPts val="0"/>
               </a:spcBef>
@@ -994,6 +1059,9 @@
               <a:defRPr sz="5200"/>
             </a:lvl3pPr>
             <a:lvl4pPr lvl="3" algn="ctr">
+              <a:lnSpc>
+                <a:spcPct val="100000"/>
+              </a:lnSpc>
               <a:spcBef>
                 <a:spcPts val="0"/>
               </a:spcBef>
@@ -1005,6 +1073,9 @@
               <a:defRPr sz="5200"/>
             </a:lvl4pPr>
             <a:lvl5pPr lvl="4" algn="ctr">
+              <a:lnSpc>
+                <a:spcPct val="100000"/>
+              </a:lnSpc>
               <a:spcBef>
                 <a:spcPts val="0"/>
               </a:spcBef>
@@ -1016,6 +1087,9 @@
               <a:defRPr sz="5200"/>
             </a:lvl5pPr>
             <a:lvl6pPr lvl="5" algn="ctr">
+              <a:lnSpc>
+                <a:spcPct val="100000"/>
+              </a:lnSpc>
               <a:spcBef>
                 <a:spcPts val="0"/>
               </a:spcBef>
@@ -1027,6 +1101,9 @@
               <a:defRPr sz="5200"/>
             </a:lvl6pPr>
             <a:lvl7pPr lvl="6" algn="ctr">
+              <a:lnSpc>
+                <a:spcPct val="100000"/>
+              </a:lnSpc>
               <a:spcBef>
                 <a:spcPts val="0"/>
               </a:spcBef>
@@ -1038,6 +1115,9 @@
               <a:defRPr sz="5200"/>
             </a:lvl7pPr>
             <a:lvl8pPr lvl="7" algn="ctr">
+              <a:lnSpc>
+                <a:spcPct val="100000"/>
+              </a:lnSpc>
               <a:spcBef>
                 <a:spcPts val="0"/>
               </a:spcBef>
@@ -1049,6 +1129,9 @@
               <a:defRPr sz="5200"/>
             </a:lvl8pPr>
             <a:lvl9pPr lvl="8" algn="ctr">
+              <a:lnSpc>
+                <a:spcPct val="100000"/>
+              </a:lnSpc>
               <a:spcBef>
                 <a:spcPts val="0"/>
               </a:spcBef>
@@ -1083,6 +1166,10 @@
           <a:prstGeom prst="rect">
             <a:avLst/>
           </a:prstGeom>
+          <a:noFill/>
+          <a:ln>
+            <a:noFill/>
+          </a:ln>
         </p:spPr>
         <p:txBody>
           <a:bodyPr spcFirstLastPara="1" wrap="square" lIns="91425" tIns="91425" rIns="91425" bIns="91425" anchor="t" anchorCtr="0">
@@ -1239,47 +1326,249 @@
           <a:prstGeom prst="rect">
             <a:avLst/>
           </a:prstGeom>
+          <a:noFill/>
+          <a:ln>
+            <a:noFill/>
+          </a:ln>
         </p:spPr>
         <p:txBody>
           <a:bodyPr spcFirstLastPara="1" wrap="square" lIns="91425" tIns="91425" rIns="91425" bIns="91425" anchor="ctr" anchorCtr="0">
             <a:normAutofit/>
           </a:bodyPr>
           <a:lstStyle>
-            <a:lvl1pPr lvl="0">
-              <a:buNone/>
-              <a:defRPr/>
+            <a:lvl1pPr marL="0" marR="0" lvl="0" indent="0" algn="r">
+              <a:lnSpc>
+                <a:spcPct val="100000"/>
+              </a:lnSpc>
+              <a:spcBef>
+                <a:spcPts val="0"/>
+              </a:spcBef>
+              <a:spcAft>
+                <a:spcPts val="0"/>
+              </a:spcAft>
+              <a:buClr>
+                <a:srgbClr val="000000"/>
+              </a:buClr>
+              <a:buSzPts val="1000"/>
+              <a:buFont typeface="Arial"/>
+              <a:buNone/>
+              <a:defRPr sz="1000" b="0" i="0" u="none" strike="noStrike" cap="none">
+                <a:solidFill>
+                  <a:schemeClr val="dk2"/>
+                </a:solidFill>
+                <a:latin typeface="Arial"/>
+                <a:ea typeface="Arial"/>
+                <a:cs typeface="Arial"/>
+                <a:sym typeface="Arial"/>
+              </a:defRPr>
             </a:lvl1pPr>
-            <a:lvl2pPr lvl="1">
-              <a:buNone/>
-              <a:defRPr/>
+            <a:lvl2pPr marL="0" marR="0" lvl="1" indent="0" algn="r">
+              <a:lnSpc>
+                <a:spcPct val="100000"/>
+              </a:lnSpc>
+              <a:spcBef>
+                <a:spcPts val="0"/>
+              </a:spcBef>
+              <a:spcAft>
+                <a:spcPts val="0"/>
+              </a:spcAft>
+              <a:buClr>
+                <a:srgbClr val="000000"/>
+              </a:buClr>
+              <a:buSzPts val="1000"/>
+              <a:buFont typeface="Arial"/>
+              <a:buNone/>
+              <a:defRPr sz="1000" b="0" i="0" u="none" strike="noStrike" cap="none">
+                <a:solidFill>
+                  <a:schemeClr val="dk2"/>
+                </a:solidFill>
+                <a:latin typeface="Arial"/>
+                <a:ea typeface="Arial"/>
+                <a:cs typeface="Arial"/>
+                <a:sym typeface="Arial"/>
+              </a:defRPr>
             </a:lvl2pPr>
-            <a:lvl3pPr lvl="2">
-              <a:buNone/>
-              <a:defRPr/>
+            <a:lvl3pPr marL="0" marR="0" lvl="2" indent="0" algn="r">
+              <a:lnSpc>
+                <a:spcPct val="100000"/>
+              </a:lnSpc>
+              <a:spcBef>
+                <a:spcPts val="0"/>
+              </a:spcBef>
+              <a:spcAft>
+                <a:spcPts val="0"/>
+              </a:spcAft>
+              <a:buClr>
+                <a:srgbClr val="000000"/>
+              </a:buClr>
+              <a:buSzPts val="1000"/>
+              <a:buFont typeface="Arial"/>
+              <a:buNone/>
+              <a:defRPr sz="1000" b="0" i="0" u="none" strike="noStrike" cap="none">
+                <a:solidFill>
+                  <a:schemeClr val="dk2"/>
+                </a:solidFill>
+                <a:latin typeface="Arial"/>
+                <a:ea typeface="Arial"/>
+                <a:cs typeface="Arial"/>
+                <a:sym typeface="Arial"/>
+              </a:defRPr>
             </a:lvl3pPr>
-            <a:lvl4pPr lvl="3">
-              <a:buNone/>
-              <a:defRPr/>
+            <a:lvl4pPr marL="0" marR="0" lvl="3" indent="0" algn="r">
+              <a:lnSpc>
+                <a:spcPct val="100000"/>
+              </a:lnSpc>
+              <a:spcBef>
+                <a:spcPts val="0"/>
+              </a:spcBef>
+              <a:spcAft>
+                <a:spcPts val="0"/>
+              </a:spcAft>
+              <a:buClr>
+                <a:srgbClr val="000000"/>
+              </a:buClr>
+              <a:buSzPts val="1000"/>
+              <a:buFont typeface="Arial"/>
+              <a:buNone/>
+              <a:defRPr sz="1000" b="0" i="0" u="none" strike="noStrike" cap="none">
+                <a:solidFill>
+                  <a:schemeClr val="dk2"/>
+                </a:solidFill>
+                <a:latin typeface="Arial"/>
+                <a:ea typeface="Arial"/>
+                <a:cs typeface="Arial"/>
+                <a:sym typeface="Arial"/>
+              </a:defRPr>
             </a:lvl4pPr>
-            <a:lvl5pPr lvl="4">
-              <a:buNone/>
-              <a:defRPr/>
+            <a:lvl5pPr marL="0" marR="0" lvl="4" indent="0" algn="r">
+              <a:lnSpc>
+                <a:spcPct val="100000"/>
+              </a:lnSpc>
+              <a:spcBef>
+                <a:spcPts val="0"/>
+              </a:spcBef>
+              <a:spcAft>
+                <a:spcPts val="0"/>
+              </a:spcAft>
+              <a:buClr>
+                <a:srgbClr val="000000"/>
+              </a:buClr>
+              <a:buSzPts val="1000"/>
+              <a:buFont typeface="Arial"/>
+              <a:buNone/>
+              <a:defRPr sz="1000" b="0" i="0" u="none" strike="noStrike" cap="none">
+                <a:solidFill>
+                  <a:schemeClr val="dk2"/>
+                </a:solidFill>
+                <a:latin typeface="Arial"/>
+                <a:ea typeface="Arial"/>
+                <a:cs typeface="Arial"/>
+                <a:sym typeface="Arial"/>
+              </a:defRPr>
             </a:lvl5pPr>
-            <a:lvl6pPr lvl="5">
-              <a:buNone/>
-              <a:defRPr/>
+            <a:lvl6pPr marL="0" marR="0" lvl="5" indent="0" algn="r">
+              <a:lnSpc>
+                <a:spcPct val="100000"/>
+              </a:lnSpc>
+              <a:spcBef>
+                <a:spcPts val="0"/>
+              </a:spcBef>
+              <a:spcAft>
+                <a:spcPts val="0"/>
+              </a:spcAft>
+              <a:buClr>
+                <a:srgbClr val="000000"/>
+              </a:buClr>
+              <a:buSzPts val="1000"/>
+              <a:buFont typeface="Arial"/>
+              <a:buNone/>
+              <a:defRPr sz="1000" b="0" i="0" u="none" strike="noStrike" cap="none">
+                <a:solidFill>
+                  <a:schemeClr val="dk2"/>
+                </a:solidFill>
+                <a:latin typeface="Arial"/>
+                <a:ea typeface="Arial"/>
+                <a:cs typeface="Arial"/>
+                <a:sym typeface="Arial"/>
+              </a:defRPr>
             </a:lvl6pPr>
-            <a:lvl7pPr lvl="6">
-              <a:buNone/>
-              <a:defRPr/>
+            <a:lvl7pPr marL="0" marR="0" lvl="6" indent="0" algn="r">
+              <a:lnSpc>
+                <a:spcPct val="100000"/>
+              </a:lnSpc>
+              <a:spcBef>
+                <a:spcPts val="0"/>
+              </a:spcBef>
+              <a:spcAft>
+                <a:spcPts val="0"/>
+              </a:spcAft>
+              <a:buClr>
+                <a:srgbClr val="000000"/>
+              </a:buClr>
+              <a:buSzPts val="1000"/>
+              <a:buFont typeface="Arial"/>
+              <a:buNone/>
+              <a:defRPr sz="1000" b="0" i="0" u="none" strike="noStrike" cap="none">
+                <a:solidFill>
+                  <a:schemeClr val="dk2"/>
+                </a:solidFill>
+                <a:latin typeface="Arial"/>
+                <a:ea typeface="Arial"/>
+                <a:cs typeface="Arial"/>
+                <a:sym typeface="Arial"/>
+              </a:defRPr>
             </a:lvl7pPr>
-            <a:lvl8pPr lvl="7">
-              <a:buNone/>
-              <a:defRPr/>
+            <a:lvl8pPr marL="0" marR="0" lvl="7" indent="0" algn="r">
+              <a:lnSpc>
+                <a:spcPct val="100000"/>
+              </a:lnSpc>
+              <a:spcBef>
+                <a:spcPts val="0"/>
+              </a:spcBef>
+              <a:spcAft>
+                <a:spcPts val="0"/>
+              </a:spcAft>
+              <a:buClr>
+                <a:srgbClr val="000000"/>
+              </a:buClr>
+              <a:buSzPts val="1000"/>
+              <a:buFont typeface="Arial"/>
+              <a:buNone/>
+              <a:defRPr sz="1000" b="0" i="0" u="none" strike="noStrike" cap="none">
+                <a:solidFill>
+                  <a:schemeClr val="dk2"/>
+                </a:solidFill>
+                <a:latin typeface="Arial"/>
+                <a:ea typeface="Arial"/>
+                <a:cs typeface="Arial"/>
+                <a:sym typeface="Arial"/>
+              </a:defRPr>
             </a:lvl8pPr>
-            <a:lvl9pPr lvl="8">
-              <a:buNone/>
-              <a:defRPr/>
+            <a:lvl9pPr marL="0" marR="0" lvl="8" indent="0" algn="r">
+              <a:lnSpc>
+                <a:spcPct val="100000"/>
+              </a:lnSpc>
+              <a:spcBef>
+                <a:spcPts val="0"/>
+              </a:spcBef>
+              <a:spcAft>
+                <a:spcPts val="0"/>
+              </a:spcAft>
+              <a:buClr>
+                <a:srgbClr val="000000"/>
+              </a:buClr>
+              <a:buSzPts val="1000"/>
+              <a:buFont typeface="Arial"/>
+              <a:buNone/>
+              <a:defRPr sz="1000" b="0" i="0" u="none" strike="noStrike" cap="none">
+                <a:solidFill>
+                  <a:schemeClr val="dk2"/>
+                </a:solidFill>
+                <a:latin typeface="Arial"/>
+                <a:ea typeface="Arial"/>
+                <a:cs typeface="Arial"/>
+                <a:sym typeface="Arial"/>
+              </a:defRPr>
             </a:lvl9pPr>
           </a:lstStyle>
           <a:p>
@@ -1311,9 +1600,22 @@
 <file path=ppt/slideLayouts/slideLayout10.xml><?xml version="1.0" encoding="utf-8"?>
 <p:sldLayout xmlns:a="http://schemas.openxmlformats.org/drawingml/2006/main" xmlns:r="http://schemas.openxmlformats.org/officeDocument/2006/relationships" xmlns:p="http://schemas.openxmlformats.org/presentationml/2006/main" matchingName="Blank" type="blank">
   <p:cSld name="BLANK">
+    <p:bg>
+      <p:bgPr>
+        <a:blipFill>
+          <a:blip r:embed="rId2">
+            <a:alphaModFix/>
+          </a:blip>
+          <a:stretch>
+            <a:fillRect/>
+          </a:stretch>
+        </a:blipFill>
+        <a:effectLst/>
+      </p:bgPr>
+    </p:bg>
     <p:spTree>
       <p:nvGrpSpPr>
-        <p:cNvPr id="1" name="Shape 48"/>
+        <p:cNvPr id="1" name="Shape 45"/>
         <p:cNvGrpSpPr/>
         <p:nvPr/>
       </p:nvGrpSpPr>
@@ -1327,7 +1629,7 @@
       </p:grpSpPr>
       <p:sp>
         <p:nvSpPr>
-          <p:cNvPr id="49" name="Google Shape;49;p12"/>
+          <p:cNvPr id="46" name="Google Shape;46;p11"/>
           <p:cNvSpPr txBox="1">
             <a:spLocks noGrp="1"/>
           </p:cNvSpPr>
@@ -1337,53 +1639,255 @@
         </p:nvSpPr>
         <p:spPr>
           <a:xfrm>
-            <a:off x="8472458" y="4663217"/>
+            <a:off x="8502658" y="4693417"/>
             <a:ext cx="548700" cy="393600"/>
           </a:xfrm>
           <a:prstGeom prst="rect">
             <a:avLst/>
           </a:prstGeom>
+          <a:noFill/>
+          <a:ln>
+            <a:noFill/>
+          </a:ln>
         </p:spPr>
         <p:txBody>
           <a:bodyPr spcFirstLastPara="1" wrap="square" lIns="91425" tIns="91425" rIns="91425" bIns="91425" anchor="ctr" anchorCtr="0">
             <a:normAutofit/>
           </a:bodyPr>
           <a:lstStyle>
-            <a:lvl1pPr lvl="0">
-              <a:buNone/>
-              <a:defRPr/>
+            <a:lvl1pPr marL="0" marR="0" lvl="0" indent="0" algn="r">
+              <a:lnSpc>
+                <a:spcPct val="100000"/>
+              </a:lnSpc>
+              <a:spcBef>
+                <a:spcPts val="0"/>
+              </a:spcBef>
+              <a:spcAft>
+                <a:spcPts val="0"/>
+              </a:spcAft>
+              <a:buClr>
+                <a:srgbClr val="000000"/>
+              </a:buClr>
+              <a:buSzPts val="1000"/>
+              <a:buFont typeface="Arial"/>
+              <a:buNone/>
+              <a:defRPr sz="1000" b="0" i="0" u="none" strike="noStrike" cap="none">
+                <a:solidFill>
+                  <a:schemeClr val="dk2"/>
+                </a:solidFill>
+                <a:latin typeface="Arial"/>
+                <a:ea typeface="Arial"/>
+                <a:cs typeface="Arial"/>
+                <a:sym typeface="Arial"/>
+              </a:defRPr>
             </a:lvl1pPr>
-            <a:lvl2pPr lvl="1">
-              <a:buNone/>
-              <a:defRPr/>
+            <a:lvl2pPr marL="0" marR="0" lvl="1" indent="0" algn="r">
+              <a:lnSpc>
+                <a:spcPct val="100000"/>
+              </a:lnSpc>
+              <a:spcBef>
+                <a:spcPts val="0"/>
+              </a:spcBef>
+              <a:spcAft>
+                <a:spcPts val="0"/>
+              </a:spcAft>
+              <a:buClr>
+                <a:srgbClr val="000000"/>
+              </a:buClr>
+              <a:buSzPts val="1000"/>
+              <a:buFont typeface="Arial"/>
+              <a:buNone/>
+              <a:defRPr sz="1000" b="0" i="0" u="none" strike="noStrike" cap="none">
+                <a:solidFill>
+                  <a:schemeClr val="dk2"/>
+                </a:solidFill>
+                <a:latin typeface="Arial"/>
+                <a:ea typeface="Arial"/>
+                <a:cs typeface="Arial"/>
+                <a:sym typeface="Arial"/>
+              </a:defRPr>
             </a:lvl2pPr>
-            <a:lvl3pPr lvl="2">
-              <a:buNone/>
-              <a:defRPr/>
+            <a:lvl3pPr marL="0" marR="0" lvl="2" indent="0" algn="r">
+              <a:lnSpc>
+                <a:spcPct val="100000"/>
+              </a:lnSpc>
+              <a:spcBef>
+                <a:spcPts val="0"/>
+              </a:spcBef>
+              <a:spcAft>
+                <a:spcPts val="0"/>
+              </a:spcAft>
+              <a:buClr>
+                <a:srgbClr val="000000"/>
+              </a:buClr>
+              <a:buSzPts val="1000"/>
+              <a:buFont typeface="Arial"/>
+              <a:buNone/>
+              <a:defRPr sz="1000" b="0" i="0" u="none" strike="noStrike" cap="none">
+                <a:solidFill>
+                  <a:schemeClr val="dk2"/>
+                </a:solidFill>
+                <a:latin typeface="Arial"/>
+                <a:ea typeface="Arial"/>
+                <a:cs typeface="Arial"/>
+                <a:sym typeface="Arial"/>
+              </a:defRPr>
             </a:lvl3pPr>
-            <a:lvl4pPr lvl="3">
-              <a:buNone/>
-              <a:defRPr/>
+            <a:lvl4pPr marL="0" marR="0" lvl="3" indent="0" algn="r">
+              <a:lnSpc>
+                <a:spcPct val="100000"/>
+              </a:lnSpc>
+              <a:spcBef>
+                <a:spcPts val="0"/>
+              </a:spcBef>
+              <a:spcAft>
+                <a:spcPts val="0"/>
+              </a:spcAft>
+              <a:buClr>
+                <a:srgbClr val="000000"/>
+              </a:buClr>
+              <a:buSzPts val="1000"/>
+              <a:buFont typeface="Arial"/>
+              <a:buNone/>
+              <a:defRPr sz="1000" b="0" i="0" u="none" strike="noStrike" cap="none">
+                <a:solidFill>
+                  <a:schemeClr val="dk2"/>
+                </a:solidFill>
+                <a:latin typeface="Arial"/>
+                <a:ea typeface="Arial"/>
+                <a:cs typeface="Arial"/>
+                <a:sym typeface="Arial"/>
+              </a:defRPr>
             </a:lvl4pPr>
-            <a:lvl5pPr lvl="4">
-              <a:buNone/>
-              <a:defRPr/>
+            <a:lvl5pPr marL="0" marR="0" lvl="4" indent="0" algn="r">
+              <a:lnSpc>
+                <a:spcPct val="100000"/>
+              </a:lnSpc>
+              <a:spcBef>
+                <a:spcPts val="0"/>
+              </a:spcBef>
+              <a:spcAft>
+                <a:spcPts val="0"/>
+              </a:spcAft>
+              <a:buClr>
+                <a:srgbClr val="000000"/>
+              </a:buClr>
+              <a:buSzPts val="1000"/>
+              <a:buFont typeface="Arial"/>
+              <a:buNone/>
+              <a:defRPr sz="1000" b="0" i="0" u="none" strike="noStrike" cap="none">
+                <a:solidFill>
+                  <a:schemeClr val="dk2"/>
+                </a:solidFill>
+                <a:latin typeface="Arial"/>
+                <a:ea typeface="Arial"/>
+                <a:cs typeface="Arial"/>
+                <a:sym typeface="Arial"/>
+              </a:defRPr>
             </a:lvl5pPr>
-            <a:lvl6pPr lvl="5">
-              <a:buNone/>
-              <a:defRPr/>
+            <a:lvl6pPr marL="0" marR="0" lvl="5" indent="0" algn="r">
+              <a:lnSpc>
+                <a:spcPct val="100000"/>
+              </a:lnSpc>
+              <a:spcBef>
+                <a:spcPts val="0"/>
+              </a:spcBef>
+              <a:spcAft>
+                <a:spcPts val="0"/>
+              </a:spcAft>
+              <a:buClr>
+                <a:srgbClr val="000000"/>
+              </a:buClr>
+              <a:buSzPts val="1000"/>
+              <a:buFont typeface="Arial"/>
+              <a:buNone/>
+              <a:defRPr sz="1000" b="0" i="0" u="none" strike="noStrike" cap="none">
+                <a:solidFill>
+                  <a:schemeClr val="dk2"/>
+                </a:solidFill>
+                <a:latin typeface="Arial"/>
+                <a:ea typeface="Arial"/>
+                <a:cs typeface="Arial"/>
+                <a:sym typeface="Arial"/>
+              </a:defRPr>
             </a:lvl6pPr>
-            <a:lvl7pPr lvl="6">
-              <a:buNone/>
-              <a:defRPr/>
+            <a:lvl7pPr marL="0" marR="0" lvl="6" indent="0" algn="r">
+              <a:lnSpc>
+                <a:spcPct val="100000"/>
+              </a:lnSpc>
+              <a:spcBef>
+                <a:spcPts val="0"/>
+              </a:spcBef>
+              <a:spcAft>
+                <a:spcPts val="0"/>
+              </a:spcAft>
+              <a:buClr>
+                <a:srgbClr val="000000"/>
+              </a:buClr>
+              <a:buSzPts val="1000"/>
+              <a:buFont typeface="Arial"/>
+              <a:buNone/>
+              <a:defRPr sz="1000" b="0" i="0" u="none" strike="noStrike" cap="none">
+                <a:solidFill>
+                  <a:schemeClr val="dk2"/>
+                </a:solidFill>
+                <a:latin typeface="Arial"/>
+                <a:ea typeface="Arial"/>
+                <a:cs typeface="Arial"/>
+                <a:sym typeface="Arial"/>
+              </a:defRPr>
             </a:lvl7pPr>
-            <a:lvl8pPr lvl="7">
-              <a:buNone/>
-              <a:defRPr/>
+            <a:lvl8pPr marL="0" marR="0" lvl="7" indent="0" algn="r">
+              <a:lnSpc>
+                <a:spcPct val="100000"/>
+              </a:lnSpc>
+              <a:spcBef>
+                <a:spcPts val="0"/>
+              </a:spcBef>
+              <a:spcAft>
+                <a:spcPts val="0"/>
+              </a:spcAft>
+              <a:buClr>
+                <a:srgbClr val="000000"/>
+              </a:buClr>
+              <a:buSzPts val="1000"/>
+              <a:buFont typeface="Arial"/>
+              <a:buNone/>
+              <a:defRPr sz="1000" b="0" i="0" u="none" strike="noStrike" cap="none">
+                <a:solidFill>
+                  <a:schemeClr val="dk2"/>
+                </a:solidFill>
+                <a:latin typeface="Arial"/>
+                <a:ea typeface="Arial"/>
+                <a:cs typeface="Arial"/>
+                <a:sym typeface="Arial"/>
+              </a:defRPr>
             </a:lvl8pPr>
-            <a:lvl9pPr lvl="8">
-              <a:buNone/>
-              <a:defRPr/>
+            <a:lvl9pPr marL="0" marR="0" lvl="8" indent="0" algn="r">
+              <a:lnSpc>
+                <a:spcPct val="100000"/>
+              </a:lnSpc>
+              <a:spcBef>
+                <a:spcPts val="0"/>
+              </a:spcBef>
+              <a:spcAft>
+                <a:spcPts val="0"/>
+              </a:spcAft>
+              <a:buClr>
+                <a:srgbClr val="000000"/>
+              </a:buClr>
+              <a:buSzPts val="1000"/>
+              <a:buFont typeface="Arial"/>
+              <a:buNone/>
+              <a:defRPr sz="1000" b="0" i="0" u="none" strike="noStrike" cap="none">
+                <a:solidFill>
+                  <a:schemeClr val="dk2"/>
+                </a:solidFill>
+                <a:latin typeface="Arial"/>
+                <a:ea typeface="Arial"/>
+                <a:cs typeface="Arial"/>
+                <a:sym typeface="Arial"/>
+              </a:defRPr>
             </a:lvl9pPr>
           </a:lstStyle>
           <a:p>
@@ -1417,7 +1921,7 @@
   <p:cSld name="TITLE_AND_BODY">
     <p:spTree>
       <p:nvGrpSpPr>
-        <p:cNvPr id="1" name="Shape 16"/>
+        <p:cNvPr id="1" name="Shape 13"/>
         <p:cNvGrpSpPr/>
         <p:nvPr/>
       </p:nvGrpSpPr>
@@ -1431,7 +1935,7 @@
       </p:grpSpPr>
       <p:sp>
         <p:nvSpPr>
-          <p:cNvPr id="17" name="Google Shape;17;p4"/>
+          <p:cNvPr id="14" name="Google Shape;14;p3"/>
           <p:cNvSpPr txBox="1">
             <a:spLocks noGrp="1"/>
           </p:cNvSpPr>
@@ -1447,13 +1951,20 @@
           <a:prstGeom prst="rect">
             <a:avLst/>
           </a:prstGeom>
+          <a:noFill/>
+          <a:ln>
+            <a:noFill/>
+          </a:ln>
         </p:spPr>
         <p:txBody>
           <a:bodyPr spcFirstLastPara="1" wrap="square" lIns="91425" tIns="91425" rIns="91425" bIns="91425" anchor="t" anchorCtr="0">
             <a:normAutofit/>
           </a:bodyPr>
           <a:lstStyle>
-            <a:lvl1pPr lvl="0">
+            <a:lvl1pPr lvl="0" algn="l">
+              <a:lnSpc>
+                <a:spcPct val="100000"/>
+              </a:lnSpc>
               <a:spcBef>
                 <a:spcPts val="0"/>
               </a:spcBef>
@@ -1464,7 +1975,10 @@
               <a:buNone/>
               <a:defRPr/>
             </a:lvl1pPr>
-            <a:lvl2pPr lvl="1">
+            <a:lvl2pPr lvl="1" algn="l">
+              <a:lnSpc>
+                <a:spcPct val="100000"/>
+              </a:lnSpc>
               <a:spcBef>
                 <a:spcPts val="0"/>
               </a:spcBef>
@@ -1475,7 +1989,10 @@
               <a:buNone/>
               <a:defRPr/>
             </a:lvl2pPr>
-            <a:lvl3pPr lvl="2">
+            <a:lvl3pPr lvl="2" algn="l">
+              <a:lnSpc>
+                <a:spcPct val="100000"/>
+              </a:lnSpc>
               <a:spcBef>
                 <a:spcPts val="0"/>
               </a:spcBef>
@@ -1486,7 +2003,10 @@
               <a:buNone/>
               <a:defRPr/>
             </a:lvl3pPr>
-            <a:lvl4pPr lvl="3">
+            <a:lvl4pPr lvl="3" algn="l">
+              <a:lnSpc>
+                <a:spcPct val="100000"/>
+              </a:lnSpc>
               <a:spcBef>
                 <a:spcPts val="0"/>
               </a:spcBef>
@@ -1497,7 +2017,10 @@
               <a:buNone/>
               <a:defRPr/>
             </a:lvl4pPr>
-            <a:lvl5pPr lvl="4">
+            <a:lvl5pPr lvl="4" algn="l">
+              <a:lnSpc>
+                <a:spcPct val="100000"/>
+              </a:lnSpc>
               <a:spcBef>
                 <a:spcPts val="0"/>
               </a:spcBef>
@@ -1508,7 +2031,10 @@
               <a:buNone/>
               <a:defRPr/>
             </a:lvl5pPr>
-            <a:lvl6pPr lvl="5">
+            <a:lvl6pPr lvl="5" algn="l">
+              <a:lnSpc>
+                <a:spcPct val="100000"/>
+              </a:lnSpc>
               <a:spcBef>
                 <a:spcPts val="0"/>
               </a:spcBef>
@@ -1519,7 +2045,10 @@
               <a:buNone/>
               <a:defRPr/>
             </a:lvl6pPr>
-            <a:lvl7pPr lvl="6">
+            <a:lvl7pPr lvl="6" algn="l">
+              <a:lnSpc>
+                <a:spcPct val="100000"/>
+              </a:lnSpc>
               <a:spcBef>
                 <a:spcPts val="0"/>
               </a:spcBef>
@@ -1530,7 +2059,10 @@
               <a:buNone/>
               <a:defRPr/>
             </a:lvl7pPr>
-            <a:lvl8pPr lvl="7">
+            <a:lvl8pPr lvl="7" algn="l">
+              <a:lnSpc>
+                <a:spcPct val="100000"/>
+              </a:lnSpc>
               <a:spcBef>
                 <a:spcPts val="0"/>
               </a:spcBef>
@@ -1541,7 +2073,10 @@
               <a:buNone/>
               <a:defRPr/>
             </a:lvl8pPr>
-            <a:lvl9pPr lvl="8">
+            <a:lvl9pPr lvl="8" algn="l">
+              <a:lnSpc>
+                <a:spcPct val="100000"/>
+              </a:lnSpc>
               <a:spcBef>
                 <a:spcPts val="0"/>
               </a:spcBef>
@@ -1560,7 +2095,7 @@
       </p:sp>
       <p:sp>
         <p:nvSpPr>
-          <p:cNvPr id="18" name="Google Shape;18;p4"/>
+          <p:cNvPr id="15" name="Google Shape;15;p3"/>
           <p:cNvSpPr txBox="1">
             <a:spLocks noGrp="1"/>
           </p:cNvSpPr>
@@ -1576,13 +2111,20 @@
           <a:prstGeom prst="rect">
             <a:avLst/>
           </a:prstGeom>
+          <a:noFill/>
+          <a:ln>
+            <a:noFill/>
+          </a:ln>
         </p:spPr>
         <p:txBody>
           <a:bodyPr spcFirstLastPara="1" wrap="square" lIns="91425" tIns="91425" rIns="91425" bIns="91425" anchor="t" anchorCtr="0">
             <a:normAutofit/>
           </a:bodyPr>
           <a:lstStyle>
-            <a:lvl1pPr marL="457200" lvl="0" indent="-342900">
+            <a:lvl1pPr marL="457200" lvl="0" indent="-342900" algn="l">
+              <a:lnSpc>
+                <a:spcPct val="115000"/>
+              </a:lnSpc>
               <a:spcBef>
                 <a:spcPts val="0"/>
               </a:spcBef>
@@ -1593,7 +2135,10 @@
               <a:buChar char="●"/>
               <a:defRPr/>
             </a:lvl1pPr>
-            <a:lvl2pPr marL="914400" lvl="1" indent="-317500">
+            <a:lvl2pPr marL="914400" lvl="1" indent="-317500" algn="l">
+              <a:lnSpc>
+                <a:spcPct val="115000"/>
+              </a:lnSpc>
               <a:spcBef>
                 <a:spcPts val="0"/>
               </a:spcBef>
@@ -1604,7 +2149,10 @@
               <a:buChar char="○"/>
               <a:defRPr/>
             </a:lvl2pPr>
-            <a:lvl3pPr marL="1371600" lvl="2" indent="-317500">
+            <a:lvl3pPr marL="1371600" lvl="2" indent="-317500" algn="l">
+              <a:lnSpc>
+                <a:spcPct val="115000"/>
+              </a:lnSpc>
               <a:spcBef>
                 <a:spcPts val="0"/>
               </a:spcBef>
@@ -1615,7 +2163,10 @@
               <a:buChar char="■"/>
               <a:defRPr/>
             </a:lvl3pPr>
-            <a:lvl4pPr marL="1828800" lvl="3" indent="-317500">
+            <a:lvl4pPr marL="1828800" lvl="3" indent="-317500" algn="l">
+              <a:lnSpc>
+                <a:spcPct val="115000"/>
+              </a:lnSpc>
               <a:spcBef>
                 <a:spcPts val="0"/>
               </a:spcBef>
@@ -1626,7 +2177,10 @@
               <a:buChar char="●"/>
               <a:defRPr/>
             </a:lvl4pPr>
-            <a:lvl5pPr marL="2286000" lvl="4" indent="-317500">
+            <a:lvl5pPr marL="2286000" lvl="4" indent="-317500" algn="l">
+              <a:lnSpc>
+                <a:spcPct val="115000"/>
+              </a:lnSpc>
               <a:spcBef>
                 <a:spcPts val="0"/>
               </a:spcBef>
@@ -1637,7 +2191,10 @@
               <a:buChar char="○"/>
               <a:defRPr/>
             </a:lvl5pPr>
-            <a:lvl6pPr marL="2743200" lvl="5" indent="-317500">
+            <a:lvl6pPr marL="2743200" lvl="5" indent="-317500" algn="l">
+              <a:lnSpc>
+                <a:spcPct val="115000"/>
+              </a:lnSpc>
               <a:spcBef>
                 <a:spcPts val="0"/>
               </a:spcBef>
@@ -1648,7 +2205,10 @@
               <a:buChar char="■"/>
               <a:defRPr/>
             </a:lvl6pPr>
-            <a:lvl7pPr marL="3200400" lvl="6" indent="-317500">
+            <a:lvl7pPr marL="3200400" lvl="6" indent="-317500" algn="l">
+              <a:lnSpc>
+                <a:spcPct val="115000"/>
+              </a:lnSpc>
               <a:spcBef>
                 <a:spcPts val="0"/>
               </a:spcBef>
@@ -1659,7 +2219,10 @@
               <a:buChar char="●"/>
               <a:defRPr/>
             </a:lvl7pPr>
-            <a:lvl8pPr marL="3657600" lvl="7" indent="-317500">
+            <a:lvl8pPr marL="3657600" lvl="7" indent="-317500" algn="l">
+              <a:lnSpc>
+                <a:spcPct val="115000"/>
+              </a:lnSpc>
               <a:spcBef>
                 <a:spcPts val="0"/>
               </a:spcBef>
@@ -1670,7 +2233,10 @@
               <a:buChar char="○"/>
               <a:defRPr/>
             </a:lvl8pPr>
-            <a:lvl9pPr marL="4114800" lvl="8" indent="-317500">
+            <a:lvl9pPr marL="4114800" lvl="8" indent="-317500" algn="l">
+              <a:lnSpc>
+                <a:spcPct val="115000"/>
+              </a:lnSpc>
               <a:spcBef>
                 <a:spcPts val="0"/>
               </a:spcBef>
@@ -1689,7 +2255,7 @@
       </p:sp>
       <p:sp>
         <p:nvSpPr>
-          <p:cNvPr id="19" name="Google Shape;19;p4"/>
+          <p:cNvPr id="16" name="Google Shape;16;p3"/>
           <p:cNvSpPr txBox="1">
             <a:spLocks noGrp="1"/>
           </p:cNvSpPr>
@@ -1705,47 +2271,249 @@
           <a:prstGeom prst="rect">
             <a:avLst/>
           </a:prstGeom>
+          <a:noFill/>
+          <a:ln>
+            <a:noFill/>
+          </a:ln>
         </p:spPr>
         <p:txBody>
           <a:bodyPr spcFirstLastPara="1" wrap="square" lIns="91425" tIns="91425" rIns="91425" bIns="91425" anchor="ctr" anchorCtr="0">
             <a:normAutofit/>
           </a:bodyPr>
           <a:lstStyle>
-            <a:lvl1pPr lvl="0">
-              <a:buNone/>
-              <a:defRPr/>
+            <a:lvl1pPr marL="0" marR="0" lvl="0" indent="0" algn="r">
+              <a:lnSpc>
+                <a:spcPct val="100000"/>
+              </a:lnSpc>
+              <a:spcBef>
+                <a:spcPts val="0"/>
+              </a:spcBef>
+              <a:spcAft>
+                <a:spcPts val="0"/>
+              </a:spcAft>
+              <a:buClr>
+                <a:srgbClr val="000000"/>
+              </a:buClr>
+              <a:buSzPts val="1000"/>
+              <a:buFont typeface="Arial"/>
+              <a:buNone/>
+              <a:defRPr sz="1000" b="0" i="0" u="none" strike="noStrike" cap="none">
+                <a:solidFill>
+                  <a:schemeClr val="dk2"/>
+                </a:solidFill>
+                <a:latin typeface="Arial"/>
+                <a:ea typeface="Arial"/>
+                <a:cs typeface="Arial"/>
+                <a:sym typeface="Arial"/>
+              </a:defRPr>
             </a:lvl1pPr>
-            <a:lvl2pPr lvl="1">
-              <a:buNone/>
-              <a:defRPr/>
+            <a:lvl2pPr marL="0" marR="0" lvl="1" indent="0" algn="r">
+              <a:lnSpc>
+                <a:spcPct val="100000"/>
+              </a:lnSpc>
+              <a:spcBef>
+                <a:spcPts val="0"/>
+              </a:spcBef>
+              <a:spcAft>
+                <a:spcPts val="0"/>
+              </a:spcAft>
+              <a:buClr>
+                <a:srgbClr val="000000"/>
+              </a:buClr>
+              <a:buSzPts val="1000"/>
+              <a:buFont typeface="Arial"/>
+              <a:buNone/>
+              <a:defRPr sz="1000" b="0" i="0" u="none" strike="noStrike" cap="none">
+                <a:solidFill>
+                  <a:schemeClr val="dk2"/>
+                </a:solidFill>
+                <a:latin typeface="Arial"/>
+                <a:ea typeface="Arial"/>
+                <a:cs typeface="Arial"/>
+                <a:sym typeface="Arial"/>
+              </a:defRPr>
             </a:lvl2pPr>
-            <a:lvl3pPr lvl="2">
-              <a:buNone/>
-              <a:defRPr/>
+            <a:lvl3pPr marL="0" marR="0" lvl="2" indent="0" algn="r">
+              <a:lnSpc>
+                <a:spcPct val="100000"/>
+              </a:lnSpc>
+              <a:spcBef>
+                <a:spcPts val="0"/>
+              </a:spcBef>
+              <a:spcAft>
+                <a:spcPts val="0"/>
+              </a:spcAft>
+              <a:buClr>
+                <a:srgbClr val="000000"/>
+              </a:buClr>
+              <a:buSzPts val="1000"/>
+              <a:buFont typeface="Arial"/>
+              <a:buNone/>
+              <a:defRPr sz="1000" b="0" i="0" u="none" strike="noStrike" cap="none">
+                <a:solidFill>
+                  <a:schemeClr val="dk2"/>
+                </a:solidFill>
+                <a:latin typeface="Arial"/>
+                <a:ea typeface="Arial"/>
+                <a:cs typeface="Arial"/>
+                <a:sym typeface="Arial"/>
+              </a:defRPr>
             </a:lvl3pPr>
-            <a:lvl4pPr lvl="3">
-              <a:buNone/>
-              <a:defRPr/>
+            <a:lvl4pPr marL="0" marR="0" lvl="3" indent="0" algn="r">
+              <a:lnSpc>
+                <a:spcPct val="100000"/>
+              </a:lnSpc>
+              <a:spcBef>
+                <a:spcPts val="0"/>
+              </a:spcBef>
+              <a:spcAft>
+                <a:spcPts val="0"/>
+              </a:spcAft>
+              <a:buClr>
+                <a:srgbClr val="000000"/>
+              </a:buClr>
+              <a:buSzPts val="1000"/>
+              <a:buFont typeface="Arial"/>
+              <a:buNone/>
+              <a:defRPr sz="1000" b="0" i="0" u="none" strike="noStrike" cap="none">
+                <a:solidFill>
+                  <a:schemeClr val="dk2"/>
+                </a:solidFill>
+                <a:latin typeface="Arial"/>
+                <a:ea typeface="Arial"/>
+                <a:cs typeface="Arial"/>
+                <a:sym typeface="Arial"/>
+              </a:defRPr>
             </a:lvl4pPr>
-            <a:lvl5pPr lvl="4">
-              <a:buNone/>
-              <a:defRPr/>
+            <a:lvl5pPr marL="0" marR="0" lvl="4" indent="0" algn="r">
+              <a:lnSpc>
+                <a:spcPct val="100000"/>
+              </a:lnSpc>
+              <a:spcBef>
+                <a:spcPts val="0"/>
+              </a:spcBef>
+              <a:spcAft>
+                <a:spcPts val="0"/>
+              </a:spcAft>
+              <a:buClr>
+                <a:srgbClr val="000000"/>
+              </a:buClr>
+              <a:buSzPts val="1000"/>
+              <a:buFont typeface="Arial"/>
+              <a:buNone/>
+              <a:defRPr sz="1000" b="0" i="0" u="none" strike="noStrike" cap="none">
+                <a:solidFill>
+                  <a:schemeClr val="dk2"/>
+                </a:solidFill>
+                <a:latin typeface="Arial"/>
+                <a:ea typeface="Arial"/>
+                <a:cs typeface="Arial"/>
+                <a:sym typeface="Arial"/>
+              </a:defRPr>
             </a:lvl5pPr>
-            <a:lvl6pPr lvl="5">
-              <a:buNone/>
-              <a:defRPr/>
+            <a:lvl6pPr marL="0" marR="0" lvl="5" indent="0" algn="r">
+              <a:lnSpc>
+                <a:spcPct val="100000"/>
+              </a:lnSpc>
+              <a:spcBef>
+                <a:spcPts val="0"/>
+              </a:spcBef>
+              <a:spcAft>
+                <a:spcPts val="0"/>
+              </a:spcAft>
+              <a:buClr>
+                <a:srgbClr val="000000"/>
+              </a:buClr>
+              <a:buSzPts val="1000"/>
+              <a:buFont typeface="Arial"/>
+              <a:buNone/>
+              <a:defRPr sz="1000" b="0" i="0" u="none" strike="noStrike" cap="none">
+                <a:solidFill>
+                  <a:schemeClr val="dk2"/>
+                </a:solidFill>
+                <a:latin typeface="Arial"/>
+                <a:ea typeface="Arial"/>
+                <a:cs typeface="Arial"/>
+                <a:sym typeface="Arial"/>
+              </a:defRPr>
             </a:lvl6pPr>
-            <a:lvl7pPr lvl="6">
-              <a:buNone/>
-              <a:defRPr/>
+            <a:lvl7pPr marL="0" marR="0" lvl="6" indent="0" algn="r">
+              <a:lnSpc>
+                <a:spcPct val="100000"/>
+              </a:lnSpc>
+              <a:spcBef>
+                <a:spcPts val="0"/>
+              </a:spcBef>
+              <a:spcAft>
+                <a:spcPts val="0"/>
+              </a:spcAft>
+              <a:buClr>
+                <a:srgbClr val="000000"/>
+              </a:buClr>
+              <a:buSzPts val="1000"/>
+              <a:buFont typeface="Arial"/>
+              <a:buNone/>
+              <a:defRPr sz="1000" b="0" i="0" u="none" strike="noStrike" cap="none">
+                <a:solidFill>
+                  <a:schemeClr val="dk2"/>
+                </a:solidFill>
+                <a:latin typeface="Arial"/>
+                <a:ea typeface="Arial"/>
+                <a:cs typeface="Arial"/>
+                <a:sym typeface="Arial"/>
+              </a:defRPr>
             </a:lvl7pPr>
-            <a:lvl8pPr lvl="7">
-              <a:buNone/>
-              <a:defRPr/>
+            <a:lvl8pPr marL="0" marR="0" lvl="7" indent="0" algn="r">
+              <a:lnSpc>
+                <a:spcPct val="100000"/>
+              </a:lnSpc>
+              <a:spcBef>
+                <a:spcPts val="0"/>
+              </a:spcBef>
+              <a:spcAft>
+                <a:spcPts val="0"/>
+              </a:spcAft>
+              <a:buClr>
+                <a:srgbClr val="000000"/>
+              </a:buClr>
+              <a:buSzPts val="1000"/>
+              <a:buFont typeface="Arial"/>
+              <a:buNone/>
+              <a:defRPr sz="1000" b="0" i="0" u="none" strike="noStrike" cap="none">
+                <a:solidFill>
+                  <a:schemeClr val="dk2"/>
+                </a:solidFill>
+                <a:latin typeface="Arial"/>
+                <a:ea typeface="Arial"/>
+                <a:cs typeface="Arial"/>
+                <a:sym typeface="Arial"/>
+              </a:defRPr>
             </a:lvl8pPr>
-            <a:lvl9pPr lvl="8">
-              <a:buNone/>
-              <a:defRPr/>
+            <a:lvl9pPr marL="0" marR="0" lvl="8" indent="0" algn="r">
+              <a:lnSpc>
+                <a:spcPct val="100000"/>
+              </a:lnSpc>
+              <a:spcBef>
+                <a:spcPts val="0"/>
+              </a:spcBef>
+              <a:spcAft>
+                <a:spcPts val="0"/>
+              </a:spcAft>
+              <a:buClr>
+                <a:srgbClr val="000000"/>
+              </a:buClr>
+              <a:buSzPts val="1000"/>
+              <a:buFont typeface="Arial"/>
+              <a:buNone/>
+              <a:defRPr sz="1000" b="0" i="0" u="none" strike="noStrike" cap="none">
+                <a:solidFill>
+                  <a:schemeClr val="dk2"/>
+                </a:solidFill>
+                <a:latin typeface="Arial"/>
+                <a:ea typeface="Arial"/>
+                <a:cs typeface="Arial"/>
+                <a:sym typeface="Arial"/>
+              </a:defRPr>
             </a:lvl9pPr>
           </a:lstStyle>
           <a:p>
@@ -1779,7 +2547,7 @@
   <p:cSld name="TITLE_AND_TWO_COLUMNS">
     <p:spTree>
       <p:nvGrpSpPr>
-        <p:cNvPr id="1" name="Shape 20"/>
+        <p:cNvPr id="1" name="Shape 17"/>
         <p:cNvGrpSpPr/>
         <p:nvPr/>
       </p:nvGrpSpPr>
@@ -1793,7 +2561,7 @@
       </p:grpSpPr>
       <p:sp>
         <p:nvSpPr>
-          <p:cNvPr id="21" name="Google Shape;21;p5"/>
+          <p:cNvPr id="18" name="Google Shape;18;p4"/>
           <p:cNvSpPr txBox="1">
             <a:spLocks noGrp="1"/>
           </p:cNvSpPr>
@@ -1809,13 +2577,20 @@
           <a:prstGeom prst="rect">
             <a:avLst/>
           </a:prstGeom>
+          <a:noFill/>
+          <a:ln>
+            <a:noFill/>
+          </a:ln>
         </p:spPr>
         <p:txBody>
           <a:bodyPr spcFirstLastPara="1" wrap="square" lIns="91425" tIns="91425" rIns="91425" bIns="91425" anchor="t" anchorCtr="0">
             <a:normAutofit/>
           </a:bodyPr>
           <a:lstStyle>
-            <a:lvl1pPr lvl="0">
+            <a:lvl1pPr lvl="0" algn="l">
+              <a:lnSpc>
+                <a:spcPct val="100000"/>
+              </a:lnSpc>
               <a:spcBef>
                 <a:spcPts val="0"/>
               </a:spcBef>
@@ -1826,7 +2601,10 @@
               <a:buNone/>
               <a:defRPr/>
             </a:lvl1pPr>
-            <a:lvl2pPr lvl="1">
+            <a:lvl2pPr lvl="1" algn="l">
+              <a:lnSpc>
+                <a:spcPct val="100000"/>
+              </a:lnSpc>
               <a:spcBef>
                 <a:spcPts val="0"/>
               </a:spcBef>
@@ -1837,7 +2615,10 @@
               <a:buNone/>
               <a:defRPr/>
             </a:lvl2pPr>
-            <a:lvl3pPr lvl="2">
+            <a:lvl3pPr lvl="2" algn="l">
+              <a:lnSpc>
+                <a:spcPct val="100000"/>
+              </a:lnSpc>
               <a:spcBef>
                 <a:spcPts val="0"/>
               </a:spcBef>
@@ -1848,7 +2629,10 @@
               <a:buNone/>
               <a:defRPr/>
             </a:lvl3pPr>
-            <a:lvl4pPr lvl="3">
+            <a:lvl4pPr lvl="3" algn="l">
+              <a:lnSpc>
+                <a:spcPct val="100000"/>
+              </a:lnSpc>
               <a:spcBef>
                 <a:spcPts val="0"/>
               </a:spcBef>
@@ -1859,7 +2643,10 @@
               <a:buNone/>
               <a:defRPr/>
             </a:lvl4pPr>
-            <a:lvl5pPr lvl="4">
+            <a:lvl5pPr lvl="4" algn="l">
+              <a:lnSpc>
+                <a:spcPct val="100000"/>
+              </a:lnSpc>
               <a:spcBef>
                 <a:spcPts val="0"/>
               </a:spcBef>
@@ -1870,7 +2657,10 @@
               <a:buNone/>
               <a:defRPr/>
             </a:lvl5pPr>
-            <a:lvl6pPr lvl="5">
+            <a:lvl6pPr lvl="5" algn="l">
+              <a:lnSpc>
+                <a:spcPct val="100000"/>
+              </a:lnSpc>
               <a:spcBef>
                 <a:spcPts val="0"/>
               </a:spcBef>
@@ -1881,7 +2671,10 @@
               <a:buNone/>
               <a:defRPr/>
             </a:lvl6pPr>
-            <a:lvl7pPr lvl="6">
+            <a:lvl7pPr lvl="6" algn="l">
+              <a:lnSpc>
+                <a:spcPct val="100000"/>
+              </a:lnSpc>
               <a:spcBef>
                 <a:spcPts val="0"/>
               </a:spcBef>
@@ -1892,7 +2685,10 @@
               <a:buNone/>
               <a:defRPr/>
             </a:lvl7pPr>
-            <a:lvl8pPr lvl="7">
+            <a:lvl8pPr lvl="7" algn="l">
+              <a:lnSpc>
+                <a:spcPct val="100000"/>
+              </a:lnSpc>
               <a:spcBef>
                 <a:spcPts val="0"/>
               </a:spcBef>
@@ -1903,7 +2699,10 @@
               <a:buNone/>
               <a:defRPr/>
             </a:lvl8pPr>
-            <a:lvl9pPr lvl="8">
+            <a:lvl9pPr lvl="8" algn="l">
+              <a:lnSpc>
+                <a:spcPct val="100000"/>
+              </a:lnSpc>
               <a:spcBef>
                 <a:spcPts val="0"/>
               </a:spcBef>
@@ -1922,7 +2721,7 @@
       </p:sp>
       <p:sp>
         <p:nvSpPr>
-          <p:cNvPr id="22" name="Google Shape;22;p5"/>
+          <p:cNvPr id="19" name="Google Shape;19;p4"/>
           <p:cNvSpPr txBox="1">
             <a:spLocks noGrp="1"/>
           </p:cNvSpPr>
@@ -1938,13 +2737,20 @@
           <a:prstGeom prst="rect">
             <a:avLst/>
           </a:prstGeom>
+          <a:noFill/>
+          <a:ln>
+            <a:noFill/>
+          </a:ln>
         </p:spPr>
         <p:txBody>
           <a:bodyPr spcFirstLastPara="1" wrap="square" lIns="91425" tIns="91425" rIns="91425" bIns="91425" anchor="t" anchorCtr="0">
             <a:normAutofit/>
           </a:bodyPr>
           <a:lstStyle>
-            <a:lvl1pPr marL="457200" lvl="0" indent="-317500">
+            <a:lvl1pPr marL="457200" lvl="0" indent="-317500" algn="l">
+              <a:lnSpc>
+                <a:spcPct val="115000"/>
+              </a:lnSpc>
               <a:spcBef>
                 <a:spcPts val="0"/>
               </a:spcBef>
@@ -1955,7 +2761,10 @@
               <a:buChar char="●"/>
               <a:defRPr sz="1400"/>
             </a:lvl1pPr>
-            <a:lvl2pPr marL="914400" lvl="1" indent="-304800">
+            <a:lvl2pPr marL="914400" lvl="1" indent="-304800" algn="l">
+              <a:lnSpc>
+                <a:spcPct val="115000"/>
+              </a:lnSpc>
               <a:spcBef>
                 <a:spcPts val="0"/>
               </a:spcBef>
@@ -1966,7 +2775,10 @@
               <a:buChar char="○"/>
               <a:defRPr sz="1200"/>
             </a:lvl2pPr>
-            <a:lvl3pPr marL="1371600" lvl="2" indent="-304800">
+            <a:lvl3pPr marL="1371600" lvl="2" indent="-304800" algn="l">
+              <a:lnSpc>
+                <a:spcPct val="115000"/>
+              </a:lnSpc>
               <a:spcBef>
                 <a:spcPts val="0"/>
               </a:spcBef>
@@ -1977,7 +2789,10 @@
               <a:buChar char="■"/>
               <a:defRPr sz="1200"/>
             </a:lvl3pPr>
-            <a:lvl4pPr marL="1828800" lvl="3" indent="-304800">
+            <a:lvl4pPr marL="1828800" lvl="3" indent="-304800" algn="l">
+              <a:lnSpc>
+                <a:spcPct val="115000"/>
+              </a:lnSpc>
               <a:spcBef>
                 <a:spcPts val="0"/>
               </a:spcBef>
@@ -1988,7 +2803,10 @@
               <a:buChar char="●"/>
               <a:defRPr sz="1200"/>
             </a:lvl4pPr>
-            <a:lvl5pPr marL="2286000" lvl="4" indent="-304800">
+            <a:lvl5pPr marL="2286000" lvl="4" indent="-304800" algn="l">
+              <a:lnSpc>
+                <a:spcPct val="115000"/>
+              </a:lnSpc>
               <a:spcBef>
                 <a:spcPts val="0"/>
               </a:spcBef>
@@ -1999,7 +2817,10 @@
               <a:buChar char="○"/>
               <a:defRPr sz="1200"/>
             </a:lvl5pPr>
-            <a:lvl6pPr marL="2743200" lvl="5" indent="-304800">
+            <a:lvl6pPr marL="2743200" lvl="5" indent="-304800" algn="l">
+              <a:lnSpc>
+                <a:spcPct val="115000"/>
+              </a:lnSpc>
               <a:spcBef>
                 <a:spcPts val="0"/>
               </a:spcBef>
@@ -2010,7 +2831,10 @@
               <a:buChar char="■"/>
               <a:defRPr sz="1200"/>
             </a:lvl6pPr>
-            <a:lvl7pPr marL="3200400" lvl="6" indent="-304800">
+            <a:lvl7pPr marL="3200400" lvl="6" indent="-304800" algn="l">
+              <a:lnSpc>
+                <a:spcPct val="115000"/>
+              </a:lnSpc>
               <a:spcBef>
                 <a:spcPts val="0"/>
               </a:spcBef>
@@ -2021,7 +2845,10 @@
               <a:buChar char="●"/>
               <a:defRPr sz="1200"/>
             </a:lvl7pPr>
-            <a:lvl8pPr marL="3657600" lvl="7" indent="-304800">
+            <a:lvl8pPr marL="3657600" lvl="7" indent="-304800" algn="l">
+              <a:lnSpc>
+                <a:spcPct val="115000"/>
+              </a:lnSpc>
               <a:spcBef>
                 <a:spcPts val="0"/>
               </a:spcBef>
@@ -2032,7 +2859,10 @@
               <a:buChar char="○"/>
               <a:defRPr sz="1200"/>
             </a:lvl8pPr>
-            <a:lvl9pPr marL="4114800" lvl="8" indent="-304800">
+            <a:lvl9pPr marL="4114800" lvl="8" indent="-304800" algn="l">
+              <a:lnSpc>
+                <a:spcPct val="115000"/>
+              </a:lnSpc>
               <a:spcBef>
                 <a:spcPts val="0"/>
               </a:spcBef>
@@ -2051,7 +2881,7 @@
       </p:sp>
       <p:sp>
         <p:nvSpPr>
-          <p:cNvPr id="23" name="Google Shape;23;p5"/>
+          <p:cNvPr id="20" name="Google Shape;20;p4"/>
           <p:cNvSpPr txBox="1">
             <a:spLocks noGrp="1"/>
           </p:cNvSpPr>
@@ -2067,13 +2897,20 @@
           <a:prstGeom prst="rect">
             <a:avLst/>
           </a:prstGeom>
+          <a:noFill/>
+          <a:ln>
+            <a:noFill/>
+          </a:ln>
         </p:spPr>
         <p:txBody>
           <a:bodyPr spcFirstLastPara="1" wrap="square" lIns="91425" tIns="91425" rIns="91425" bIns="91425" anchor="t" anchorCtr="0">
             <a:normAutofit/>
           </a:bodyPr>
           <a:lstStyle>
-            <a:lvl1pPr marL="457200" lvl="0" indent="-317500">
+            <a:lvl1pPr marL="457200" lvl="0" indent="-317500" algn="l">
+              <a:lnSpc>
+                <a:spcPct val="115000"/>
+              </a:lnSpc>
               <a:spcBef>
                 <a:spcPts val="0"/>
               </a:spcBef>
@@ -2084,7 +2921,10 @@
               <a:buChar char="●"/>
               <a:defRPr sz="1400"/>
             </a:lvl1pPr>
-            <a:lvl2pPr marL="914400" lvl="1" indent="-304800">
+            <a:lvl2pPr marL="914400" lvl="1" indent="-304800" algn="l">
+              <a:lnSpc>
+                <a:spcPct val="115000"/>
+              </a:lnSpc>
               <a:spcBef>
                 <a:spcPts val="0"/>
               </a:spcBef>
@@ -2095,7 +2935,10 @@
               <a:buChar char="○"/>
               <a:defRPr sz="1200"/>
             </a:lvl2pPr>
-            <a:lvl3pPr marL="1371600" lvl="2" indent="-304800">
+            <a:lvl3pPr marL="1371600" lvl="2" indent="-304800" algn="l">
+              <a:lnSpc>
+                <a:spcPct val="115000"/>
+              </a:lnSpc>
               <a:spcBef>
                 <a:spcPts val="0"/>
               </a:spcBef>
@@ -2106,7 +2949,10 @@
               <a:buChar char="■"/>
               <a:defRPr sz="1200"/>
             </a:lvl3pPr>
-            <a:lvl4pPr marL="1828800" lvl="3" indent="-304800">
+            <a:lvl4pPr marL="1828800" lvl="3" indent="-304800" algn="l">
+              <a:lnSpc>
+                <a:spcPct val="115000"/>
+              </a:lnSpc>
               <a:spcBef>
                 <a:spcPts val="0"/>
               </a:spcBef>
@@ -2117,7 +2963,10 @@
               <a:buChar char="●"/>
               <a:defRPr sz="1200"/>
             </a:lvl4pPr>
-            <a:lvl5pPr marL="2286000" lvl="4" indent="-304800">
+            <a:lvl5pPr marL="2286000" lvl="4" indent="-304800" algn="l">
+              <a:lnSpc>
+                <a:spcPct val="115000"/>
+              </a:lnSpc>
               <a:spcBef>
                 <a:spcPts val="0"/>
               </a:spcBef>
@@ -2128,7 +2977,10 @@
               <a:buChar char="○"/>
               <a:defRPr sz="1200"/>
             </a:lvl5pPr>
-            <a:lvl6pPr marL="2743200" lvl="5" indent="-304800">
+            <a:lvl6pPr marL="2743200" lvl="5" indent="-304800" algn="l">
+              <a:lnSpc>
+                <a:spcPct val="115000"/>
+              </a:lnSpc>
               <a:spcBef>
                 <a:spcPts val="0"/>
               </a:spcBef>
@@ -2139,7 +2991,10 @@
               <a:buChar char="■"/>
               <a:defRPr sz="1200"/>
             </a:lvl6pPr>
-            <a:lvl7pPr marL="3200400" lvl="6" indent="-304800">
+            <a:lvl7pPr marL="3200400" lvl="6" indent="-304800" algn="l">
+              <a:lnSpc>
+                <a:spcPct val="115000"/>
+              </a:lnSpc>
               <a:spcBef>
                 <a:spcPts val="0"/>
               </a:spcBef>
@@ -2150,7 +3005,10 @@
               <a:buChar char="●"/>
               <a:defRPr sz="1200"/>
             </a:lvl7pPr>
-            <a:lvl8pPr marL="3657600" lvl="7" indent="-304800">
+            <a:lvl8pPr marL="3657600" lvl="7" indent="-304800" algn="l">
+              <a:lnSpc>
+                <a:spcPct val="115000"/>
+              </a:lnSpc>
               <a:spcBef>
                 <a:spcPts val="0"/>
               </a:spcBef>
@@ -2161,7 +3019,10 @@
               <a:buChar char="○"/>
               <a:defRPr sz="1200"/>
             </a:lvl8pPr>
-            <a:lvl9pPr marL="4114800" lvl="8" indent="-304800">
+            <a:lvl9pPr marL="4114800" lvl="8" indent="-304800" algn="l">
+              <a:lnSpc>
+                <a:spcPct val="115000"/>
+              </a:lnSpc>
               <a:spcBef>
                 <a:spcPts val="0"/>
               </a:spcBef>
@@ -2171,6 +3032,472 @@
               <a:buSzPts val="1200"/>
               <a:buChar char="■"/>
               <a:defRPr sz="1200"/>
+            </a:lvl9pPr>
+          </a:lstStyle>
+          <a:p>
+            <a:endParaRPr/>
+          </a:p>
+        </p:txBody>
+      </p:sp>
+      <p:sp>
+        <p:nvSpPr>
+          <p:cNvPr id="21" name="Google Shape;21;p4"/>
+          <p:cNvSpPr txBox="1">
+            <a:spLocks noGrp="1"/>
+          </p:cNvSpPr>
+          <p:nvPr>
+            <p:ph type="sldNum" idx="12"/>
+          </p:nvPr>
+        </p:nvSpPr>
+        <p:spPr>
+          <a:xfrm>
+            <a:off x="8472458" y="4663217"/>
+            <a:ext cx="548700" cy="393600"/>
+          </a:xfrm>
+          <a:prstGeom prst="rect">
+            <a:avLst/>
+          </a:prstGeom>
+          <a:noFill/>
+          <a:ln>
+            <a:noFill/>
+          </a:ln>
+        </p:spPr>
+        <p:txBody>
+          <a:bodyPr spcFirstLastPara="1" wrap="square" lIns="91425" tIns="91425" rIns="91425" bIns="91425" anchor="ctr" anchorCtr="0">
+            <a:normAutofit/>
+          </a:bodyPr>
+          <a:lstStyle>
+            <a:lvl1pPr marL="0" marR="0" lvl="0" indent="0" algn="r">
+              <a:lnSpc>
+                <a:spcPct val="100000"/>
+              </a:lnSpc>
+              <a:spcBef>
+                <a:spcPts val="0"/>
+              </a:spcBef>
+              <a:spcAft>
+                <a:spcPts val="0"/>
+              </a:spcAft>
+              <a:buClr>
+                <a:srgbClr val="000000"/>
+              </a:buClr>
+              <a:buSzPts val="1000"/>
+              <a:buFont typeface="Arial"/>
+              <a:buNone/>
+              <a:defRPr sz="1000" b="0" i="0" u="none" strike="noStrike" cap="none">
+                <a:solidFill>
+                  <a:schemeClr val="dk2"/>
+                </a:solidFill>
+                <a:latin typeface="Arial"/>
+                <a:ea typeface="Arial"/>
+                <a:cs typeface="Arial"/>
+                <a:sym typeface="Arial"/>
+              </a:defRPr>
+            </a:lvl1pPr>
+            <a:lvl2pPr marL="0" marR="0" lvl="1" indent="0" algn="r">
+              <a:lnSpc>
+                <a:spcPct val="100000"/>
+              </a:lnSpc>
+              <a:spcBef>
+                <a:spcPts val="0"/>
+              </a:spcBef>
+              <a:spcAft>
+                <a:spcPts val="0"/>
+              </a:spcAft>
+              <a:buClr>
+                <a:srgbClr val="000000"/>
+              </a:buClr>
+              <a:buSzPts val="1000"/>
+              <a:buFont typeface="Arial"/>
+              <a:buNone/>
+              <a:defRPr sz="1000" b="0" i="0" u="none" strike="noStrike" cap="none">
+                <a:solidFill>
+                  <a:schemeClr val="dk2"/>
+                </a:solidFill>
+                <a:latin typeface="Arial"/>
+                <a:ea typeface="Arial"/>
+                <a:cs typeface="Arial"/>
+                <a:sym typeface="Arial"/>
+              </a:defRPr>
+            </a:lvl2pPr>
+            <a:lvl3pPr marL="0" marR="0" lvl="2" indent="0" algn="r">
+              <a:lnSpc>
+                <a:spcPct val="100000"/>
+              </a:lnSpc>
+              <a:spcBef>
+                <a:spcPts val="0"/>
+              </a:spcBef>
+              <a:spcAft>
+                <a:spcPts val="0"/>
+              </a:spcAft>
+              <a:buClr>
+                <a:srgbClr val="000000"/>
+              </a:buClr>
+              <a:buSzPts val="1000"/>
+              <a:buFont typeface="Arial"/>
+              <a:buNone/>
+              <a:defRPr sz="1000" b="0" i="0" u="none" strike="noStrike" cap="none">
+                <a:solidFill>
+                  <a:schemeClr val="dk2"/>
+                </a:solidFill>
+                <a:latin typeface="Arial"/>
+                <a:ea typeface="Arial"/>
+                <a:cs typeface="Arial"/>
+                <a:sym typeface="Arial"/>
+              </a:defRPr>
+            </a:lvl3pPr>
+            <a:lvl4pPr marL="0" marR="0" lvl="3" indent="0" algn="r">
+              <a:lnSpc>
+                <a:spcPct val="100000"/>
+              </a:lnSpc>
+              <a:spcBef>
+                <a:spcPts val="0"/>
+              </a:spcBef>
+              <a:spcAft>
+                <a:spcPts val="0"/>
+              </a:spcAft>
+              <a:buClr>
+                <a:srgbClr val="000000"/>
+              </a:buClr>
+              <a:buSzPts val="1000"/>
+              <a:buFont typeface="Arial"/>
+              <a:buNone/>
+              <a:defRPr sz="1000" b="0" i="0" u="none" strike="noStrike" cap="none">
+                <a:solidFill>
+                  <a:schemeClr val="dk2"/>
+                </a:solidFill>
+                <a:latin typeface="Arial"/>
+                <a:ea typeface="Arial"/>
+                <a:cs typeface="Arial"/>
+                <a:sym typeface="Arial"/>
+              </a:defRPr>
+            </a:lvl4pPr>
+            <a:lvl5pPr marL="0" marR="0" lvl="4" indent="0" algn="r">
+              <a:lnSpc>
+                <a:spcPct val="100000"/>
+              </a:lnSpc>
+              <a:spcBef>
+                <a:spcPts val="0"/>
+              </a:spcBef>
+              <a:spcAft>
+                <a:spcPts val="0"/>
+              </a:spcAft>
+              <a:buClr>
+                <a:srgbClr val="000000"/>
+              </a:buClr>
+              <a:buSzPts val="1000"/>
+              <a:buFont typeface="Arial"/>
+              <a:buNone/>
+              <a:defRPr sz="1000" b="0" i="0" u="none" strike="noStrike" cap="none">
+                <a:solidFill>
+                  <a:schemeClr val="dk2"/>
+                </a:solidFill>
+                <a:latin typeface="Arial"/>
+                <a:ea typeface="Arial"/>
+                <a:cs typeface="Arial"/>
+                <a:sym typeface="Arial"/>
+              </a:defRPr>
+            </a:lvl5pPr>
+            <a:lvl6pPr marL="0" marR="0" lvl="5" indent="0" algn="r">
+              <a:lnSpc>
+                <a:spcPct val="100000"/>
+              </a:lnSpc>
+              <a:spcBef>
+                <a:spcPts val="0"/>
+              </a:spcBef>
+              <a:spcAft>
+                <a:spcPts val="0"/>
+              </a:spcAft>
+              <a:buClr>
+                <a:srgbClr val="000000"/>
+              </a:buClr>
+              <a:buSzPts val="1000"/>
+              <a:buFont typeface="Arial"/>
+              <a:buNone/>
+              <a:defRPr sz="1000" b="0" i="0" u="none" strike="noStrike" cap="none">
+                <a:solidFill>
+                  <a:schemeClr val="dk2"/>
+                </a:solidFill>
+                <a:latin typeface="Arial"/>
+                <a:ea typeface="Arial"/>
+                <a:cs typeface="Arial"/>
+                <a:sym typeface="Arial"/>
+              </a:defRPr>
+            </a:lvl6pPr>
+            <a:lvl7pPr marL="0" marR="0" lvl="6" indent="0" algn="r">
+              <a:lnSpc>
+                <a:spcPct val="100000"/>
+              </a:lnSpc>
+              <a:spcBef>
+                <a:spcPts val="0"/>
+              </a:spcBef>
+              <a:spcAft>
+                <a:spcPts val="0"/>
+              </a:spcAft>
+              <a:buClr>
+                <a:srgbClr val="000000"/>
+              </a:buClr>
+              <a:buSzPts val="1000"/>
+              <a:buFont typeface="Arial"/>
+              <a:buNone/>
+              <a:defRPr sz="1000" b="0" i="0" u="none" strike="noStrike" cap="none">
+                <a:solidFill>
+                  <a:schemeClr val="dk2"/>
+                </a:solidFill>
+                <a:latin typeface="Arial"/>
+                <a:ea typeface="Arial"/>
+                <a:cs typeface="Arial"/>
+                <a:sym typeface="Arial"/>
+              </a:defRPr>
+            </a:lvl7pPr>
+            <a:lvl8pPr marL="0" marR="0" lvl="7" indent="0" algn="r">
+              <a:lnSpc>
+                <a:spcPct val="100000"/>
+              </a:lnSpc>
+              <a:spcBef>
+                <a:spcPts val="0"/>
+              </a:spcBef>
+              <a:spcAft>
+                <a:spcPts val="0"/>
+              </a:spcAft>
+              <a:buClr>
+                <a:srgbClr val="000000"/>
+              </a:buClr>
+              <a:buSzPts val="1000"/>
+              <a:buFont typeface="Arial"/>
+              <a:buNone/>
+              <a:defRPr sz="1000" b="0" i="0" u="none" strike="noStrike" cap="none">
+                <a:solidFill>
+                  <a:schemeClr val="dk2"/>
+                </a:solidFill>
+                <a:latin typeface="Arial"/>
+                <a:ea typeface="Arial"/>
+                <a:cs typeface="Arial"/>
+                <a:sym typeface="Arial"/>
+              </a:defRPr>
+            </a:lvl8pPr>
+            <a:lvl9pPr marL="0" marR="0" lvl="8" indent="0" algn="r">
+              <a:lnSpc>
+                <a:spcPct val="100000"/>
+              </a:lnSpc>
+              <a:spcBef>
+                <a:spcPts val="0"/>
+              </a:spcBef>
+              <a:spcAft>
+                <a:spcPts val="0"/>
+              </a:spcAft>
+              <a:buClr>
+                <a:srgbClr val="000000"/>
+              </a:buClr>
+              <a:buSzPts val="1000"/>
+              <a:buFont typeface="Arial"/>
+              <a:buNone/>
+              <a:defRPr sz="1000" b="0" i="0" u="none" strike="noStrike" cap="none">
+                <a:solidFill>
+                  <a:schemeClr val="dk2"/>
+                </a:solidFill>
+                <a:latin typeface="Arial"/>
+                <a:ea typeface="Arial"/>
+                <a:cs typeface="Arial"/>
+                <a:sym typeface="Arial"/>
+              </a:defRPr>
+            </a:lvl9pPr>
+          </a:lstStyle>
+          <a:p>
+            <a:pPr marL="0" lvl="0" indent="0" algn="r" rtl="0">
+              <a:spcBef>
+                <a:spcPts val="0"/>
+              </a:spcBef>
+              <a:spcAft>
+                <a:spcPts val="0"/>
+              </a:spcAft>
+              <a:buNone/>
+            </a:pPr>
+            <a:fld id="{00000000-1234-1234-1234-123412341234}" type="slidenum">
+              <a:rPr lang="en-GB"/>
+              <a:t>‹#›</a:t>
+            </a:fld>
+            <a:endParaRPr/>
+          </a:p>
+        </p:txBody>
+      </p:sp>
+    </p:spTree>
+  </p:cSld>
+  <p:clrMapOvr>
+    <a:masterClrMapping/>
+  </p:clrMapOvr>
+</p:sldLayout>
+</file>
+
+<file path=ppt/slideLayouts/slideLayout4.xml><?xml version="1.0" encoding="utf-8"?>
+<p:sldLayout xmlns:a="http://schemas.openxmlformats.org/drawingml/2006/main" xmlns:r="http://schemas.openxmlformats.org/officeDocument/2006/relationships" xmlns:p="http://schemas.openxmlformats.org/presentationml/2006/main" matchingName="Title only" type="titleOnly">
+  <p:cSld name="TITLE_ONLY">
+    <p:spTree>
+      <p:nvGrpSpPr>
+        <p:cNvPr id="1" name="Shape 22"/>
+        <p:cNvGrpSpPr/>
+        <p:nvPr/>
+      </p:nvGrpSpPr>
+      <p:grpSpPr>
+        <a:xfrm>
+          <a:off x="0" y="0"/>
+          <a:ext cx="0" cy="0"/>
+          <a:chOff x="0" y="0"/>
+          <a:chExt cx="0" cy="0"/>
+        </a:xfrm>
+      </p:grpSpPr>
+      <p:sp>
+        <p:nvSpPr>
+          <p:cNvPr id="23" name="Google Shape;23;p5"/>
+          <p:cNvSpPr txBox="1">
+            <a:spLocks noGrp="1"/>
+          </p:cNvSpPr>
+          <p:nvPr>
+            <p:ph type="title"/>
+          </p:nvPr>
+        </p:nvSpPr>
+        <p:spPr>
+          <a:xfrm>
+            <a:off x="311700" y="445025"/>
+            <a:ext cx="8520600" cy="572700"/>
+          </a:xfrm>
+          <a:prstGeom prst="rect">
+            <a:avLst/>
+          </a:prstGeom>
+          <a:noFill/>
+          <a:ln>
+            <a:noFill/>
+          </a:ln>
+        </p:spPr>
+        <p:txBody>
+          <a:bodyPr spcFirstLastPara="1" wrap="square" lIns="91425" tIns="91425" rIns="91425" bIns="91425" anchor="t" anchorCtr="0">
+            <a:normAutofit/>
+          </a:bodyPr>
+          <a:lstStyle>
+            <a:lvl1pPr lvl="0" algn="l">
+              <a:lnSpc>
+                <a:spcPct val="100000"/>
+              </a:lnSpc>
+              <a:spcBef>
+                <a:spcPts val="0"/>
+              </a:spcBef>
+              <a:spcAft>
+                <a:spcPts val="0"/>
+              </a:spcAft>
+              <a:buSzPts val="2800"/>
+              <a:buNone/>
+              <a:defRPr/>
+            </a:lvl1pPr>
+            <a:lvl2pPr lvl="1" algn="l">
+              <a:lnSpc>
+                <a:spcPct val="100000"/>
+              </a:lnSpc>
+              <a:spcBef>
+                <a:spcPts val="0"/>
+              </a:spcBef>
+              <a:spcAft>
+                <a:spcPts val="0"/>
+              </a:spcAft>
+              <a:buSzPts val="2800"/>
+              <a:buNone/>
+              <a:defRPr/>
+            </a:lvl2pPr>
+            <a:lvl3pPr lvl="2" algn="l">
+              <a:lnSpc>
+                <a:spcPct val="100000"/>
+              </a:lnSpc>
+              <a:spcBef>
+                <a:spcPts val="0"/>
+              </a:spcBef>
+              <a:spcAft>
+                <a:spcPts val="0"/>
+              </a:spcAft>
+              <a:buSzPts val="2800"/>
+              <a:buNone/>
+              <a:defRPr/>
+            </a:lvl3pPr>
+            <a:lvl4pPr lvl="3" algn="l">
+              <a:lnSpc>
+                <a:spcPct val="100000"/>
+              </a:lnSpc>
+              <a:spcBef>
+                <a:spcPts val="0"/>
+              </a:spcBef>
+              <a:spcAft>
+                <a:spcPts val="0"/>
+              </a:spcAft>
+              <a:buSzPts val="2800"/>
+              <a:buNone/>
+              <a:defRPr/>
+            </a:lvl4pPr>
+            <a:lvl5pPr lvl="4" algn="l">
+              <a:lnSpc>
+                <a:spcPct val="100000"/>
+              </a:lnSpc>
+              <a:spcBef>
+                <a:spcPts val="0"/>
+              </a:spcBef>
+              <a:spcAft>
+                <a:spcPts val="0"/>
+              </a:spcAft>
+              <a:buSzPts val="2800"/>
+              <a:buNone/>
+              <a:defRPr/>
+            </a:lvl5pPr>
+            <a:lvl6pPr lvl="5" algn="l">
+              <a:lnSpc>
+                <a:spcPct val="100000"/>
+              </a:lnSpc>
+              <a:spcBef>
+                <a:spcPts val="0"/>
+              </a:spcBef>
+              <a:spcAft>
+                <a:spcPts val="0"/>
+              </a:spcAft>
+              <a:buSzPts val="2800"/>
+              <a:buNone/>
+              <a:defRPr/>
+            </a:lvl6pPr>
+            <a:lvl7pPr lvl="6" algn="l">
+              <a:lnSpc>
+                <a:spcPct val="100000"/>
+              </a:lnSpc>
+              <a:spcBef>
+                <a:spcPts val="0"/>
+              </a:spcBef>
+              <a:spcAft>
+                <a:spcPts val="0"/>
+              </a:spcAft>
+              <a:buSzPts val="2800"/>
+              <a:buNone/>
+              <a:defRPr/>
+            </a:lvl7pPr>
+            <a:lvl8pPr lvl="7" algn="l">
+              <a:lnSpc>
+                <a:spcPct val="100000"/>
+              </a:lnSpc>
+              <a:spcBef>
+                <a:spcPts val="0"/>
+              </a:spcBef>
+              <a:spcAft>
+                <a:spcPts val="0"/>
+              </a:spcAft>
+              <a:buSzPts val="2800"/>
+              <a:buNone/>
+              <a:defRPr/>
+            </a:lvl8pPr>
+            <a:lvl9pPr lvl="8" algn="l">
+              <a:lnSpc>
+                <a:spcPct val="100000"/>
+              </a:lnSpc>
+              <a:spcBef>
+                <a:spcPts val="0"/>
+              </a:spcBef>
+              <a:spcAft>
+                <a:spcPts val="0"/>
+              </a:spcAft>
+              <a:buSzPts val="2800"/>
+              <a:buNone/>
+              <a:defRPr/>
             </a:lvl9pPr>
           </a:lstStyle>
           <a:p>
@@ -2196,47 +3523,249 @@
           <a:prstGeom prst="rect">
             <a:avLst/>
           </a:prstGeom>
+          <a:noFill/>
+          <a:ln>
+            <a:noFill/>
+          </a:ln>
         </p:spPr>
         <p:txBody>
           <a:bodyPr spcFirstLastPara="1" wrap="square" lIns="91425" tIns="91425" rIns="91425" bIns="91425" anchor="ctr" anchorCtr="0">
             <a:normAutofit/>
           </a:bodyPr>
           <a:lstStyle>
-            <a:lvl1pPr lvl="0">
-              <a:buNone/>
-              <a:defRPr/>
+            <a:lvl1pPr marL="0" marR="0" lvl="0" indent="0" algn="r">
+              <a:lnSpc>
+                <a:spcPct val="100000"/>
+              </a:lnSpc>
+              <a:spcBef>
+                <a:spcPts val="0"/>
+              </a:spcBef>
+              <a:spcAft>
+                <a:spcPts val="0"/>
+              </a:spcAft>
+              <a:buClr>
+                <a:srgbClr val="000000"/>
+              </a:buClr>
+              <a:buSzPts val="1000"/>
+              <a:buFont typeface="Arial"/>
+              <a:buNone/>
+              <a:defRPr sz="1000" b="0" i="0" u="none" strike="noStrike" cap="none">
+                <a:solidFill>
+                  <a:schemeClr val="dk2"/>
+                </a:solidFill>
+                <a:latin typeface="Arial"/>
+                <a:ea typeface="Arial"/>
+                <a:cs typeface="Arial"/>
+                <a:sym typeface="Arial"/>
+              </a:defRPr>
             </a:lvl1pPr>
-            <a:lvl2pPr lvl="1">
-              <a:buNone/>
-              <a:defRPr/>
+            <a:lvl2pPr marL="0" marR="0" lvl="1" indent="0" algn="r">
+              <a:lnSpc>
+                <a:spcPct val="100000"/>
+              </a:lnSpc>
+              <a:spcBef>
+                <a:spcPts val="0"/>
+              </a:spcBef>
+              <a:spcAft>
+                <a:spcPts val="0"/>
+              </a:spcAft>
+              <a:buClr>
+                <a:srgbClr val="000000"/>
+              </a:buClr>
+              <a:buSzPts val="1000"/>
+              <a:buFont typeface="Arial"/>
+              <a:buNone/>
+              <a:defRPr sz="1000" b="0" i="0" u="none" strike="noStrike" cap="none">
+                <a:solidFill>
+                  <a:schemeClr val="dk2"/>
+                </a:solidFill>
+                <a:latin typeface="Arial"/>
+                <a:ea typeface="Arial"/>
+                <a:cs typeface="Arial"/>
+                <a:sym typeface="Arial"/>
+              </a:defRPr>
             </a:lvl2pPr>
-            <a:lvl3pPr lvl="2">
-              <a:buNone/>
-              <a:defRPr/>
+            <a:lvl3pPr marL="0" marR="0" lvl="2" indent="0" algn="r">
+              <a:lnSpc>
+                <a:spcPct val="100000"/>
+              </a:lnSpc>
+              <a:spcBef>
+                <a:spcPts val="0"/>
+              </a:spcBef>
+              <a:spcAft>
+                <a:spcPts val="0"/>
+              </a:spcAft>
+              <a:buClr>
+                <a:srgbClr val="000000"/>
+              </a:buClr>
+              <a:buSzPts val="1000"/>
+              <a:buFont typeface="Arial"/>
+              <a:buNone/>
+              <a:defRPr sz="1000" b="0" i="0" u="none" strike="noStrike" cap="none">
+                <a:solidFill>
+                  <a:schemeClr val="dk2"/>
+                </a:solidFill>
+                <a:latin typeface="Arial"/>
+                <a:ea typeface="Arial"/>
+                <a:cs typeface="Arial"/>
+                <a:sym typeface="Arial"/>
+              </a:defRPr>
             </a:lvl3pPr>
-            <a:lvl4pPr lvl="3">
-              <a:buNone/>
-              <a:defRPr/>
+            <a:lvl4pPr marL="0" marR="0" lvl="3" indent="0" algn="r">
+              <a:lnSpc>
+                <a:spcPct val="100000"/>
+              </a:lnSpc>
+              <a:spcBef>
+                <a:spcPts val="0"/>
+              </a:spcBef>
+              <a:spcAft>
+                <a:spcPts val="0"/>
+              </a:spcAft>
+              <a:buClr>
+                <a:srgbClr val="000000"/>
+              </a:buClr>
+              <a:buSzPts val="1000"/>
+              <a:buFont typeface="Arial"/>
+              <a:buNone/>
+              <a:defRPr sz="1000" b="0" i="0" u="none" strike="noStrike" cap="none">
+                <a:solidFill>
+                  <a:schemeClr val="dk2"/>
+                </a:solidFill>
+                <a:latin typeface="Arial"/>
+                <a:ea typeface="Arial"/>
+                <a:cs typeface="Arial"/>
+                <a:sym typeface="Arial"/>
+              </a:defRPr>
             </a:lvl4pPr>
-            <a:lvl5pPr lvl="4">
-              <a:buNone/>
-              <a:defRPr/>
+            <a:lvl5pPr marL="0" marR="0" lvl="4" indent="0" algn="r">
+              <a:lnSpc>
+                <a:spcPct val="100000"/>
+              </a:lnSpc>
+              <a:spcBef>
+                <a:spcPts val="0"/>
+              </a:spcBef>
+              <a:spcAft>
+                <a:spcPts val="0"/>
+              </a:spcAft>
+              <a:buClr>
+                <a:srgbClr val="000000"/>
+              </a:buClr>
+              <a:buSzPts val="1000"/>
+              <a:buFont typeface="Arial"/>
+              <a:buNone/>
+              <a:defRPr sz="1000" b="0" i="0" u="none" strike="noStrike" cap="none">
+                <a:solidFill>
+                  <a:schemeClr val="dk2"/>
+                </a:solidFill>
+                <a:latin typeface="Arial"/>
+                <a:ea typeface="Arial"/>
+                <a:cs typeface="Arial"/>
+                <a:sym typeface="Arial"/>
+              </a:defRPr>
             </a:lvl5pPr>
-            <a:lvl6pPr lvl="5">
-              <a:buNone/>
-              <a:defRPr/>
+            <a:lvl6pPr marL="0" marR="0" lvl="5" indent="0" algn="r">
+              <a:lnSpc>
+                <a:spcPct val="100000"/>
+              </a:lnSpc>
+              <a:spcBef>
+                <a:spcPts val="0"/>
+              </a:spcBef>
+              <a:spcAft>
+                <a:spcPts val="0"/>
+              </a:spcAft>
+              <a:buClr>
+                <a:srgbClr val="000000"/>
+              </a:buClr>
+              <a:buSzPts val="1000"/>
+              <a:buFont typeface="Arial"/>
+              <a:buNone/>
+              <a:defRPr sz="1000" b="0" i="0" u="none" strike="noStrike" cap="none">
+                <a:solidFill>
+                  <a:schemeClr val="dk2"/>
+                </a:solidFill>
+                <a:latin typeface="Arial"/>
+                <a:ea typeface="Arial"/>
+                <a:cs typeface="Arial"/>
+                <a:sym typeface="Arial"/>
+              </a:defRPr>
             </a:lvl6pPr>
-            <a:lvl7pPr lvl="6">
-              <a:buNone/>
-              <a:defRPr/>
+            <a:lvl7pPr marL="0" marR="0" lvl="6" indent="0" algn="r">
+              <a:lnSpc>
+                <a:spcPct val="100000"/>
+              </a:lnSpc>
+              <a:spcBef>
+                <a:spcPts val="0"/>
+              </a:spcBef>
+              <a:spcAft>
+                <a:spcPts val="0"/>
+              </a:spcAft>
+              <a:buClr>
+                <a:srgbClr val="000000"/>
+              </a:buClr>
+              <a:buSzPts val="1000"/>
+              <a:buFont typeface="Arial"/>
+              <a:buNone/>
+              <a:defRPr sz="1000" b="0" i="0" u="none" strike="noStrike" cap="none">
+                <a:solidFill>
+                  <a:schemeClr val="dk2"/>
+                </a:solidFill>
+                <a:latin typeface="Arial"/>
+                <a:ea typeface="Arial"/>
+                <a:cs typeface="Arial"/>
+                <a:sym typeface="Arial"/>
+              </a:defRPr>
             </a:lvl7pPr>
-            <a:lvl8pPr lvl="7">
-              <a:buNone/>
-              <a:defRPr/>
+            <a:lvl8pPr marL="0" marR="0" lvl="7" indent="0" algn="r">
+              <a:lnSpc>
+                <a:spcPct val="100000"/>
+              </a:lnSpc>
+              <a:spcBef>
+                <a:spcPts val="0"/>
+              </a:spcBef>
+              <a:spcAft>
+                <a:spcPts val="0"/>
+              </a:spcAft>
+              <a:buClr>
+                <a:srgbClr val="000000"/>
+              </a:buClr>
+              <a:buSzPts val="1000"/>
+              <a:buFont typeface="Arial"/>
+              <a:buNone/>
+              <a:defRPr sz="1000" b="0" i="0" u="none" strike="noStrike" cap="none">
+                <a:solidFill>
+                  <a:schemeClr val="dk2"/>
+                </a:solidFill>
+                <a:latin typeface="Arial"/>
+                <a:ea typeface="Arial"/>
+                <a:cs typeface="Arial"/>
+                <a:sym typeface="Arial"/>
+              </a:defRPr>
             </a:lvl8pPr>
-            <a:lvl9pPr lvl="8">
-              <a:buNone/>
-              <a:defRPr/>
+            <a:lvl9pPr marL="0" marR="0" lvl="8" indent="0" algn="r">
+              <a:lnSpc>
+                <a:spcPct val="100000"/>
+              </a:lnSpc>
+              <a:spcBef>
+                <a:spcPts val="0"/>
+              </a:spcBef>
+              <a:spcAft>
+                <a:spcPts val="0"/>
+              </a:spcAft>
+              <a:buClr>
+                <a:srgbClr val="000000"/>
+              </a:buClr>
+              <a:buSzPts val="1000"/>
+              <a:buFont typeface="Arial"/>
+              <a:buNone/>
+              <a:defRPr sz="1000" b="0" i="0" u="none" strike="noStrike" cap="none">
+                <a:solidFill>
+                  <a:schemeClr val="dk2"/>
+                </a:solidFill>
+                <a:latin typeface="Arial"/>
+                <a:ea typeface="Arial"/>
+                <a:cs typeface="Arial"/>
+                <a:sym typeface="Arial"/>
+              </a:defRPr>
             </a:lvl9pPr>
           </a:lstStyle>
           <a:p>
@@ -2265,9 +3794,9 @@
 </p:sldLayout>
 </file>
 
-<file path=ppt/slideLayouts/slideLayout4.xml><?xml version="1.0" encoding="utf-8"?>
-<p:sldLayout xmlns:a="http://schemas.openxmlformats.org/drawingml/2006/main" xmlns:r="http://schemas.openxmlformats.org/officeDocument/2006/relationships" xmlns:p="http://schemas.openxmlformats.org/presentationml/2006/main" matchingName="Title only" type="titleOnly">
-  <p:cSld name="TITLE_ONLY">
+<file path=ppt/slideLayouts/slideLayout5.xml><?xml version="1.0" encoding="utf-8"?>
+<p:sldLayout xmlns:a="http://schemas.openxmlformats.org/drawingml/2006/main" xmlns:r="http://schemas.openxmlformats.org/officeDocument/2006/relationships" xmlns:p="http://schemas.openxmlformats.org/presentationml/2006/main" matchingName="One column text">
+  <p:cSld name="ONE_COLUMN_TEXT">
     <p:spTree>
       <p:nvGrpSpPr>
         <p:cNvPr id="1" name="Shape 25"/>
@@ -2294,116 +3823,147 @@
         </p:nvSpPr>
         <p:spPr>
           <a:xfrm>
-            <a:off x="311700" y="445025"/>
-            <a:ext cx="8520600" cy="572700"/>
+            <a:off x="311700" y="555600"/>
+            <a:ext cx="2808000" cy="755700"/>
           </a:xfrm>
           <a:prstGeom prst="rect">
             <a:avLst/>
           </a:prstGeom>
+          <a:noFill/>
+          <a:ln>
+            <a:noFill/>
+          </a:ln>
         </p:spPr>
         <p:txBody>
-          <a:bodyPr spcFirstLastPara="1" wrap="square" lIns="91425" tIns="91425" rIns="91425" bIns="91425" anchor="t" anchorCtr="0">
+          <a:bodyPr spcFirstLastPara="1" wrap="square" lIns="91425" tIns="91425" rIns="91425" bIns="91425" anchor="b" anchorCtr="0">
             <a:normAutofit/>
           </a:bodyPr>
           <a:lstStyle>
-            <a:lvl1pPr lvl="0">
-              <a:spcBef>
-                <a:spcPts val="0"/>
-              </a:spcBef>
-              <a:spcAft>
-                <a:spcPts val="0"/>
-              </a:spcAft>
-              <a:buSzPts val="2800"/>
-              <a:buNone/>
-              <a:defRPr/>
+            <a:lvl1pPr lvl="0" algn="l">
+              <a:lnSpc>
+                <a:spcPct val="100000"/>
+              </a:lnSpc>
+              <a:spcBef>
+                <a:spcPts val="0"/>
+              </a:spcBef>
+              <a:spcAft>
+                <a:spcPts val="0"/>
+              </a:spcAft>
+              <a:buSzPts val="2400"/>
+              <a:buNone/>
+              <a:defRPr sz="2400"/>
             </a:lvl1pPr>
-            <a:lvl2pPr lvl="1">
-              <a:spcBef>
-                <a:spcPts val="0"/>
-              </a:spcBef>
-              <a:spcAft>
-                <a:spcPts val="0"/>
-              </a:spcAft>
-              <a:buSzPts val="2800"/>
-              <a:buNone/>
-              <a:defRPr/>
+            <a:lvl2pPr lvl="1" algn="l">
+              <a:lnSpc>
+                <a:spcPct val="100000"/>
+              </a:lnSpc>
+              <a:spcBef>
+                <a:spcPts val="0"/>
+              </a:spcBef>
+              <a:spcAft>
+                <a:spcPts val="0"/>
+              </a:spcAft>
+              <a:buSzPts val="2400"/>
+              <a:buNone/>
+              <a:defRPr sz="2400"/>
             </a:lvl2pPr>
-            <a:lvl3pPr lvl="2">
-              <a:spcBef>
-                <a:spcPts val="0"/>
-              </a:spcBef>
-              <a:spcAft>
-                <a:spcPts val="0"/>
-              </a:spcAft>
-              <a:buSzPts val="2800"/>
-              <a:buNone/>
-              <a:defRPr/>
+            <a:lvl3pPr lvl="2" algn="l">
+              <a:lnSpc>
+                <a:spcPct val="100000"/>
+              </a:lnSpc>
+              <a:spcBef>
+                <a:spcPts val="0"/>
+              </a:spcBef>
+              <a:spcAft>
+                <a:spcPts val="0"/>
+              </a:spcAft>
+              <a:buSzPts val="2400"/>
+              <a:buNone/>
+              <a:defRPr sz="2400"/>
             </a:lvl3pPr>
-            <a:lvl4pPr lvl="3">
-              <a:spcBef>
-                <a:spcPts val="0"/>
-              </a:spcBef>
-              <a:spcAft>
-                <a:spcPts val="0"/>
-              </a:spcAft>
-              <a:buSzPts val="2800"/>
-              <a:buNone/>
-              <a:defRPr/>
+            <a:lvl4pPr lvl="3" algn="l">
+              <a:lnSpc>
+                <a:spcPct val="100000"/>
+              </a:lnSpc>
+              <a:spcBef>
+                <a:spcPts val="0"/>
+              </a:spcBef>
+              <a:spcAft>
+                <a:spcPts val="0"/>
+              </a:spcAft>
+              <a:buSzPts val="2400"/>
+              <a:buNone/>
+              <a:defRPr sz="2400"/>
             </a:lvl4pPr>
-            <a:lvl5pPr lvl="4">
-              <a:spcBef>
-                <a:spcPts val="0"/>
-              </a:spcBef>
-              <a:spcAft>
-                <a:spcPts val="0"/>
-              </a:spcAft>
-              <a:buSzPts val="2800"/>
-              <a:buNone/>
-              <a:defRPr/>
+            <a:lvl5pPr lvl="4" algn="l">
+              <a:lnSpc>
+                <a:spcPct val="100000"/>
+              </a:lnSpc>
+              <a:spcBef>
+                <a:spcPts val="0"/>
+              </a:spcBef>
+              <a:spcAft>
+                <a:spcPts val="0"/>
+              </a:spcAft>
+              <a:buSzPts val="2400"/>
+              <a:buNone/>
+              <a:defRPr sz="2400"/>
             </a:lvl5pPr>
-            <a:lvl6pPr lvl="5">
-              <a:spcBef>
-                <a:spcPts val="0"/>
-              </a:spcBef>
-              <a:spcAft>
-                <a:spcPts val="0"/>
-              </a:spcAft>
-              <a:buSzPts val="2800"/>
-              <a:buNone/>
-              <a:defRPr/>
+            <a:lvl6pPr lvl="5" algn="l">
+              <a:lnSpc>
+                <a:spcPct val="100000"/>
+              </a:lnSpc>
+              <a:spcBef>
+                <a:spcPts val="0"/>
+              </a:spcBef>
+              <a:spcAft>
+                <a:spcPts val="0"/>
+              </a:spcAft>
+              <a:buSzPts val="2400"/>
+              <a:buNone/>
+              <a:defRPr sz="2400"/>
             </a:lvl6pPr>
-            <a:lvl7pPr lvl="6">
-              <a:spcBef>
-                <a:spcPts val="0"/>
-              </a:spcBef>
-              <a:spcAft>
-                <a:spcPts val="0"/>
-              </a:spcAft>
-              <a:buSzPts val="2800"/>
-              <a:buNone/>
-              <a:defRPr/>
+            <a:lvl7pPr lvl="6" algn="l">
+              <a:lnSpc>
+                <a:spcPct val="100000"/>
+              </a:lnSpc>
+              <a:spcBef>
+                <a:spcPts val="0"/>
+              </a:spcBef>
+              <a:spcAft>
+                <a:spcPts val="0"/>
+              </a:spcAft>
+              <a:buSzPts val="2400"/>
+              <a:buNone/>
+              <a:defRPr sz="2400"/>
             </a:lvl7pPr>
-            <a:lvl8pPr lvl="7">
-              <a:spcBef>
-                <a:spcPts val="0"/>
-              </a:spcBef>
-              <a:spcAft>
-                <a:spcPts val="0"/>
-              </a:spcAft>
-              <a:buSzPts val="2800"/>
-              <a:buNone/>
-              <a:defRPr/>
+            <a:lvl8pPr lvl="7" algn="l">
+              <a:lnSpc>
+                <a:spcPct val="100000"/>
+              </a:lnSpc>
+              <a:spcBef>
+                <a:spcPts val="0"/>
+              </a:spcBef>
+              <a:spcAft>
+                <a:spcPts val="0"/>
+              </a:spcAft>
+              <a:buSzPts val="2400"/>
+              <a:buNone/>
+              <a:defRPr sz="2400"/>
             </a:lvl8pPr>
-            <a:lvl9pPr lvl="8">
-              <a:spcBef>
-                <a:spcPts val="0"/>
-              </a:spcBef>
-              <a:spcAft>
-                <a:spcPts val="0"/>
-              </a:spcAft>
-              <a:buSzPts val="2800"/>
-              <a:buNone/>
-              <a:defRPr/>
+            <a:lvl9pPr lvl="8" algn="l">
+              <a:lnSpc>
+                <a:spcPct val="100000"/>
+              </a:lnSpc>
+              <a:spcBef>
+                <a:spcPts val="0"/>
+              </a:spcBef>
+              <a:spcAft>
+                <a:spcPts val="0"/>
+              </a:spcAft>
+              <a:buSzPts val="2400"/>
+              <a:buNone/>
+              <a:defRPr sz="2400"/>
             </a:lvl9pPr>
           </a:lstStyle>
           <a:p>
@@ -2414,6 +3974,166 @@
       <p:sp>
         <p:nvSpPr>
           <p:cNvPr id="27" name="Google Shape;27;p6"/>
+          <p:cNvSpPr txBox="1">
+            <a:spLocks noGrp="1"/>
+          </p:cNvSpPr>
+          <p:nvPr>
+            <p:ph type="body" idx="1"/>
+          </p:nvPr>
+        </p:nvSpPr>
+        <p:spPr>
+          <a:xfrm>
+            <a:off x="311700" y="1389600"/>
+            <a:ext cx="2808000" cy="3179400"/>
+          </a:xfrm>
+          <a:prstGeom prst="rect">
+            <a:avLst/>
+          </a:prstGeom>
+          <a:noFill/>
+          <a:ln>
+            <a:noFill/>
+          </a:ln>
+        </p:spPr>
+        <p:txBody>
+          <a:bodyPr spcFirstLastPara="1" wrap="square" lIns="91425" tIns="91425" rIns="91425" bIns="91425" anchor="t" anchorCtr="0">
+            <a:normAutofit/>
+          </a:bodyPr>
+          <a:lstStyle>
+            <a:lvl1pPr marL="457200" lvl="0" indent="-304800" algn="l">
+              <a:lnSpc>
+                <a:spcPct val="115000"/>
+              </a:lnSpc>
+              <a:spcBef>
+                <a:spcPts val="0"/>
+              </a:spcBef>
+              <a:spcAft>
+                <a:spcPts val="0"/>
+              </a:spcAft>
+              <a:buSzPts val="1200"/>
+              <a:buChar char="●"/>
+              <a:defRPr sz="1200"/>
+            </a:lvl1pPr>
+            <a:lvl2pPr marL="914400" lvl="1" indent="-304800" algn="l">
+              <a:lnSpc>
+                <a:spcPct val="115000"/>
+              </a:lnSpc>
+              <a:spcBef>
+                <a:spcPts val="0"/>
+              </a:spcBef>
+              <a:spcAft>
+                <a:spcPts val="0"/>
+              </a:spcAft>
+              <a:buSzPts val="1200"/>
+              <a:buChar char="○"/>
+              <a:defRPr sz="1200"/>
+            </a:lvl2pPr>
+            <a:lvl3pPr marL="1371600" lvl="2" indent="-304800" algn="l">
+              <a:lnSpc>
+                <a:spcPct val="115000"/>
+              </a:lnSpc>
+              <a:spcBef>
+                <a:spcPts val="0"/>
+              </a:spcBef>
+              <a:spcAft>
+                <a:spcPts val="0"/>
+              </a:spcAft>
+              <a:buSzPts val="1200"/>
+              <a:buChar char="■"/>
+              <a:defRPr sz="1200"/>
+            </a:lvl3pPr>
+            <a:lvl4pPr marL="1828800" lvl="3" indent="-304800" algn="l">
+              <a:lnSpc>
+                <a:spcPct val="115000"/>
+              </a:lnSpc>
+              <a:spcBef>
+                <a:spcPts val="0"/>
+              </a:spcBef>
+              <a:spcAft>
+                <a:spcPts val="0"/>
+              </a:spcAft>
+              <a:buSzPts val="1200"/>
+              <a:buChar char="●"/>
+              <a:defRPr sz="1200"/>
+            </a:lvl4pPr>
+            <a:lvl5pPr marL="2286000" lvl="4" indent="-304800" algn="l">
+              <a:lnSpc>
+                <a:spcPct val="115000"/>
+              </a:lnSpc>
+              <a:spcBef>
+                <a:spcPts val="0"/>
+              </a:spcBef>
+              <a:spcAft>
+                <a:spcPts val="0"/>
+              </a:spcAft>
+              <a:buSzPts val="1200"/>
+              <a:buChar char="○"/>
+              <a:defRPr sz="1200"/>
+            </a:lvl5pPr>
+            <a:lvl6pPr marL="2743200" lvl="5" indent="-304800" algn="l">
+              <a:lnSpc>
+                <a:spcPct val="115000"/>
+              </a:lnSpc>
+              <a:spcBef>
+                <a:spcPts val="0"/>
+              </a:spcBef>
+              <a:spcAft>
+                <a:spcPts val="0"/>
+              </a:spcAft>
+              <a:buSzPts val="1200"/>
+              <a:buChar char="■"/>
+              <a:defRPr sz="1200"/>
+            </a:lvl6pPr>
+            <a:lvl7pPr marL="3200400" lvl="6" indent="-304800" algn="l">
+              <a:lnSpc>
+                <a:spcPct val="115000"/>
+              </a:lnSpc>
+              <a:spcBef>
+                <a:spcPts val="0"/>
+              </a:spcBef>
+              <a:spcAft>
+                <a:spcPts val="0"/>
+              </a:spcAft>
+              <a:buSzPts val="1200"/>
+              <a:buChar char="●"/>
+              <a:defRPr sz="1200"/>
+            </a:lvl7pPr>
+            <a:lvl8pPr marL="3657600" lvl="7" indent="-304800" algn="l">
+              <a:lnSpc>
+                <a:spcPct val="115000"/>
+              </a:lnSpc>
+              <a:spcBef>
+                <a:spcPts val="0"/>
+              </a:spcBef>
+              <a:spcAft>
+                <a:spcPts val="0"/>
+              </a:spcAft>
+              <a:buSzPts val="1200"/>
+              <a:buChar char="○"/>
+              <a:defRPr sz="1200"/>
+            </a:lvl8pPr>
+            <a:lvl9pPr marL="4114800" lvl="8" indent="-304800" algn="l">
+              <a:lnSpc>
+                <a:spcPct val="115000"/>
+              </a:lnSpc>
+              <a:spcBef>
+                <a:spcPts val="0"/>
+              </a:spcBef>
+              <a:spcAft>
+                <a:spcPts val="0"/>
+              </a:spcAft>
+              <a:buSzPts val="1200"/>
+              <a:buChar char="■"/>
+              <a:defRPr sz="1200"/>
+            </a:lvl9pPr>
+          </a:lstStyle>
+          <a:p>
+            <a:endParaRPr/>
+          </a:p>
+        </p:txBody>
+      </p:sp>
+      <p:sp>
+        <p:nvSpPr>
+          <p:cNvPr id="28" name="Google Shape;28;p6"/>
           <p:cNvSpPr txBox="1">
             <a:spLocks noGrp="1"/>
           </p:cNvSpPr>
@@ -2429,47 +4149,249 @@
           <a:prstGeom prst="rect">
             <a:avLst/>
           </a:prstGeom>
+          <a:noFill/>
+          <a:ln>
+            <a:noFill/>
+          </a:ln>
         </p:spPr>
         <p:txBody>
           <a:bodyPr spcFirstLastPara="1" wrap="square" lIns="91425" tIns="91425" rIns="91425" bIns="91425" anchor="ctr" anchorCtr="0">
             <a:normAutofit/>
           </a:bodyPr>
           <a:lstStyle>
-            <a:lvl1pPr lvl="0">
-              <a:buNone/>
-              <a:defRPr/>
+            <a:lvl1pPr marL="0" marR="0" lvl="0" indent="0" algn="r">
+              <a:lnSpc>
+                <a:spcPct val="100000"/>
+              </a:lnSpc>
+              <a:spcBef>
+                <a:spcPts val="0"/>
+              </a:spcBef>
+              <a:spcAft>
+                <a:spcPts val="0"/>
+              </a:spcAft>
+              <a:buClr>
+                <a:srgbClr val="000000"/>
+              </a:buClr>
+              <a:buSzPts val="1000"/>
+              <a:buFont typeface="Arial"/>
+              <a:buNone/>
+              <a:defRPr sz="1000" b="0" i="0" u="none" strike="noStrike" cap="none">
+                <a:solidFill>
+                  <a:schemeClr val="dk2"/>
+                </a:solidFill>
+                <a:latin typeface="Arial"/>
+                <a:ea typeface="Arial"/>
+                <a:cs typeface="Arial"/>
+                <a:sym typeface="Arial"/>
+              </a:defRPr>
             </a:lvl1pPr>
-            <a:lvl2pPr lvl="1">
-              <a:buNone/>
-              <a:defRPr/>
+            <a:lvl2pPr marL="0" marR="0" lvl="1" indent="0" algn="r">
+              <a:lnSpc>
+                <a:spcPct val="100000"/>
+              </a:lnSpc>
+              <a:spcBef>
+                <a:spcPts val="0"/>
+              </a:spcBef>
+              <a:spcAft>
+                <a:spcPts val="0"/>
+              </a:spcAft>
+              <a:buClr>
+                <a:srgbClr val="000000"/>
+              </a:buClr>
+              <a:buSzPts val="1000"/>
+              <a:buFont typeface="Arial"/>
+              <a:buNone/>
+              <a:defRPr sz="1000" b="0" i="0" u="none" strike="noStrike" cap="none">
+                <a:solidFill>
+                  <a:schemeClr val="dk2"/>
+                </a:solidFill>
+                <a:latin typeface="Arial"/>
+                <a:ea typeface="Arial"/>
+                <a:cs typeface="Arial"/>
+                <a:sym typeface="Arial"/>
+              </a:defRPr>
             </a:lvl2pPr>
-            <a:lvl3pPr lvl="2">
-              <a:buNone/>
-              <a:defRPr/>
+            <a:lvl3pPr marL="0" marR="0" lvl="2" indent="0" algn="r">
+              <a:lnSpc>
+                <a:spcPct val="100000"/>
+              </a:lnSpc>
+              <a:spcBef>
+                <a:spcPts val="0"/>
+              </a:spcBef>
+              <a:spcAft>
+                <a:spcPts val="0"/>
+              </a:spcAft>
+              <a:buClr>
+                <a:srgbClr val="000000"/>
+              </a:buClr>
+              <a:buSzPts val="1000"/>
+              <a:buFont typeface="Arial"/>
+              <a:buNone/>
+              <a:defRPr sz="1000" b="0" i="0" u="none" strike="noStrike" cap="none">
+                <a:solidFill>
+                  <a:schemeClr val="dk2"/>
+                </a:solidFill>
+                <a:latin typeface="Arial"/>
+                <a:ea typeface="Arial"/>
+                <a:cs typeface="Arial"/>
+                <a:sym typeface="Arial"/>
+              </a:defRPr>
             </a:lvl3pPr>
-            <a:lvl4pPr lvl="3">
-              <a:buNone/>
-              <a:defRPr/>
+            <a:lvl4pPr marL="0" marR="0" lvl="3" indent="0" algn="r">
+              <a:lnSpc>
+                <a:spcPct val="100000"/>
+              </a:lnSpc>
+              <a:spcBef>
+                <a:spcPts val="0"/>
+              </a:spcBef>
+              <a:spcAft>
+                <a:spcPts val="0"/>
+              </a:spcAft>
+              <a:buClr>
+                <a:srgbClr val="000000"/>
+              </a:buClr>
+              <a:buSzPts val="1000"/>
+              <a:buFont typeface="Arial"/>
+              <a:buNone/>
+              <a:defRPr sz="1000" b="0" i="0" u="none" strike="noStrike" cap="none">
+                <a:solidFill>
+                  <a:schemeClr val="dk2"/>
+                </a:solidFill>
+                <a:latin typeface="Arial"/>
+                <a:ea typeface="Arial"/>
+                <a:cs typeface="Arial"/>
+                <a:sym typeface="Arial"/>
+              </a:defRPr>
             </a:lvl4pPr>
-            <a:lvl5pPr lvl="4">
-              <a:buNone/>
-              <a:defRPr/>
+            <a:lvl5pPr marL="0" marR="0" lvl="4" indent="0" algn="r">
+              <a:lnSpc>
+                <a:spcPct val="100000"/>
+              </a:lnSpc>
+              <a:spcBef>
+                <a:spcPts val="0"/>
+              </a:spcBef>
+              <a:spcAft>
+                <a:spcPts val="0"/>
+              </a:spcAft>
+              <a:buClr>
+                <a:srgbClr val="000000"/>
+              </a:buClr>
+              <a:buSzPts val="1000"/>
+              <a:buFont typeface="Arial"/>
+              <a:buNone/>
+              <a:defRPr sz="1000" b="0" i="0" u="none" strike="noStrike" cap="none">
+                <a:solidFill>
+                  <a:schemeClr val="dk2"/>
+                </a:solidFill>
+                <a:latin typeface="Arial"/>
+                <a:ea typeface="Arial"/>
+                <a:cs typeface="Arial"/>
+                <a:sym typeface="Arial"/>
+              </a:defRPr>
             </a:lvl5pPr>
-            <a:lvl6pPr lvl="5">
-              <a:buNone/>
-              <a:defRPr/>
+            <a:lvl6pPr marL="0" marR="0" lvl="5" indent="0" algn="r">
+              <a:lnSpc>
+                <a:spcPct val="100000"/>
+              </a:lnSpc>
+              <a:spcBef>
+                <a:spcPts val="0"/>
+              </a:spcBef>
+              <a:spcAft>
+                <a:spcPts val="0"/>
+              </a:spcAft>
+              <a:buClr>
+                <a:srgbClr val="000000"/>
+              </a:buClr>
+              <a:buSzPts val="1000"/>
+              <a:buFont typeface="Arial"/>
+              <a:buNone/>
+              <a:defRPr sz="1000" b="0" i="0" u="none" strike="noStrike" cap="none">
+                <a:solidFill>
+                  <a:schemeClr val="dk2"/>
+                </a:solidFill>
+                <a:latin typeface="Arial"/>
+                <a:ea typeface="Arial"/>
+                <a:cs typeface="Arial"/>
+                <a:sym typeface="Arial"/>
+              </a:defRPr>
             </a:lvl6pPr>
-            <a:lvl7pPr lvl="6">
-              <a:buNone/>
-              <a:defRPr/>
+            <a:lvl7pPr marL="0" marR="0" lvl="6" indent="0" algn="r">
+              <a:lnSpc>
+                <a:spcPct val="100000"/>
+              </a:lnSpc>
+              <a:spcBef>
+                <a:spcPts val="0"/>
+              </a:spcBef>
+              <a:spcAft>
+                <a:spcPts val="0"/>
+              </a:spcAft>
+              <a:buClr>
+                <a:srgbClr val="000000"/>
+              </a:buClr>
+              <a:buSzPts val="1000"/>
+              <a:buFont typeface="Arial"/>
+              <a:buNone/>
+              <a:defRPr sz="1000" b="0" i="0" u="none" strike="noStrike" cap="none">
+                <a:solidFill>
+                  <a:schemeClr val="dk2"/>
+                </a:solidFill>
+                <a:latin typeface="Arial"/>
+                <a:ea typeface="Arial"/>
+                <a:cs typeface="Arial"/>
+                <a:sym typeface="Arial"/>
+              </a:defRPr>
             </a:lvl7pPr>
-            <a:lvl8pPr lvl="7">
-              <a:buNone/>
-              <a:defRPr/>
+            <a:lvl8pPr marL="0" marR="0" lvl="7" indent="0" algn="r">
+              <a:lnSpc>
+                <a:spcPct val="100000"/>
+              </a:lnSpc>
+              <a:spcBef>
+                <a:spcPts val="0"/>
+              </a:spcBef>
+              <a:spcAft>
+                <a:spcPts val="0"/>
+              </a:spcAft>
+              <a:buClr>
+                <a:srgbClr val="000000"/>
+              </a:buClr>
+              <a:buSzPts val="1000"/>
+              <a:buFont typeface="Arial"/>
+              <a:buNone/>
+              <a:defRPr sz="1000" b="0" i="0" u="none" strike="noStrike" cap="none">
+                <a:solidFill>
+                  <a:schemeClr val="dk2"/>
+                </a:solidFill>
+                <a:latin typeface="Arial"/>
+                <a:ea typeface="Arial"/>
+                <a:cs typeface="Arial"/>
+                <a:sym typeface="Arial"/>
+              </a:defRPr>
             </a:lvl8pPr>
-            <a:lvl9pPr lvl="8">
-              <a:buNone/>
-              <a:defRPr/>
+            <a:lvl9pPr marL="0" marR="0" lvl="8" indent="0" algn="r">
+              <a:lnSpc>
+                <a:spcPct val="100000"/>
+              </a:lnSpc>
+              <a:spcBef>
+                <a:spcPts val="0"/>
+              </a:spcBef>
+              <a:spcAft>
+                <a:spcPts val="0"/>
+              </a:spcAft>
+              <a:buClr>
+                <a:srgbClr val="000000"/>
+              </a:buClr>
+              <a:buSzPts val="1000"/>
+              <a:buFont typeface="Arial"/>
+              <a:buNone/>
+              <a:defRPr sz="1000" b="0" i="0" u="none" strike="noStrike" cap="none">
+                <a:solidFill>
+                  <a:schemeClr val="dk2"/>
+                </a:solidFill>
+                <a:latin typeface="Arial"/>
+                <a:ea typeface="Arial"/>
+                <a:cs typeface="Arial"/>
+                <a:sym typeface="Arial"/>
+              </a:defRPr>
             </a:lvl9pPr>
           </a:lstStyle>
           <a:p>
@@ -2498,12 +4420,12 @@
 </p:sldLayout>
 </file>
 
-<file path=ppt/slideLayouts/slideLayout5.xml><?xml version="1.0" encoding="utf-8"?>
-<p:sldLayout xmlns:a="http://schemas.openxmlformats.org/drawingml/2006/main" xmlns:r="http://schemas.openxmlformats.org/officeDocument/2006/relationships" xmlns:p="http://schemas.openxmlformats.org/presentationml/2006/main" matchingName="One column text">
-  <p:cSld name="ONE_COLUMN_TEXT">
+<file path=ppt/slideLayouts/slideLayout6.xml><?xml version="1.0" encoding="utf-8"?>
+<p:sldLayout xmlns:a="http://schemas.openxmlformats.org/drawingml/2006/main" xmlns:r="http://schemas.openxmlformats.org/officeDocument/2006/relationships" xmlns:p="http://schemas.openxmlformats.org/presentationml/2006/main" matchingName="Main point">
+  <p:cSld name="MAIN_POINT">
     <p:spTree>
       <p:nvGrpSpPr>
-        <p:cNvPr id="1" name="Shape 28"/>
+        <p:cNvPr id="1" name="Shape 29"/>
         <p:cNvGrpSpPr/>
         <p:nvPr/>
       </p:nvGrpSpPr>
@@ -2517,7 +4439,7 @@
       </p:grpSpPr>
       <p:sp>
         <p:nvSpPr>
-          <p:cNvPr id="29" name="Google Shape;29;p7"/>
+          <p:cNvPr id="30" name="Google Shape;30;p7"/>
           <p:cNvSpPr txBox="1">
             <a:spLocks noGrp="1"/>
           </p:cNvSpPr>
@@ -2527,245 +4449,147 @@
         </p:nvSpPr>
         <p:spPr>
           <a:xfrm>
-            <a:off x="311700" y="555600"/>
-            <a:ext cx="2808000" cy="755700"/>
+            <a:off x="490250" y="450150"/>
+            <a:ext cx="6367800" cy="4090800"/>
           </a:xfrm>
           <a:prstGeom prst="rect">
             <a:avLst/>
           </a:prstGeom>
+          <a:noFill/>
+          <a:ln>
+            <a:noFill/>
+          </a:ln>
         </p:spPr>
         <p:txBody>
-          <a:bodyPr spcFirstLastPara="1" wrap="square" lIns="91425" tIns="91425" rIns="91425" bIns="91425" anchor="b" anchorCtr="0">
+          <a:bodyPr spcFirstLastPara="1" wrap="square" lIns="91425" tIns="91425" rIns="91425" bIns="91425" anchor="ctr" anchorCtr="0">
             <a:normAutofit/>
           </a:bodyPr>
           <a:lstStyle>
-            <a:lvl1pPr lvl="0">
-              <a:spcBef>
-                <a:spcPts val="0"/>
-              </a:spcBef>
-              <a:spcAft>
-                <a:spcPts val="0"/>
-              </a:spcAft>
-              <a:buSzPts val="2400"/>
-              <a:buNone/>
-              <a:defRPr sz="2400"/>
+            <a:lvl1pPr lvl="0" algn="l">
+              <a:lnSpc>
+                <a:spcPct val="100000"/>
+              </a:lnSpc>
+              <a:spcBef>
+                <a:spcPts val="0"/>
+              </a:spcBef>
+              <a:spcAft>
+                <a:spcPts val="0"/>
+              </a:spcAft>
+              <a:buSzPts val="4800"/>
+              <a:buNone/>
+              <a:defRPr sz="4800"/>
             </a:lvl1pPr>
-            <a:lvl2pPr lvl="1">
-              <a:spcBef>
-                <a:spcPts val="0"/>
-              </a:spcBef>
-              <a:spcAft>
-                <a:spcPts val="0"/>
-              </a:spcAft>
-              <a:buSzPts val="2400"/>
-              <a:buNone/>
-              <a:defRPr sz="2400"/>
+            <a:lvl2pPr lvl="1" algn="l">
+              <a:lnSpc>
+                <a:spcPct val="100000"/>
+              </a:lnSpc>
+              <a:spcBef>
+                <a:spcPts val="0"/>
+              </a:spcBef>
+              <a:spcAft>
+                <a:spcPts val="0"/>
+              </a:spcAft>
+              <a:buSzPts val="4800"/>
+              <a:buNone/>
+              <a:defRPr sz="4800"/>
             </a:lvl2pPr>
-            <a:lvl3pPr lvl="2">
-              <a:spcBef>
-                <a:spcPts val="0"/>
-              </a:spcBef>
-              <a:spcAft>
-                <a:spcPts val="0"/>
-              </a:spcAft>
-              <a:buSzPts val="2400"/>
-              <a:buNone/>
-              <a:defRPr sz="2400"/>
+            <a:lvl3pPr lvl="2" algn="l">
+              <a:lnSpc>
+                <a:spcPct val="100000"/>
+              </a:lnSpc>
+              <a:spcBef>
+                <a:spcPts val="0"/>
+              </a:spcBef>
+              <a:spcAft>
+                <a:spcPts val="0"/>
+              </a:spcAft>
+              <a:buSzPts val="4800"/>
+              <a:buNone/>
+              <a:defRPr sz="4800"/>
             </a:lvl3pPr>
-            <a:lvl4pPr lvl="3">
-              <a:spcBef>
-                <a:spcPts val="0"/>
-              </a:spcBef>
-              <a:spcAft>
-                <a:spcPts val="0"/>
-              </a:spcAft>
-              <a:buSzPts val="2400"/>
-              <a:buNone/>
-              <a:defRPr sz="2400"/>
+            <a:lvl4pPr lvl="3" algn="l">
+              <a:lnSpc>
+                <a:spcPct val="100000"/>
+              </a:lnSpc>
+              <a:spcBef>
+                <a:spcPts val="0"/>
+              </a:spcBef>
+              <a:spcAft>
+                <a:spcPts val="0"/>
+              </a:spcAft>
+              <a:buSzPts val="4800"/>
+              <a:buNone/>
+              <a:defRPr sz="4800"/>
             </a:lvl4pPr>
-            <a:lvl5pPr lvl="4">
-              <a:spcBef>
-                <a:spcPts val="0"/>
-              </a:spcBef>
-              <a:spcAft>
-                <a:spcPts val="0"/>
-              </a:spcAft>
-              <a:buSzPts val="2400"/>
-              <a:buNone/>
-              <a:defRPr sz="2400"/>
+            <a:lvl5pPr lvl="4" algn="l">
+              <a:lnSpc>
+                <a:spcPct val="100000"/>
+              </a:lnSpc>
+              <a:spcBef>
+                <a:spcPts val="0"/>
+              </a:spcBef>
+              <a:spcAft>
+                <a:spcPts val="0"/>
+              </a:spcAft>
+              <a:buSzPts val="4800"/>
+              <a:buNone/>
+              <a:defRPr sz="4800"/>
             </a:lvl5pPr>
-            <a:lvl6pPr lvl="5">
-              <a:spcBef>
-                <a:spcPts val="0"/>
-              </a:spcBef>
-              <a:spcAft>
-                <a:spcPts val="0"/>
-              </a:spcAft>
-              <a:buSzPts val="2400"/>
-              <a:buNone/>
-              <a:defRPr sz="2400"/>
+            <a:lvl6pPr lvl="5" algn="l">
+              <a:lnSpc>
+                <a:spcPct val="100000"/>
+              </a:lnSpc>
+              <a:spcBef>
+                <a:spcPts val="0"/>
+              </a:spcBef>
+              <a:spcAft>
+                <a:spcPts val="0"/>
+              </a:spcAft>
+              <a:buSzPts val="4800"/>
+              <a:buNone/>
+              <a:defRPr sz="4800"/>
             </a:lvl6pPr>
-            <a:lvl7pPr lvl="6">
-              <a:spcBef>
-                <a:spcPts val="0"/>
-              </a:spcBef>
-              <a:spcAft>
-                <a:spcPts val="0"/>
-              </a:spcAft>
-              <a:buSzPts val="2400"/>
-              <a:buNone/>
-              <a:defRPr sz="2400"/>
+            <a:lvl7pPr lvl="6" algn="l">
+              <a:lnSpc>
+                <a:spcPct val="100000"/>
+              </a:lnSpc>
+              <a:spcBef>
+                <a:spcPts val="0"/>
+              </a:spcBef>
+              <a:spcAft>
+                <a:spcPts val="0"/>
+              </a:spcAft>
+              <a:buSzPts val="4800"/>
+              <a:buNone/>
+              <a:defRPr sz="4800"/>
             </a:lvl7pPr>
-            <a:lvl8pPr lvl="7">
-              <a:spcBef>
-                <a:spcPts val="0"/>
-              </a:spcBef>
-              <a:spcAft>
-                <a:spcPts val="0"/>
-              </a:spcAft>
-              <a:buSzPts val="2400"/>
-              <a:buNone/>
-              <a:defRPr sz="2400"/>
+            <a:lvl8pPr lvl="7" algn="l">
+              <a:lnSpc>
+                <a:spcPct val="100000"/>
+              </a:lnSpc>
+              <a:spcBef>
+                <a:spcPts val="0"/>
+              </a:spcBef>
+              <a:spcAft>
+                <a:spcPts val="0"/>
+              </a:spcAft>
+              <a:buSzPts val="4800"/>
+              <a:buNone/>
+              <a:defRPr sz="4800"/>
             </a:lvl8pPr>
-            <a:lvl9pPr lvl="8">
-              <a:spcBef>
-                <a:spcPts val="0"/>
-              </a:spcBef>
-              <a:spcAft>
-                <a:spcPts val="0"/>
-              </a:spcAft>
-              <a:buSzPts val="2400"/>
-              <a:buNone/>
-              <a:defRPr sz="2400"/>
-            </a:lvl9pPr>
-          </a:lstStyle>
-          <a:p>
-            <a:endParaRPr/>
-          </a:p>
-        </p:txBody>
-      </p:sp>
-      <p:sp>
-        <p:nvSpPr>
-          <p:cNvPr id="30" name="Google Shape;30;p7"/>
-          <p:cNvSpPr txBox="1">
-            <a:spLocks noGrp="1"/>
-          </p:cNvSpPr>
-          <p:nvPr>
-            <p:ph type="body" idx="1"/>
-          </p:nvPr>
-        </p:nvSpPr>
-        <p:spPr>
-          <a:xfrm>
-            <a:off x="311700" y="1389600"/>
-            <a:ext cx="2808000" cy="3179400"/>
-          </a:xfrm>
-          <a:prstGeom prst="rect">
-            <a:avLst/>
-          </a:prstGeom>
-        </p:spPr>
-        <p:txBody>
-          <a:bodyPr spcFirstLastPara="1" wrap="square" lIns="91425" tIns="91425" rIns="91425" bIns="91425" anchor="t" anchorCtr="0">
-            <a:normAutofit/>
-          </a:bodyPr>
-          <a:lstStyle>
-            <a:lvl1pPr marL="457200" lvl="0" indent="-304800">
-              <a:spcBef>
-                <a:spcPts val="0"/>
-              </a:spcBef>
-              <a:spcAft>
-                <a:spcPts val="0"/>
-              </a:spcAft>
-              <a:buSzPts val="1200"/>
-              <a:buChar char="●"/>
-              <a:defRPr sz="1200"/>
-            </a:lvl1pPr>
-            <a:lvl2pPr marL="914400" lvl="1" indent="-304800">
-              <a:spcBef>
-                <a:spcPts val="0"/>
-              </a:spcBef>
-              <a:spcAft>
-                <a:spcPts val="0"/>
-              </a:spcAft>
-              <a:buSzPts val="1200"/>
-              <a:buChar char="○"/>
-              <a:defRPr sz="1200"/>
-            </a:lvl2pPr>
-            <a:lvl3pPr marL="1371600" lvl="2" indent="-304800">
-              <a:spcBef>
-                <a:spcPts val="0"/>
-              </a:spcBef>
-              <a:spcAft>
-                <a:spcPts val="0"/>
-              </a:spcAft>
-              <a:buSzPts val="1200"/>
-              <a:buChar char="■"/>
-              <a:defRPr sz="1200"/>
-            </a:lvl3pPr>
-            <a:lvl4pPr marL="1828800" lvl="3" indent="-304800">
-              <a:spcBef>
-                <a:spcPts val="0"/>
-              </a:spcBef>
-              <a:spcAft>
-                <a:spcPts val="0"/>
-              </a:spcAft>
-              <a:buSzPts val="1200"/>
-              <a:buChar char="●"/>
-              <a:defRPr sz="1200"/>
-            </a:lvl4pPr>
-            <a:lvl5pPr marL="2286000" lvl="4" indent="-304800">
-              <a:spcBef>
-                <a:spcPts val="0"/>
-              </a:spcBef>
-              <a:spcAft>
-                <a:spcPts val="0"/>
-              </a:spcAft>
-              <a:buSzPts val="1200"/>
-              <a:buChar char="○"/>
-              <a:defRPr sz="1200"/>
-            </a:lvl5pPr>
-            <a:lvl6pPr marL="2743200" lvl="5" indent="-304800">
-              <a:spcBef>
-                <a:spcPts val="0"/>
-              </a:spcBef>
-              <a:spcAft>
-                <a:spcPts val="0"/>
-              </a:spcAft>
-              <a:buSzPts val="1200"/>
-              <a:buChar char="■"/>
-              <a:defRPr sz="1200"/>
-            </a:lvl6pPr>
-            <a:lvl7pPr marL="3200400" lvl="6" indent="-304800">
-              <a:spcBef>
-                <a:spcPts val="0"/>
-              </a:spcBef>
-              <a:spcAft>
-                <a:spcPts val="0"/>
-              </a:spcAft>
-              <a:buSzPts val="1200"/>
-              <a:buChar char="●"/>
-              <a:defRPr sz="1200"/>
-            </a:lvl7pPr>
-            <a:lvl8pPr marL="3657600" lvl="7" indent="-304800">
-              <a:spcBef>
-                <a:spcPts val="0"/>
-              </a:spcBef>
-              <a:spcAft>
-                <a:spcPts val="0"/>
-              </a:spcAft>
-              <a:buSzPts val="1200"/>
-              <a:buChar char="○"/>
-              <a:defRPr sz="1200"/>
-            </a:lvl8pPr>
-            <a:lvl9pPr marL="4114800" lvl="8" indent="-304800">
-              <a:spcBef>
-                <a:spcPts val="0"/>
-              </a:spcBef>
-              <a:spcAft>
-                <a:spcPts val="0"/>
-              </a:spcAft>
-              <a:buSzPts val="1200"/>
-              <a:buChar char="■"/>
-              <a:defRPr sz="1200"/>
+            <a:lvl9pPr lvl="8" algn="l">
+              <a:lnSpc>
+                <a:spcPct val="100000"/>
+              </a:lnSpc>
+              <a:spcBef>
+                <a:spcPts val="0"/>
+              </a:spcBef>
+              <a:spcAft>
+                <a:spcPts val="0"/>
+              </a:spcAft>
+              <a:buSzPts val="4800"/>
+              <a:buNone/>
+              <a:defRPr sz="4800"/>
             </a:lvl9pPr>
           </a:lstStyle>
           <a:p>
@@ -2791,280 +4615,249 @@
           <a:prstGeom prst="rect">
             <a:avLst/>
           </a:prstGeom>
+          <a:noFill/>
+          <a:ln>
+            <a:noFill/>
+          </a:ln>
         </p:spPr>
         <p:txBody>
           <a:bodyPr spcFirstLastPara="1" wrap="square" lIns="91425" tIns="91425" rIns="91425" bIns="91425" anchor="ctr" anchorCtr="0">
             <a:normAutofit/>
           </a:bodyPr>
           <a:lstStyle>
-            <a:lvl1pPr lvl="0">
-              <a:buNone/>
-              <a:defRPr/>
+            <a:lvl1pPr marL="0" marR="0" lvl="0" indent="0" algn="r">
+              <a:lnSpc>
+                <a:spcPct val="100000"/>
+              </a:lnSpc>
+              <a:spcBef>
+                <a:spcPts val="0"/>
+              </a:spcBef>
+              <a:spcAft>
+                <a:spcPts val="0"/>
+              </a:spcAft>
+              <a:buClr>
+                <a:srgbClr val="000000"/>
+              </a:buClr>
+              <a:buSzPts val="1000"/>
+              <a:buFont typeface="Arial"/>
+              <a:buNone/>
+              <a:defRPr sz="1000" b="0" i="0" u="none" strike="noStrike" cap="none">
+                <a:solidFill>
+                  <a:schemeClr val="dk2"/>
+                </a:solidFill>
+                <a:latin typeface="Arial"/>
+                <a:ea typeface="Arial"/>
+                <a:cs typeface="Arial"/>
+                <a:sym typeface="Arial"/>
+              </a:defRPr>
             </a:lvl1pPr>
-            <a:lvl2pPr lvl="1">
-              <a:buNone/>
-              <a:defRPr/>
+            <a:lvl2pPr marL="0" marR="0" lvl="1" indent="0" algn="r">
+              <a:lnSpc>
+                <a:spcPct val="100000"/>
+              </a:lnSpc>
+              <a:spcBef>
+                <a:spcPts val="0"/>
+              </a:spcBef>
+              <a:spcAft>
+                <a:spcPts val="0"/>
+              </a:spcAft>
+              <a:buClr>
+                <a:srgbClr val="000000"/>
+              </a:buClr>
+              <a:buSzPts val="1000"/>
+              <a:buFont typeface="Arial"/>
+              <a:buNone/>
+              <a:defRPr sz="1000" b="0" i="0" u="none" strike="noStrike" cap="none">
+                <a:solidFill>
+                  <a:schemeClr val="dk2"/>
+                </a:solidFill>
+                <a:latin typeface="Arial"/>
+                <a:ea typeface="Arial"/>
+                <a:cs typeface="Arial"/>
+                <a:sym typeface="Arial"/>
+              </a:defRPr>
             </a:lvl2pPr>
-            <a:lvl3pPr lvl="2">
-              <a:buNone/>
-              <a:defRPr/>
+            <a:lvl3pPr marL="0" marR="0" lvl="2" indent="0" algn="r">
+              <a:lnSpc>
+                <a:spcPct val="100000"/>
+              </a:lnSpc>
+              <a:spcBef>
+                <a:spcPts val="0"/>
+              </a:spcBef>
+              <a:spcAft>
+                <a:spcPts val="0"/>
+              </a:spcAft>
+              <a:buClr>
+                <a:srgbClr val="000000"/>
+              </a:buClr>
+              <a:buSzPts val="1000"/>
+              <a:buFont typeface="Arial"/>
+              <a:buNone/>
+              <a:defRPr sz="1000" b="0" i="0" u="none" strike="noStrike" cap="none">
+                <a:solidFill>
+                  <a:schemeClr val="dk2"/>
+                </a:solidFill>
+                <a:latin typeface="Arial"/>
+                <a:ea typeface="Arial"/>
+                <a:cs typeface="Arial"/>
+                <a:sym typeface="Arial"/>
+              </a:defRPr>
             </a:lvl3pPr>
-            <a:lvl4pPr lvl="3">
-              <a:buNone/>
-              <a:defRPr/>
+            <a:lvl4pPr marL="0" marR="0" lvl="3" indent="0" algn="r">
+              <a:lnSpc>
+                <a:spcPct val="100000"/>
+              </a:lnSpc>
+              <a:spcBef>
+                <a:spcPts val="0"/>
+              </a:spcBef>
+              <a:spcAft>
+                <a:spcPts val="0"/>
+              </a:spcAft>
+              <a:buClr>
+                <a:srgbClr val="000000"/>
+              </a:buClr>
+              <a:buSzPts val="1000"/>
+              <a:buFont typeface="Arial"/>
+              <a:buNone/>
+              <a:defRPr sz="1000" b="0" i="0" u="none" strike="noStrike" cap="none">
+                <a:solidFill>
+                  <a:schemeClr val="dk2"/>
+                </a:solidFill>
+                <a:latin typeface="Arial"/>
+                <a:ea typeface="Arial"/>
+                <a:cs typeface="Arial"/>
+                <a:sym typeface="Arial"/>
+              </a:defRPr>
             </a:lvl4pPr>
-            <a:lvl5pPr lvl="4">
-              <a:buNone/>
-              <a:defRPr/>
+            <a:lvl5pPr marL="0" marR="0" lvl="4" indent="0" algn="r">
+              <a:lnSpc>
+                <a:spcPct val="100000"/>
+              </a:lnSpc>
+              <a:spcBef>
+                <a:spcPts val="0"/>
+              </a:spcBef>
+              <a:spcAft>
+                <a:spcPts val="0"/>
+              </a:spcAft>
+              <a:buClr>
+                <a:srgbClr val="000000"/>
+              </a:buClr>
+              <a:buSzPts val="1000"/>
+              <a:buFont typeface="Arial"/>
+              <a:buNone/>
+              <a:defRPr sz="1000" b="0" i="0" u="none" strike="noStrike" cap="none">
+                <a:solidFill>
+                  <a:schemeClr val="dk2"/>
+                </a:solidFill>
+                <a:latin typeface="Arial"/>
+                <a:ea typeface="Arial"/>
+                <a:cs typeface="Arial"/>
+                <a:sym typeface="Arial"/>
+              </a:defRPr>
             </a:lvl5pPr>
-            <a:lvl6pPr lvl="5">
-              <a:buNone/>
-              <a:defRPr/>
+            <a:lvl6pPr marL="0" marR="0" lvl="5" indent="0" algn="r">
+              <a:lnSpc>
+                <a:spcPct val="100000"/>
+              </a:lnSpc>
+              <a:spcBef>
+                <a:spcPts val="0"/>
+              </a:spcBef>
+              <a:spcAft>
+                <a:spcPts val="0"/>
+              </a:spcAft>
+              <a:buClr>
+                <a:srgbClr val="000000"/>
+              </a:buClr>
+              <a:buSzPts val="1000"/>
+              <a:buFont typeface="Arial"/>
+              <a:buNone/>
+              <a:defRPr sz="1000" b="0" i="0" u="none" strike="noStrike" cap="none">
+                <a:solidFill>
+                  <a:schemeClr val="dk2"/>
+                </a:solidFill>
+                <a:latin typeface="Arial"/>
+                <a:ea typeface="Arial"/>
+                <a:cs typeface="Arial"/>
+                <a:sym typeface="Arial"/>
+              </a:defRPr>
             </a:lvl6pPr>
-            <a:lvl7pPr lvl="6">
-              <a:buNone/>
-              <a:defRPr/>
+            <a:lvl7pPr marL="0" marR="0" lvl="6" indent="0" algn="r">
+              <a:lnSpc>
+                <a:spcPct val="100000"/>
+              </a:lnSpc>
+              <a:spcBef>
+                <a:spcPts val="0"/>
+              </a:spcBef>
+              <a:spcAft>
+                <a:spcPts val="0"/>
+              </a:spcAft>
+              <a:buClr>
+                <a:srgbClr val="000000"/>
+              </a:buClr>
+              <a:buSzPts val="1000"/>
+              <a:buFont typeface="Arial"/>
+              <a:buNone/>
+              <a:defRPr sz="1000" b="0" i="0" u="none" strike="noStrike" cap="none">
+                <a:solidFill>
+                  <a:schemeClr val="dk2"/>
+                </a:solidFill>
+                <a:latin typeface="Arial"/>
+                <a:ea typeface="Arial"/>
+                <a:cs typeface="Arial"/>
+                <a:sym typeface="Arial"/>
+              </a:defRPr>
             </a:lvl7pPr>
-            <a:lvl8pPr lvl="7">
-              <a:buNone/>
-              <a:defRPr/>
+            <a:lvl8pPr marL="0" marR="0" lvl="7" indent="0" algn="r">
+              <a:lnSpc>
+                <a:spcPct val="100000"/>
+              </a:lnSpc>
+              <a:spcBef>
+                <a:spcPts val="0"/>
+              </a:spcBef>
+              <a:spcAft>
+                <a:spcPts val="0"/>
+              </a:spcAft>
+              <a:buClr>
+                <a:srgbClr val="000000"/>
+              </a:buClr>
+              <a:buSzPts val="1000"/>
+              <a:buFont typeface="Arial"/>
+              <a:buNone/>
+              <a:defRPr sz="1000" b="0" i="0" u="none" strike="noStrike" cap="none">
+                <a:solidFill>
+                  <a:schemeClr val="dk2"/>
+                </a:solidFill>
+                <a:latin typeface="Arial"/>
+                <a:ea typeface="Arial"/>
+                <a:cs typeface="Arial"/>
+                <a:sym typeface="Arial"/>
+              </a:defRPr>
             </a:lvl8pPr>
-            <a:lvl9pPr lvl="8">
-              <a:buNone/>
-              <a:defRPr/>
-            </a:lvl9pPr>
-          </a:lstStyle>
-          <a:p>
-            <a:pPr marL="0" lvl="0" indent="0" algn="r" rtl="0">
-              <a:spcBef>
-                <a:spcPts val="0"/>
-              </a:spcBef>
-              <a:spcAft>
-                <a:spcPts val="0"/>
-              </a:spcAft>
-              <a:buNone/>
-            </a:pPr>
-            <a:fld id="{00000000-1234-1234-1234-123412341234}" type="slidenum">
-              <a:rPr lang="en-GB"/>
-              <a:t>‹#›</a:t>
-            </a:fld>
-            <a:endParaRPr/>
-          </a:p>
-        </p:txBody>
-      </p:sp>
-    </p:spTree>
-  </p:cSld>
-  <p:clrMapOvr>
-    <a:masterClrMapping/>
-  </p:clrMapOvr>
-</p:sldLayout>
-</file>
-
-<file path=ppt/slideLayouts/slideLayout6.xml><?xml version="1.0" encoding="utf-8"?>
-<p:sldLayout xmlns:a="http://schemas.openxmlformats.org/drawingml/2006/main" xmlns:r="http://schemas.openxmlformats.org/officeDocument/2006/relationships" xmlns:p="http://schemas.openxmlformats.org/presentationml/2006/main" matchingName="Main point">
-  <p:cSld name="MAIN_POINT">
-    <p:spTree>
-      <p:nvGrpSpPr>
-        <p:cNvPr id="1" name="Shape 32"/>
-        <p:cNvGrpSpPr/>
-        <p:nvPr/>
-      </p:nvGrpSpPr>
-      <p:grpSpPr>
-        <a:xfrm>
-          <a:off x="0" y="0"/>
-          <a:ext cx="0" cy="0"/>
-          <a:chOff x="0" y="0"/>
-          <a:chExt cx="0" cy="0"/>
-        </a:xfrm>
-      </p:grpSpPr>
-      <p:sp>
-        <p:nvSpPr>
-          <p:cNvPr id="33" name="Google Shape;33;p8"/>
-          <p:cNvSpPr txBox="1">
-            <a:spLocks noGrp="1"/>
-          </p:cNvSpPr>
-          <p:nvPr>
-            <p:ph type="title"/>
-          </p:nvPr>
-        </p:nvSpPr>
-        <p:spPr>
-          <a:xfrm>
-            <a:off x="490250" y="450150"/>
-            <a:ext cx="6367800" cy="4090800"/>
-          </a:xfrm>
-          <a:prstGeom prst="rect">
-            <a:avLst/>
-          </a:prstGeom>
-        </p:spPr>
-        <p:txBody>
-          <a:bodyPr spcFirstLastPara="1" wrap="square" lIns="91425" tIns="91425" rIns="91425" bIns="91425" anchor="ctr" anchorCtr="0">
-            <a:normAutofit/>
-          </a:bodyPr>
-          <a:lstStyle>
-            <a:lvl1pPr lvl="0">
-              <a:spcBef>
-                <a:spcPts val="0"/>
-              </a:spcBef>
-              <a:spcAft>
-                <a:spcPts val="0"/>
-              </a:spcAft>
-              <a:buSzPts val="4800"/>
-              <a:buNone/>
-              <a:defRPr sz="4800"/>
-            </a:lvl1pPr>
-            <a:lvl2pPr lvl="1">
-              <a:spcBef>
-                <a:spcPts val="0"/>
-              </a:spcBef>
-              <a:spcAft>
-                <a:spcPts val="0"/>
-              </a:spcAft>
-              <a:buSzPts val="4800"/>
-              <a:buNone/>
-              <a:defRPr sz="4800"/>
-            </a:lvl2pPr>
-            <a:lvl3pPr lvl="2">
-              <a:spcBef>
-                <a:spcPts val="0"/>
-              </a:spcBef>
-              <a:spcAft>
-                <a:spcPts val="0"/>
-              </a:spcAft>
-              <a:buSzPts val="4800"/>
-              <a:buNone/>
-              <a:defRPr sz="4800"/>
-            </a:lvl3pPr>
-            <a:lvl4pPr lvl="3">
-              <a:spcBef>
-                <a:spcPts val="0"/>
-              </a:spcBef>
-              <a:spcAft>
-                <a:spcPts val="0"/>
-              </a:spcAft>
-              <a:buSzPts val="4800"/>
-              <a:buNone/>
-              <a:defRPr sz="4800"/>
-            </a:lvl4pPr>
-            <a:lvl5pPr lvl="4">
-              <a:spcBef>
-                <a:spcPts val="0"/>
-              </a:spcBef>
-              <a:spcAft>
-                <a:spcPts val="0"/>
-              </a:spcAft>
-              <a:buSzPts val="4800"/>
-              <a:buNone/>
-              <a:defRPr sz="4800"/>
-            </a:lvl5pPr>
-            <a:lvl6pPr lvl="5">
-              <a:spcBef>
-                <a:spcPts val="0"/>
-              </a:spcBef>
-              <a:spcAft>
-                <a:spcPts val="0"/>
-              </a:spcAft>
-              <a:buSzPts val="4800"/>
-              <a:buNone/>
-              <a:defRPr sz="4800"/>
-            </a:lvl6pPr>
-            <a:lvl7pPr lvl="6">
-              <a:spcBef>
-                <a:spcPts val="0"/>
-              </a:spcBef>
-              <a:spcAft>
-                <a:spcPts val="0"/>
-              </a:spcAft>
-              <a:buSzPts val="4800"/>
-              <a:buNone/>
-              <a:defRPr sz="4800"/>
-            </a:lvl7pPr>
-            <a:lvl8pPr lvl="7">
-              <a:spcBef>
-                <a:spcPts val="0"/>
-              </a:spcBef>
-              <a:spcAft>
-                <a:spcPts val="0"/>
-              </a:spcAft>
-              <a:buSzPts val="4800"/>
-              <a:buNone/>
-              <a:defRPr sz="4800"/>
-            </a:lvl8pPr>
-            <a:lvl9pPr lvl="8">
-              <a:spcBef>
-                <a:spcPts val="0"/>
-              </a:spcBef>
-              <a:spcAft>
-                <a:spcPts val="0"/>
-              </a:spcAft>
-              <a:buSzPts val="4800"/>
-              <a:buNone/>
-              <a:defRPr sz="4800"/>
-            </a:lvl9pPr>
-          </a:lstStyle>
-          <a:p>
-            <a:endParaRPr/>
-          </a:p>
-        </p:txBody>
-      </p:sp>
-      <p:sp>
-        <p:nvSpPr>
-          <p:cNvPr id="34" name="Google Shape;34;p8"/>
-          <p:cNvSpPr txBox="1">
-            <a:spLocks noGrp="1"/>
-          </p:cNvSpPr>
-          <p:nvPr>
-            <p:ph type="sldNum" idx="12"/>
-          </p:nvPr>
-        </p:nvSpPr>
-        <p:spPr>
-          <a:xfrm>
-            <a:off x="8472458" y="4663217"/>
-            <a:ext cx="548700" cy="393600"/>
-          </a:xfrm>
-          <a:prstGeom prst="rect">
-            <a:avLst/>
-          </a:prstGeom>
-        </p:spPr>
-        <p:txBody>
-          <a:bodyPr spcFirstLastPara="1" wrap="square" lIns="91425" tIns="91425" rIns="91425" bIns="91425" anchor="ctr" anchorCtr="0">
-            <a:normAutofit/>
-          </a:bodyPr>
-          <a:lstStyle>
-            <a:lvl1pPr lvl="0">
-              <a:buNone/>
-              <a:defRPr/>
-            </a:lvl1pPr>
-            <a:lvl2pPr lvl="1">
-              <a:buNone/>
-              <a:defRPr/>
-            </a:lvl2pPr>
-            <a:lvl3pPr lvl="2">
-              <a:buNone/>
-              <a:defRPr/>
-            </a:lvl3pPr>
-            <a:lvl4pPr lvl="3">
-              <a:buNone/>
-              <a:defRPr/>
-            </a:lvl4pPr>
-            <a:lvl5pPr lvl="4">
-              <a:buNone/>
-              <a:defRPr/>
-            </a:lvl5pPr>
-            <a:lvl6pPr lvl="5">
-              <a:buNone/>
-              <a:defRPr/>
-            </a:lvl6pPr>
-            <a:lvl7pPr lvl="6">
-              <a:buNone/>
-              <a:defRPr/>
-            </a:lvl7pPr>
-            <a:lvl8pPr lvl="7">
-              <a:buNone/>
-              <a:defRPr/>
-            </a:lvl8pPr>
-            <a:lvl9pPr lvl="8">
-              <a:buNone/>
-              <a:defRPr/>
+            <a:lvl9pPr marL="0" marR="0" lvl="8" indent="0" algn="r">
+              <a:lnSpc>
+                <a:spcPct val="100000"/>
+              </a:lnSpc>
+              <a:spcBef>
+                <a:spcPts val="0"/>
+              </a:spcBef>
+              <a:spcAft>
+                <a:spcPts val="0"/>
+              </a:spcAft>
+              <a:buClr>
+                <a:srgbClr val="000000"/>
+              </a:buClr>
+              <a:buSzPts val="1000"/>
+              <a:buFont typeface="Arial"/>
+              <a:buNone/>
+              <a:defRPr sz="1000" b="0" i="0" u="none" strike="noStrike" cap="none">
+                <a:solidFill>
+                  <a:schemeClr val="dk2"/>
+                </a:solidFill>
+                <a:latin typeface="Arial"/>
+                <a:ea typeface="Arial"/>
+                <a:cs typeface="Arial"/>
+                <a:sym typeface="Arial"/>
+              </a:defRPr>
             </a:lvl9pPr>
           </a:lstStyle>
           <a:p>
@@ -3098,7 +4891,7 @@
   <p:cSld name="SECTION_TITLE_AND_DESCRIPTION">
     <p:spTree>
       <p:nvGrpSpPr>
-        <p:cNvPr id="1" name="Shape 35"/>
+        <p:cNvPr id="1" name="Shape 32"/>
         <p:cNvGrpSpPr/>
         <p:nvPr/>
       </p:nvGrpSpPr>
@@ -3112,7 +4905,7 @@
       </p:grpSpPr>
       <p:sp>
         <p:nvSpPr>
-          <p:cNvPr id="36" name="Google Shape;36;p9"/>
+          <p:cNvPr id="33" name="Google Shape;33;p8"/>
           <p:cNvSpPr/>
           <p:nvPr/>
         </p:nvSpPr>
@@ -3137,22 +4930,38 @@
           </a:bodyPr>
           <a:lstStyle/>
           <a:p>
-            <a:pPr marL="0" lvl="0" indent="0" algn="l" rtl="0">
-              <a:spcBef>
-                <a:spcPts val="0"/>
-              </a:spcBef>
-              <a:spcAft>
-                <a:spcPts val="0"/>
-              </a:spcAft>
+            <a:pPr marL="0" marR="0" lvl="0" indent="0" algn="l" rtl="0">
+              <a:lnSpc>
+                <a:spcPct val="100000"/>
+              </a:lnSpc>
+              <a:spcBef>
+                <a:spcPts val="0"/>
+              </a:spcBef>
+              <a:spcAft>
+                <a:spcPts val="0"/>
+              </a:spcAft>
+              <a:buClr>
+                <a:srgbClr val="000000"/>
+              </a:buClr>
+              <a:buSzPts val="1400"/>
+              <a:buFont typeface="Arial"/>
               <a:buNone/>
             </a:pPr>
-            <a:endParaRPr/>
+            <a:endParaRPr sz="1400" b="0" i="0" u="none" strike="noStrike" cap="none">
+              <a:solidFill>
+                <a:srgbClr val="000000"/>
+              </a:solidFill>
+              <a:latin typeface="Arial"/>
+              <a:ea typeface="Arial"/>
+              <a:cs typeface="Arial"/>
+              <a:sym typeface="Arial"/>
+            </a:endParaRPr>
           </a:p>
         </p:txBody>
       </p:sp>
       <p:sp>
         <p:nvSpPr>
-          <p:cNvPr id="37" name="Google Shape;37;p9"/>
+          <p:cNvPr id="34" name="Google Shape;34;p8"/>
           <p:cNvSpPr txBox="1">
             <a:spLocks noGrp="1"/>
           </p:cNvSpPr>
@@ -3168,6 +4977,10 @@
           <a:prstGeom prst="rect">
             <a:avLst/>
           </a:prstGeom>
+          <a:noFill/>
+          <a:ln>
+            <a:noFill/>
+          </a:ln>
         </p:spPr>
         <p:txBody>
           <a:bodyPr spcFirstLastPara="1" wrap="square" lIns="91425" tIns="91425" rIns="91425" bIns="91425" anchor="b" anchorCtr="0">
@@ -3175,6 +4988,9 @@
           </a:bodyPr>
           <a:lstStyle>
             <a:lvl1pPr lvl="0" algn="ctr">
+              <a:lnSpc>
+                <a:spcPct val="100000"/>
+              </a:lnSpc>
               <a:spcBef>
                 <a:spcPts val="0"/>
               </a:spcBef>
@@ -3186,6 +5002,9 @@
               <a:defRPr sz="4200"/>
             </a:lvl1pPr>
             <a:lvl2pPr lvl="1" algn="ctr">
+              <a:lnSpc>
+                <a:spcPct val="100000"/>
+              </a:lnSpc>
               <a:spcBef>
                 <a:spcPts val="0"/>
               </a:spcBef>
@@ -3197,6 +5016,9 @@
               <a:defRPr sz="4200"/>
             </a:lvl2pPr>
             <a:lvl3pPr lvl="2" algn="ctr">
+              <a:lnSpc>
+                <a:spcPct val="100000"/>
+              </a:lnSpc>
               <a:spcBef>
                 <a:spcPts val="0"/>
               </a:spcBef>
@@ -3208,6 +5030,9 @@
               <a:defRPr sz="4200"/>
             </a:lvl3pPr>
             <a:lvl4pPr lvl="3" algn="ctr">
+              <a:lnSpc>
+                <a:spcPct val="100000"/>
+              </a:lnSpc>
               <a:spcBef>
                 <a:spcPts val="0"/>
               </a:spcBef>
@@ -3219,6 +5044,9 @@
               <a:defRPr sz="4200"/>
             </a:lvl4pPr>
             <a:lvl5pPr lvl="4" algn="ctr">
+              <a:lnSpc>
+                <a:spcPct val="100000"/>
+              </a:lnSpc>
               <a:spcBef>
                 <a:spcPts val="0"/>
               </a:spcBef>
@@ -3230,6 +5058,9 @@
               <a:defRPr sz="4200"/>
             </a:lvl5pPr>
             <a:lvl6pPr lvl="5" algn="ctr">
+              <a:lnSpc>
+                <a:spcPct val="100000"/>
+              </a:lnSpc>
               <a:spcBef>
                 <a:spcPts val="0"/>
               </a:spcBef>
@@ -3241,6 +5072,9 @@
               <a:defRPr sz="4200"/>
             </a:lvl6pPr>
             <a:lvl7pPr lvl="6" algn="ctr">
+              <a:lnSpc>
+                <a:spcPct val="100000"/>
+              </a:lnSpc>
               <a:spcBef>
                 <a:spcPts val="0"/>
               </a:spcBef>
@@ -3252,6 +5086,9 @@
               <a:defRPr sz="4200"/>
             </a:lvl7pPr>
             <a:lvl8pPr lvl="7" algn="ctr">
+              <a:lnSpc>
+                <a:spcPct val="100000"/>
+              </a:lnSpc>
               <a:spcBef>
                 <a:spcPts val="0"/>
               </a:spcBef>
@@ -3263,6 +5100,9 @@
               <a:defRPr sz="4200"/>
             </a:lvl8pPr>
             <a:lvl9pPr lvl="8" algn="ctr">
+              <a:lnSpc>
+                <a:spcPct val="100000"/>
+              </a:lnSpc>
               <a:spcBef>
                 <a:spcPts val="0"/>
               </a:spcBef>
@@ -3281,7 +5121,7 @@
       </p:sp>
       <p:sp>
         <p:nvSpPr>
-          <p:cNvPr id="38" name="Google Shape;38;p9"/>
+          <p:cNvPr id="35" name="Google Shape;35;p8"/>
           <p:cNvSpPr txBox="1">
             <a:spLocks noGrp="1"/>
           </p:cNvSpPr>
@@ -3297,6 +5137,10 @@
           <a:prstGeom prst="rect">
             <a:avLst/>
           </a:prstGeom>
+          <a:noFill/>
+          <a:ln>
+            <a:noFill/>
+          </a:ln>
         </p:spPr>
         <p:txBody>
           <a:bodyPr spcFirstLastPara="1" wrap="square" lIns="91425" tIns="91425" rIns="91425" bIns="91425" anchor="t" anchorCtr="0">
@@ -3437,7 +5281,7 @@
       </p:sp>
       <p:sp>
         <p:nvSpPr>
-          <p:cNvPr id="39" name="Google Shape;39;p9"/>
+          <p:cNvPr id="36" name="Google Shape;36;p8"/>
           <p:cNvSpPr txBox="1">
             <a:spLocks noGrp="1"/>
           </p:cNvSpPr>
@@ -3453,13 +5297,20 @@
           <a:prstGeom prst="rect">
             <a:avLst/>
           </a:prstGeom>
+          <a:noFill/>
+          <a:ln>
+            <a:noFill/>
+          </a:ln>
         </p:spPr>
         <p:txBody>
           <a:bodyPr spcFirstLastPara="1" wrap="square" lIns="91425" tIns="91425" rIns="91425" bIns="91425" anchor="ctr" anchorCtr="0">
             <a:normAutofit/>
           </a:bodyPr>
           <a:lstStyle>
-            <a:lvl1pPr marL="457200" lvl="0" indent="-342900">
+            <a:lvl1pPr marL="457200" lvl="0" indent="-342900" algn="l">
+              <a:lnSpc>
+                <a:spcPct val="115000"/>
+              </a:lnSpc>
               <a:spcBef>
                 <a:spcPts val="0"/>
               </a:spcBef>
@@ -3470,7 +5321,10 @@
               <a:buChar char="●"/>
               <a:defRPr/>
             </a:lvl1pPr>
-            <a:lvl2pPr marL="914400" lvl="1" indent="-317500">
+            <a:lvl2pPr marL="914400" lvl="1" indent="-317500" algn="l">
+              <a:lnSpc>
+                <a:spcPct val="115000"/>
+              </a:lnSpc>
               <a:spcBef>
                 <a:spcPts val="0"/>
               </a:spcBef>
@@ -3481,7 +5335,10 @@
               <a:buChar char="○"/>
               <a:defRPr/>
             </a:lvl2pPr>
-            <a:lvl3pPr marL="1371600" lvl="2" indent="-317500">
+            <a:lvl3pPr marL="1371600" lvl="2" indent="-317500" algn="l">
+              <a:lnSpc>
+                <a:spcPct val="115000"/>
+              </a:lnSpc>
               <a:spcBef>
                 <a:spcPts val="0"/>
               </a:spcBef>
@@ -3492,7 +5349,10 @@
               <a:buChar char="■"/>
               <a:defRPr/>
             </a:lvl3pPr>
-            <a:lvl4pPr marL="1828800" lvl="3" indent="-317500">
+            <a:lvl4pPr marL="1828800" lvl="3" indent="-317500" algn="l">
+              <a:lnSpc>
+                <a:spcPct val="115000"/>
+              </a:lnSpc>
               <a:spcBef>
                 <a:spcPts val="0"/>
               </a:spcBef>
@@ -3503,7 +5363,10 @@
               <a:buChar char="●"/>
               <a:defRPr/>
             </a:lvl4pPr>
-            <a:lvl5pPr marL="2286000" lvl="4" indent="-317500">
+            <a:lvl5pPr marL="2286000" lvl="4" indent="-317500" algn="l">
+              <a:lnSpc>
+                <a:spcPct val="115000"/>
+              </a:lnSpc>
               <a:spcBef>
                 <a:spcPts val="0"/>
               </a:spcBef>
@@ -3514,7 +5377,10 @@
               <a:buChar char="○"/>
               <a:defRPr/>
             </a:lvl5pPr>
-            <a:lvl6pPr marL="2743200" lvl="5" indent="-317500">
+            <a:lvl6pPr marL="2743200" lvl="5" indent="-317500" algn="l">
+              <a:lnSpc>
+                <a:spcPct val="115000"/>
+              </a:lnSpc>
               <a:spcBef>
                 <a:spcPts val="0"/>
               </a:spcBef>
@@ -3525,7 +5391,10 @@
               <a:buChar char="■"/>
               <a:defRPr/>
             </a:lvl6pPr>
-            <a:lvl7pPr marL="3200400" lvl="6" indent="-317500">
+            <a:lvl7pPr marL="3200400" lvl="6" indent="-317500" algn="l">
+              <a:lnSpc>
+                <a:spcPct val="115000"/>
+              </a:lnSpc>
               <a:spcBef>
                 <a:spcPts val="0"/>
               </a:spcBef>
@@ -3536,7 +5405,10 @@
               <a:buChar char="●"/>
               <a:defRPr/>
             </a:lvl7pPr>
-            <a:lvl8pPr marL="3657600" lvl="7" indent="-317500">
+            <a:lvl8pPr marL="3657600" lvl="7" indent="-317500" algn="l">
+              <a:lnSpc>
+                <a:spcPct val="115000"/>
+              </a:lnSpc>
               <a:spcBef>
                 <a:spcPts val="0"/>
               </a:spcBef>
@@ -3547,7 +5419,10 @@
               <a:buChar char="○"/>
               <a:defRPr/>
             </a:lvl8pPr>
-            <a:lvl9pPr marL="4114800" lvl="8" indent="-317500">
+            <a:lvl9pPr marL="4114800" lvl="8" indent="-317500" algn="l">
+              <a:lnSpc>
+                <a:spcPct val="115000"/>
+              </a:lnSpc>
               <a:spcBef>
                 <a:spcPts val="0"/>
               </a:spcBef>
@@ -3558,6 +5433,360 @@
               <a:buChar char="■"/>
               <a:defRPr/>
             </a:lvl9pPr>
+          </a:lstStyle>
+          <a:p>
+            <a:endParaRPr/>
+          </a:p>
+        </p:txBody>
+      </p:sp>
+      <p:sp>
+        <p:nvSpPr>
+          <p:cNvPr id="37" name="Google Shape;37;p8"/>
+          <p:cNvSpPr txBox="1">
+            <a:spLocks noGrp="1"/>
+          </p:cNvSpPr>
+          <p:nvPr>
+            <p:ph type="sldNum" idx="12"/>
+          </p:nvPr>
+        </p:nvSpPr>
+        <p:spPr>
+          <a:xfrm>
+            <a:off x="8472458" y="4663217"/>
+            <a:ext cx="548700" cy="393600"/>
+          </a:xfrm>
+          <a:prstGeom prst="rect">
+            <a:avLst/>
+          </a:prstGeom>
+          <a:noFill/>
+          <a:ln>
+            <a:noFill/>
+          </a:ln>
+        </p:spPr>
+        <p:txBody>
+          <a:bodyPr spcFirstLastPara="1" wrap="square" lIns="91425" tIns="91425" rIns="91425" bIns="91425" anchor="ctr" anchorCtr="0">
+            <a:normAutofit/>
+          </a:bodyPr>
+          <a:lstStyle>
+            <a:lvl1pPr marL="0" marR="0" lvl="0" indent="0" algn="r">
+              <a:lnSpc>
+                <a:spcPct val="100000"/>
+              </a:lnSpc>
+              <a:spcBef>
+                <a:spcPts val="0"/>
+              </a:spcBef>
+              <a:spcAft>
+                <a:spcPts val="0"/>
+              </a:spcAft>
+              <a:buClr>
+                <a:srgbClr val="000000"/>
+              </a:buClr>
+              <a:buSzPts val="1000"/>
+              <a:buFont typeface="Arial"/>
+              <a:buNone/>
+              <a:defRPr sz="1000" b="0" i="0" u="none" strike="noStrike" cap="none">
+                <a:solidFill>
+                  <a:schemeClr val="dk2"/>
+                </a:solidFill>
+                <a:latin typeface="Arial"/>
+                <a:ea typeface="Arial"/>
+                <a:cs typeface="Arial"/>
+                <a:sym typeface="Arial"/>
+              </a:defRPr>
+            </a:lvl1pPr>
+            <a:lvl2pPr marL="0" marR="0" lvl="1" indent="0" algn="r">
+              <a:lnSpc>
+                <a:spcPct val="100000"/>
+              </a:lnSpc>
+              <a:spcBef>
+                <a:spcPts val="0"/>
+              </a:spcBef>
+              <a:spcAft>
+                <a:spcPts val="0"/>
+              </a:spcAft>
+              <a:buClr>
+                <a:srgbClr val="000000"/>
+              </a:buClr>
+              <a:buSzPts val="1000"/>
+              <a:buFont typeface="Arial"/>
+              <a:buNone/>
+              <a:defRPr sz="1000" b="0" i="0" u="none" strike="noStrike" cap="none">
+                <a:solidFill>
+                  <a:schemeClr val="dk2"/>
+                </a:solidFill>
+                <a:latin typeface="Arial"/>
+                <a:ea typeface="Arial"/>
+                <a:cs typeface="Arial"/>
+                <a:sym typeface="Arial"/>
+              </a:defRPr>
+            </a:lvl2pPr>
+            <a:lvl3pPr marL="0" marR="0" lvl="2" indent="0" algn="r">
+              <a:lnSpc>
+                <a:spcPct val="100000"/>
+              </a:lnSpc>
+              <a:spcBef>
+                <a:spcPts val="0"/>
+              </a:spcBef>
+              <a:spcAft>
+                <a:spcPts val="0"/>
+              </a:spcAft>
+              <a:buClr>
+                <a:srgbClr val="000000"/>
+              </a:buClr>
+              <a:buSzPts val="1000"/>
+              <a:buFont typeface="Arial"/>
+              <a:buNone/>
+              <a:defRPr sz="1000" b="0" i="0" u="none" strike="noStrike" cap="none">
+                <a:solidFill>
+                  <a:schemeClr val="dk2"/>
+                </a:solidFill>
+                <a:latin typeface="Arial"/>
+                <a:ea typeface="Arial"/>
+                <a:cs typeface="Arial"/>
+                <a:sym typeface="Arial"/>
+              </a:defRPr>
+            </a:lvl3pPr>
+            <a:lvl4pPr marL="0" marR="0" lvl="3" indent="0" algn="r">
+              <a:lnSpc>
+                <a:spcPct val="100000"/>
+              </a:lnSpc>
+              <a:spcBef>
+                <a:spcPts val="0"/>
+              </a:spcBef>
+              <a:spcAft>
+                <a:spcPts val="0"/>
+              </a:spcAft>
+              <a:buClr>
+                <a:srgbClr val="000000"/>
+              </a:buClr>
+              <a:buSzPts val="1000"/>
+              <a:buFont typeface="Arial"/>
+              <a:buNone/>
+              <a:defRPr sz="1000" b="0" i="0" u="none" strike="noStrike" cap="none">
+                <a:solidFill>
+                  <a:schemeClr val="dk2"/>
+                </a:solidFill>
+                <a:latin typeface="Arial"/>
+                <a:ea typeface="Arial"/>
+                <a:cs typeface="Arial"/>
+                <a:sym typeface="Arial"/>
+              </a:defRPr>
+            </a:lvl4pPr>
+            <a:lvl5pPr marL="0" marR="0" lvl="4" indent="0" algn="r">
+              <a:lnSpc>
+                <a:spcPct val="100000"/>
+              </a:lnSpc>
+              <a:spcBef>
+                <a:spcPts val="0"/>
+              </a:spcBef>
+              <a:spcAft>
+                <a:spcPts val="0"/>
+              </a:spcAft>
+              <a:buClr>
+                <a:srgbClr val="000000"/>
+              </a:buClr>
+              <a:buSzPts val="1000"/>
+              <a:buFont typeface="Arial"/>
+              <a:buNone/>
+              <a:defRPr sz="1000" b="0" i="0" u="none" strike="noStrike" cap="none">
+                <a:solidFill>
+                  <a:schemeClr val="dk2"/>
+                </a:solidFill>
+                <a:latin typeface="Arial"/>
+                <a:ea typeface="Arial"/>
+                <a:cs typeface="Arial"/>
+                <a:sym typeface="Arial"/>
+              </a:defRPr>
+            </a:lvl5pPr>
+            <a:lvl6pPr marL="0" marR="0" lvl="5" indent="0" algn="r">
+              <a:lnSpc>
+                <a:spcPct val="100000"/>
+              </a:lnSpc>
+              <a:spcBef>
+                <a:spcPts val="0"/>
+              </a:spcBef>
+              <a:spcAft>
+                <a:spcPts val="0"/>
+              </a:spcAft>
+              <a:buClr>
+                <a:srgbClr val="000000"/>
+              </a:buClr>
+              <a:buSzPts val="1000"/>
+              <a:buFont typeface="Arial"/>
+              <a:buNone/>
+              <a:defRPr sz="1000" b="0" i="0" u="none" strike="noStrike" cap="none">
+                <a:solidFill>
+                  <a:schemeClr val="dk2"/>
+                </a:solidFill>
+                <a:latin typeface="Arial"/>
+                <a:ea typeface="Arial"/>
+                <a:cs typeface="Arial"/>
+                <a:sym typeface="Arial"/>
+              </a:defRPr>
+            </a:lvl6pPr>
+            <a:lvl7pPr marL="0" marR="0" lvl="6" indent="0" algn="r">
+              <a:lnSpc>
+                <a:spcPct val="100000"/>
+              </a:lnSpc>
+              <a:spcBef>
+                <a:spcPts val="0"/>
+              </a:spcBef>
+              <a:spcAft>
+                <a:spcPts val="0"/>
+              </a:spcAft>
+              <a:buClr>
+                <a:srgbClr val="000000"/>
+              </a:buClr>
+              <a:buSzPts val="1000"/>
+              <a:buFont typeface="Arial"/>
+              <a:buNone/>
+              <a:defRPr sz="1000" b="0" i="0" u="none" strike="noStrike" cap="none">
+                <a:solidFill>
+                  <a:schemeClr val="dk2"/>
+                </a:solidFill>
+                <a:latin typeface="Arial"/>
+                <a:ea typeface="Arial"/>
+                <a:cs typeface="Arial"/>
+                <a:sym typeface="Arial"/>
+              </a:defRPr>
+            </a:lvl7pPr>
+            <a:lvl8pPr marL="0" marR="0" lvl="7" indent="0" algn="r">
+              <a:lnSpc>
+                <a:spcPct val="100000"/>
+              </a:lnSpc>
+              <a:spcBef>
+                <a:spcPts val="0"/>
+              </a:spcBef>
+              <a:spcAft>
+                <a:spcPts val="0"/>
+              </a:spcAft>
+              <a:buClr>
+                <a:srgbClr val="000000"/>
+              </a:buClr>
+              <a:buSzPts val="1000"/>
+              <a:buFont typeface="Arial"/>
+              <a:buNone/>
+              <a:defRPr sz="1000" b="0" i="0" u="none" strike="noStrike" cap="none">
+                <a:solidFill>
+                  <a:schemeClr val="dk2"/>
+                </a:solidFill>
+                <a:latin typeface="Arial"/>
+                <a:ea typeface="Arial"/>
+                <a:cs typeface="Arial"/>
+                <a:sym typeface="Arial"/>
+              </a:defRPr>
+            </a:lvl8pPr>
+            <a:lvl9pPr marL="0" marR="0" lvl="8" indent="0" algn="r">
+              <a:lnSpc>
+                <a:spcPct val="100000"/>
+              </a:lnSpc>
+              <a:spcBef>
+                <a:spcPts val="0"/>
+              </a:spcBef>
+              <a:spcAft>
+                <a:spcPts val="0"/>
+              </a:spcAft>
+              <a:buClr>
+                <a:srgbClr val="000000"/>
+              </a:buClr>
+              <a:buSzPts val="1000"/>
+              <a:buFont typeface="Arial"/>
+              <a:buNone/>
+              <a:defRPr sz="1000" b="0" i="0" u="none" strike="noStrike" cap="none">
+                <a:solidFill>
+                  <a:schemeClr val="dk2"/>
+                </a:solidFill>
+                <a:latin typeface="Arial"/>
+                <a:ea typeface="Arial"/>
+                <a:cs typeface="Arial"/>
+                <a:sym typeface="Arial"/>
+              </a:defRPr>
+            </a:lvl9pPr>
+          </a:lstStyle>
+          <a:p>
+            <a:pPr marL="0" lvl="0" indent="0" algn="r" rtl="0">
+              <a:spcBef>
+                <a:spcPts val="0"/>
+              </a:spcBef>
+              <a:spcAft>
+                <a:spcPts val="0"/>
+              </a:spcAft>
+              <a:buNone/>
+            </a:pPr>
+            <a:fld id="{00000000-1234-1234-1234-123412341234}" type="slidenum">
+              <a:rPr lang="en-GB"/>
+              <a:t>‹#›</a:t>
+            </a:fld>
+            <a:endParaRPr/>
+          </a:p>
+        </p:txBody>
+      </p:sp>
+    </p:spTree>
+  </p:cSld>
+  <p:clrMapOvr>
+    <a:masterClrMapping/>
+  </p:clrMapOvr>
+</p:sldLayout>
+</file>
+
+<file path=ppt/slideLayouts/slideLayout8.xml><?xml version="1.0" encoding="utf-8"?>
+<p:sldLayout xmlns:a="http://schemas.openxmlformats.org/drawingml/2006/main" xmlns:r="http://schemas.openxmlformats.org/officeDocument/2006/relationships" xmlns:p="http://schemas.openxmlformats.org/presentationml/2006/main" matchingName="Caption">
+  <p:cSld name="CAPTION_ONLY">
+    <p:spTree>
+      <p:nvGrpSpPr>
+        <p:cNvPr id="1" name="Shape 38"/>
+        <p:cNvGrpSpPr/>
+        <p:nvPr/>
+      </p:nvGrpSpPr>
+      <p:grpSpPr>
+        <a:xfrm>
+          <a:off x="0" y="0"/>
+          <a:ext cx="0" cy="0"/>
+          <a:chOff x="0" y="0"/>
+          <a:chExt cx="0" cy="0"/>
+        </a:xfrm>
+      </p:grpSpPr>
+      <p:sp>
+        <p:nvSpPr>
+          <p:cNvPr id="39" name="Google Shape;39;p9"/>
+          <p:cNvSpPr txBox="1">
+            <a:spLocks noGrp="1"/>
+          </p:cNvSpPr>
+          <p:nvPr>
+            <p:ph type="body" idx="1"/>
+          </p:nvPr>
+        </p:nvSpPr>
+        <p:spPr>
+          <a:xfrm>
+            <a:off x="311700" y="4230575"/>
+            <a:ext cx="5998800" cy="605100"/>
+          </a:xfrm>
+          <a:prstGeom prst="rect">
+            <a:avLst/>
+          </a:prstGeom>
+          <a:noFill/>
+          <a:ln>
+            <a:noFill/>
+          </a:ln>
+        </p:spPr>
+        <p:txBody>
+          <a:bodyPr spcFirstLastPara="1" wrap="square" lIns="91425" tIns="91425" rIns="91425" bIns="91425" anchor="ctr" anchorCtr="0">
+            <a:normAutofit/>
+          </a:bodyPr>
+          <a:lstStyle>
+            <a:lvl1pPr marL="457200" lvl="0" indent="-228600" algn="l">
+              <a:lnSpc>
+                <a:spcPct val="100000"/>
+              </a:lnSpc>
+              <a:spcBef>
+                <a:spcPts val="0"/>
+              </a:spcBef>
+              <a:spcAft>
+                <a:spcPts val="0"/>
+              </a:spcAft>
+              <a:buSzPts val="1800"/>
+              <a:buNone/>
+              <a:defRPr/>
+            </a:lvl1pPr>
           </a:lstStyle>
           <a:p>
             <a:endParaRPr/>
@@ -3582,195 +5811,249 @@
           <a:prstGeom prst="rect">
             <a:avLst/>
           </a:prstGeom>
+          <a:noFill/>
+          <a:ln>
+            <a:noFill/>
+          </a:ln>
         </p:spPr>
         <p:txBody>
           <a:bodyPr spcFirstLastPara="1" wrap="square" lIns="91425" tIns="91425" rIns="91425" bIns="91425" anchor="ctr" anchorCtr="0">
             <a:normAutofit/>
           </a:bodyPr>
           <a:lstStyle>
-            <a:lvl1pPr lvl="0">
-              <a:buNone/>
-              <a:defRPr/>
+            <a:lvl1pPr marL="0" marR="0" lvl="0" indent="0" algn="r">
+              <a:lnSpc>
+                <a:spcPct val="100000"/>
+              </a:lnSpc>
+              <a:spcBef>
+                <a:spcPts val="0"/>
+              </a:spcBef>
+              <a:spcAft>
+                <a:spcPts val="0"/>
+              </a:spcAft>
+              <a:buClr>
+                <a:srgbClr val="000000"/>
+              </a:buClr>
+              <a:buSzPts val="1000"/>
+              <a:buFont typeface="Arial"/>
+              <a:buNone/>
+              <a:defRPr sz="1000" b="0" i="0" u="none" strike="noStrike" cap="none">
+                <a:solidFill>
+                  <a:schemeClr val="dk2"/>
+                </a:solidFill>
+                <a:latin typeface="Arial"/>
+                <a:ea typeface="Arial"/>
+                <a:cs typeface="Arial"/>
+                <a:sym typeface="Arial"/>
+              </a:defRPr>
             </a:lvl1pPr>
-            <a:lvl2pPr lvl="1">
-              <a:buNone/>
-              <a:defRPr/>
+            <a:lvl2pPr marL="0" marR="0" lvl="1" indent="0" algn="r">
+              <a:lnSpc>
+                <a:spcPct val="100000"/>
+              </a:lnSpc>
+              <a:spcBef>
+                <a:spcPts val="0"/>
+              </a:spcBef>
+              <a:spcAft>
+                <a:spcPts val="0"/>
+              </a:spcAft>
+              <a:buClr>
+                <a:srgbClr val="000000"/>
+              </a:buClr>
+              <a:buSzPts val="1000"/>
+              <a:buFont typeface="Arial"/>
+              <a:buNone/>
+              <a:defRPr sz="1000" b="0" i="0" u="none" strike="noStrike" cap="none">
+                <a:solidFill>
+                  <a:schemeClr val="dk2"/>
+                </a:solidFill>
+                <a:latin typeface="Arial"/>
+                <a:ea typeface="Arial"/>
+                <a:cs typeface="Arial"/>
+                <a:sym typeface="Arial"/>
+              </a:defRPr>
             </a:lvl2pPr>
-            <a:lvl3pPr lvl="2">
-              <a:buNone/>
-              <a:defRPr/>
+            <a:lvl3pPr marL="0" marR="0" lvl="2" indent="0" algn="r">
+              <a:lnSpc>
+                <a:spcPct val="100000"/>
+              </a:lnSpc>
+              <a:spcBef>
+                <a:spcPts val="0"/>
+              </a:spcBef>
+              <a:spcAft>
+                <a:spcPts val="0"/>
+              </a:spcAft>
+              <a:buClr>
+                <a:srgbClr val="000000"/>
+              </a:buClr>
+              <a:buSzPts val="1000"/>
+              <a:buFont typeface="Arial"/>
+              <a:buNone/>
+              <a:defRPr sz="1000" b="0" i="0" u="none" strike="noStrike" cap="none">
+                <a:solidFill>
+                  <a:schemeClr val="dk2"/>
+                </a:solidFill>
+                <a:latin typeface="Arial"/>
+                <a:ea typeface="Arial"/>
+                <a:cs typeface="Arial"/>
+                <a:sym typeface="Arial"/>
+              </a:defRPr>
             </a:lvl3pPr>
-            <a:lvl4pPr lvl="3">
-              <a:buNone/>
-              <a:defRPr/>
+            <a:lvl4pPr marL="0" marR="0" lvl="3" indent="0" algn="r">
+              <a:lnSpc>
+                <a:spcPct val="100000"/>
+              </a:lnSpc>
+              <a:spcBef>
+                <a:spcPts val="0"/>
+              </a:spcBef>
+              <a:spcAft>
+                <a:spcPts val="0"/>
+              </a:spcAft>
+              <a:buClr>
+                <a:srgbClr val="000000"/>
+              </a:buClr>
+              <a:buSzPts val="1000"/>
+              <a:buFont typeface="Arial"/>
+              <a:buNone/>
+              <a:defRPr sz="1000" b="0" i="0" u="none" strike="noStrike" cap="none">
+                <a:solidFill>
+                  <a:schemeClr val="dk2"/>
+                </a:solidFill>
+                <a:latin typeface="Arial"/>
+                <a:ea typeface="Arial"/>
+                <a:cs typeface="Arial"/>
+                <a:sym typeface="Arial"/>
+              </a:defRPr>
             </a:lvl4pPr>
-            <a:lvl5pPr lvl="4">
-              <a:buNone/>
-              <a:defRPr/>
+            <a:lvl5pPr marL="0" marR="0" lvl="4" indent="0" algn="r">
+              <a:lnSpc>
+                <a:spcPct val="100000"/>
+              </a:lnSpc>
+              <a:spcBef>
+                <a:spcPts val="0"/>
+              </a:spcBef>
+              <a:spcAft>
+                <a:spcPts val="0"/>
+              </a:spcAft>
+              <a:buClr>
+                <a:srgbClr val="000000"/>
+              </a:buClr>
+              <a:buSzPts val="1000"/>
+              <a:buFont typeface="Arial"/>
+              <a:buNone/>
+              <a:defRPr sz="1000" b="0" i="0" u="none" strike="noStrike" cap="none">
+                <a:solidFill>
+                  <a:schemeClr val="dk2"/>
+                </a:solidFill>
+                <a:latin typeface="Arial"/>
+                <a:ea typeface="Arial"/>
+                <a:cs typeface="Arial"/>
+                <a:sym typeface="Arial"/>
+              </a:defRPr>
             </a:lvl5pPr>
-            <a:lvl6pPr lvl="5">
-              <a:buNone/>
-              <a:defRPr/>
+            <a:lvl6pPr marL="0" marR="0" lvl="5" indent="0" algn="r">
+              <a:lnSpc>
+                <a:spcPct val="100000"/>
+              </a:lnSpc>
+              <a:spcBef>
+                <a:spcPts val="0"/>
+              </a:spcBef>
+              <a:spcAft>
+                <a:spcPts val="0"/>
+              </a:spcAft>
+              <a:buClr>
+                <a:srgbClr val="000000"/>
+              </a:buClr>
+              <a:buSzPts val="1000"/>
+              <a:buFont typeface="Arial"/>
+              <a:buNone/>
+              <a:defRPr sz="1000" b="0" i="0" u="none" strike="noStrike" cap="none">
+                <a:solidFill>
+                  <a:schemeClr val="dk2"/>
+                </a:solidFill>
+                <a:latin typeface="Arial"/>
+                <a:ea typeface="Arial"/>
+                <a:cs typeface="Arial"/>
+                <a:sym typeface="Arial"/>
+              </a:defRPr>
             </a:lvl6pPr>
-            <a:lvl7pPr lvl="6">
-              <a:buNone/>
-              <a:defRPr/>
+            <a:lvl7pPr marL="0" marR="0" lvl="6" indent="0" algn="r">
+              <a:lnSpc>
+                <a:spcPct val="100000"/>
+              </a:lnSpc>
+              <a:spcBef>
+                <a:spcPts val="0"/>
+              </a:spcBef>
+              <a:spcAft>
+                <a:spcPts val="0"/>
+              </a:spcAft>
+              <a:buClr>
+                <a:srgbClr val="000000"/>
+              </a:buClr>
+              <a:buSzPts val="1000"/>
+              <a:buFont typeface="Arial"/>
+              <a:buNone/>
+              <a:defRPr sz="1000" b="0" i="0" u="none" strike="noStrike" cap="none">
+                <a:solidFill>
+                  <a:schemeClr val="dk2"/>
+                </a:solidFill>
+                <a:latin typeface="Arial"/>
+                <a:ea typeface="Arial"/>
+                <a:cs typeface="Arial"/>
+                <a:sym typeface="Arial"/>
+              </a:defRPr>
             </a:lvl7pPr>
-            <a:lvl8pPr lvl="7">
-              <a:buNone/>
-              <a:defRPr/>
+            <a:lvl8pPr marL="0" marR="0" lvl="7" indent="0" algn="r">
+              <a:lnSpc>
+                <a:spcPct val="100000"/>
+              </a:lnSpc>
+              <a:spcBef>
+                <a:spcPts val="0"/>
+              </a:spcBef>
+              <a:spcAft>
+                <a:spcPts val="0"/>
+              </a:spcAft>
+              <a:buClr>
+                <a:srgbClr val="000000"/>
+              </a:buClr>
+              <a:buSzPts val="1000"/>
+              <a:buFont typeface="Arial"/>
+              <a:buNone/>
+              <a:defRPr sz="1000" b="0" i="0" u="none" strike="noStrike" cap="none">
+                <a:solidFill>
+                  <a:schemeClr val="dk2"/>
+                </a:solidFill>
+                <a:latin typeface="Arial"/>
+                <a:ea typeface="Arial"/>
+                <a:cs typeface="Arial"/>
+                <a:sym typeface="Arial"/>
+              </a:defRPr>
             </a:lvl8pPr>
-            <a:lvl9pPr lvl="8">
-              <a:buNone/>
-              <a:defRPr/>
-            </a:lvl9pPr>
-          </a:lstStyle>
-          <a:p>
-            <a:pPr marL="0" lvl="0" indent="0" algn="r" rtl="0">
-              <a:spcBef>
-                <a:spcPts val="0"/>
-              </a:spcBef>
-              <a:spcAft>
-                <a:spcPts val="0"/>
-              </a:spcAft>
-              <a:buNone/>
-            </a:pPr>
-            <a:fld id="{00000000-1234-1234-1234-123412341234}" type="slidenum">
-              <a:rPr lang="en-GB"/>
-              <a:t>‹#›</a:t>
-            </a:fld>
-            <a:endParaRPr/>
-          </a:p>
-        </p:txBody>
-      </p:sp>
-    </p:spTree>
-  </p:cSld>
-  <p:clrMapOvr>
-    <a:masterClrMapping/>
-  </p:clrMapOvr>
-</p:sldLayout>
-</file>
-
-<file path=ppt/slideLayouts/slideLayout8.xml><?xml version="1.0" encoding="utf-8"?>
-<p:sldLayout xmlns:a="http://schemas.openxmlformats.org/drawingml/2006/main" xmlns:r="http://schemas.openxmlformats.org/officeDocument/2006/relationships" xmlns:p="http://schemas.openxmlformats.org/presentationml/2006/main" matchingName="Caption">
-  <p:cSld name="CAPTION_ONLY">
-    <p:spTree>
-      <p:nvGrpSpPr>
-        <p:cNvPr id="1" name="Shape 41"/>
-        <p:cNvGrpSpPr/>
-        <p:nvPr/>
-      </p:nvGrpSpPr>
-      <p:grpSpPr>
-        <a:xfrm>
-          <a:off x="0" y="0"/>
-          <a:ext cx="0" cy="0"/>
-          <a:chOff x="0" y="0"/>
-          <a:chExt cx="0" cy="0"/>
-        </a:xfrm>
-      </p:grpSpPr>
-      <p:sp>
-        <p:nvSpPr>
-          <p:cNvPr id="42" name="Google Shape;42;p10"/>
-          <p:cNvSpPr txBox="1">
-            <a:spLocks noGrp="1"/>
-          </p:cNvSpPr>
-          <p:nvPr>
-            <p:ph type="body" idx="1"/>
-          </p:nvPr>
-        </p:nvSpPr>
-        <p:spPr>
-          <a:xfrm>
-            <a:off x="311700" y="4230575"/>
-            <a:ext cx="5998800" cy="605100"/>
-          </a:xfrm>
-          <a:prstGeom prst="rect">
-            <a:avLst/>
-          </a:prstGeom>
-        </p:spPr>
-        <p:txBody>
-          <a:bodyPr spcFirstLastPara="1" wrap="square" lIns="91425" tIns="91425" rIns="91425" bIns="91425" anchor="ctr" anchorCtr="0">
-            <a:normAutofit/>
-          </a:bodyPr>
-          <a:lstStyle>
-            <a:lvl1pPr marL="457200" lvl="0" indent="-228600">
-              <a:lnSpc>
-                <a:spcPct val="100000"/>
-              </a:lnSpc>
-              <a:spcBef>
-                <a:spcPts val="0"/>
-              </a:spcBef>
-              <a:spcAft>
-                <a:spcPts val="0"/>
-              </a:spcAft>
-              <a:buSzPts val="1800"/>
-              <a:buNone/>
-              <a:defRPr/>
-            </a:lvl1pPr>
-          </a:lstStyle>
-          <a:p>
-            <a:endParaRPr/>
-          </a:p>
-        </p:txBody>
-      </p:sp>
-      <p:sp>
-        <p:nvSpPr>
-          <p:cNvPr id="43" name="Google Shape;43;p10"/>
-          <p:cNvSpPr txBox="1">
-            <a:spLocks noGrp="1"/>
-          </p:cNvSpPr>
-          <p:nvPr>
-            <p:ph type="sldNum" idx="12"/>
-          </p:nvPr>
-        </p:nvSpPr>
-        <p:spPr>
-          <a:xfrm>
-            <a:off x="8472458" y="4663217"/>
-            <a:ext cx="548700" cy="393600"/>
-          </a:xfrm>
-          <a:prstGeom prst="rect">
-            <a:avLst/>
-          </a:prstGeom>
-        </p:spPr>
-        <p:txBody>
-          <a:bodyPr spcFirstLastPara="1" wrap="square" lIns="91425" tIns="91425" rIns="91425" bIns="91425" anchor="ctr" anchorCtr="0">
-            <a:normAutofit/>
-          </a:bodyPr>
-          <a:lstStyle>
-            <a:lvl1pPr lvl="0">
-              <a:buNone/>
-              <a:defRPr/>
-            </a:lvl1pPr>
-            <a:lvl2pPr lvl="1">
-              <a:buNone/>
-              <a:defRPr/>
-            </a:lvl2pPr>
-            <a:lvl3pPr lvl="2">
-              <a:buNone/>
-              <a:defRPr/>
-            </a:lvl3pPr>
-            <a:lvl4pPr lvl="3">
-              <a:buNone/>
-              <a:defRPr/>
-            </a:lvl4pPr>
-            <a:lvl5pPr lvl="4">
-              <a:buNone/>
-              <a:defRPr/>
-            </a:lvl5pPr>
-            <a:lvl6pPr lvl="5">
-              <a:buNone/>
-              <a:defRPr/>
-            </a:lvl6pPr>
-            <a:lvl7pPr lvl="6">
-              <a:buNone/>
-              <a:defRPr/>
-            </a:lvl7pPr>
-            <a:lvl8pPr lvl="7">
-              <a:buNone/>
-              <a:defRPr/>
-            </a:lvl8pPr>
-            <a:lvl9pPr lvl="8">
-              <a:buNone/>
-              <a:defRPr/>
+            <a:lvl9pPr marL="0" marR="0" lvl="8" indent="0" algn="r">
+              <a:lnSpc>
+                <a:spcPct val="100000"/>
+              </a:lnSpc>
+              <a:spcBef>
+                <a:spcPts val="0"/>
+              </a:spcBef>
+              <a:spcAft>
+                <a:spcPts val="0"/>
+              </a:spcAft>
+              <a:buClr>
+                <a:srgbClr val="000000"/>
+              </a:buClr>
+              <a:buSzPts val="1000"/>
+              <a:buFont typeface="Arial"/>
+              <a:buNone/>
+              <a:defRPr sz="1000" b="0" i="0" u="none" strike="noStrike" cap="none">
+                <a:solidFill>
+                  <a:schemeClr val="dk2"/>
+                </a:solidFill>
+                <a:latin typeface="Arial"/>
+                <a:ea typeface="Arial"/>
+                <a:cs typeface="Arial"/>
+                <a:sym typeface="Arial"/>
+              </a:defRPr>
             </a:lvl9pPr>
           </a:lstStyle>
           <a:p>
@@ -3804,7 +6087,7 @@
   <p:cSld name="BIG_NUMBER">
     <p:spTree>
       <p:nvGrpSpPr>
-        <p:cNvPr id="1" name="Shape 44"/>
+        <p:cNvPr id="1" name="Shape 41"/>
         <p:cNvGrpSpPr/>
         <p:nvPr/>
       </p:nvGrpSpPr>
@@ -3818,7 +6101,7 @@
       </p:grpSpPr>
       <p:sp>
         <p:nvSpPr>
-          <p:cNvPr id="45" name="Google Shape;45;p11"/>
+          <p:cNvPr id="42" name="Google Shape;42;p10"/>
           <p:cNvSpPr txBox="1">
             <a:spLocks noGrp="1"/>
           </p:cNvSpPr>
@@ -3834,6 +6117,10 @@
           <a:prstGeom prst="rect">
             <a:avLst/>
           </a:prstGeom>
+          <a:noFill/>
+          <a:ln>
+            <a:noFill/>
+          </a:ln>
         </p:spPr>
         <p:txBody>
           <a:bodyPr spcFirstLastPara="1" wrap="square" lIns="91425" tIns="91425" rIns="91425" bIns="91425" anchor="b" anchorCtr="0">
@@ -3841,6 +6128,9 @@
           </a:bodyPr>
           <a:lstStyle>
             <a:lvl1pPr lvl="0" algn="ctr">
+              <a:lnSpc>
+                <a:spcPct val="100000"/>
+              </a:lnSpc>
               <a:spcBef>
                 <a:spcPts val="0"/>
               </a:spcBef>
@@ -3852,6 +6142,9 @@
               <a:defRPr sz="12000"/>
             </a:lvl1pPr>
             <a:lvl2pPr lvl="1" algn="ctr">
+              <a:lnSpc>
+                <a:spcPct val="100000"/>
+              </a:lnSpc>
               <a:spcBef>
                 <a:spcPts val="0"/>
               </a:spcBef>
@@ -3863,6 +6156,9 @@
               <a:defRPr sz="12000"/>
             </a:lvl2pPr>
             <a:lvl3pPr lvl="2" algn="ctr">
+              <a:lnSpc>
+                <a:spcPct val="100000"/>
+              </a:lnSpc>
               <a:spcBef>
                 <a:spcPts val="0"/>
               </a:spcBef>
@@ -3874,6 +6170,9 @@
               <a:defRPr sz="12000"/>
             </a:lvl3pPr>
             <a:lvl4pPr lvl="3" algn="ctr">
+              <a:lnSpc>
+                <a:spcPct val="100000"/>
+              </a:lnSpc>
               <a:spcBef>
                 <a:spcPts val="0"/>
               </a:spcBef>
@@ -3885,6 +6184,9 @@
               <a:defRPr sz="12000"/>
             </a:lvl4pPr>
             <a:lvl5pPr lvl="4" algn="ctr">
+              <a:lnSpc>
+                <a:spcPct val="100000"/>
+              </a:lnSpc>
               <a:spcBef>
                 <a:spcPts val="0"/>
               </a:spcBef>
@@ -3896,6 +6198,9 @@
               <a:defRPr sz="12000"/>
             </a:lvl5pPr>
             <a:lvl6pPr lvl="5" algn="ctr">
+              <a:lnSpc>
+                <a:spcPct val="100000"/>
+              </a:lnSpc>
               <a:spcBef>
                 <a:spcPts val="0"/>
               </a:spcBef>
@@ -3907,6 +6212,9 @@
               <a:defRPr sz="12000"/>
             </a:lvl6pPr>
             <a:lvl7pPr lvl="6" algn="ctr">
+              <a:lnSpc>
+                <a:spcPct val="100000"/>
+              </a:lnSpc>
               <a:spcBef>
                 <a:spcPts val="0"/>
               </a:spcBef>
@@ -3918,6 +6226,9 @@
               <a:defRPr sz="12000"/>
             </a:lvl7pPr>
             <a:lvl8pPr lvl="7" algn="ctr">
+              <a:lnSpc>
+                <a:spcPct val="100000"/>
+              </a:lnSpc>
               <a:spcBef>
                 <a:spcPts val="0"/>
               </a:spcBef>
@@ -3929,6 +6240,9 @@
               <a:defRPr sz="12000"/>
             </a:lvl8pPr>
             <a:lvl9pPr lvl="8" algn="ctr">
+              <a:lnSpc>
+                <a:spcPct val="100000"/>
+              </a:lnSpc>
               <a:spcBef>
                 <a:spcPts val="0"/>
               </a:spcBef>
@@ -3949,7 +6263,7 @@
       </p:sp>
       <p:sp>
         <p:nvSpPr>
-          <p:cNvPr id="46" name="Google Shape;46;p11"/>
+          <p:cNvPr id="43" name="Google Shape;43;p10"/>
           <p:cNvSpPr txBox="1">
             <a:spLocks noGrp="1"/>
           </p:cNvSpPr>
@@ -3965,6 +6279,10 @@
           <a:prstGeom prst="rect">
             <a:avLst/>
           </a:prstGeom>
+          <a:noFill/>
+          <a:ln>
+            <a:noFill/>
+          </a:ln>
         </p:spPr>
         <p:txBody>
           <a:bodyPr spcFirstLastPara="1" wrap="square" lIns="91425" tIns="91425" rIns="91425" bIns="91425" anchor="t" anchorCtr="0">
@@ -3972,6 +6290,9 @@
           </a:bodyPr>
           <a:lstStyle>
             <a:lvl1pPr marL="457200" lvl="0" indent="-342900" algn="ctr">
+              <a:lnSpc>
+                <a:spcPct val="115000"/>
+              </a:lnSpc>
               <a:spcBef>
                 <a:spcPts val="0"/>
               </a:spcBef>
@@ -3983,6 +6304,9 @@
               <a:defRPr/>
             </a:lvl1pPr>
             <a:lvl2pPr marL="914400" lvl="1" indent="-317500" algn="ctr">
+              <a:lnSpc>
+                <a:spcPct val="115000"/>
+              </a:lnSpc>
               <a:spcBef>
                 <a:spcPts val="0"/>
               </a:spcBef>
@@ -3994,6 +6318,9 @@
               <a:defRPr/>
             </a:lvl2pPr>
             <a:lvl3pPr marL="1371600" lvl="2" indent="-317500" algn="ctr">
+              <a:lnSpc>
+                <a:spcPct val="115000"/>
+              </a:lnSpc>
               <a:spcBef>
                 <a:spcPts val="0"/>
               </a:spcBef>
@@ -4005,6 +6332,9 @@
               <a:defRPr/>
             </a:lvl3pPr>
             <a:lvl4pPr marL="1828800" lvl="3" indent="-317500" algn="ctr">
+              <a:lnSpc>
+                <a:spcPct val="115000"/>
+              </a:lnSpc>
               <a:spcBef>
                 <a:spcPts val="0"/>
               </a:spcBef>
@@ -4016,6 +6346,9 @@
               <a:defRPr/>
             </a:lvl4pPr>
             <a:lvl5pPr marL="2286000" lvl="4" indent="-317500" algn="ctr">
+              <a:lnSpc>
+                <a:spcPct val="115000"/>
+              </a:lnSpc>
               <a:spcBef>
                 <a:spcPts val="0"/>
               </a:spcBef>
@@ -4027,6 +6360,9 @@
               <a:defRPr/>
             </a:lvl5pPr>
             <a:lvl6pPr marL="2743200" lvl="5" indent="-317500" algn="ctr">
+              <a:lnSpc>
+                <a:spcPct val="115000"/>
+              </a:lnSpc>
               <a:spcBef>
                 <a:spcPts val="0"/>
               </a:spcBef>
@@ -4038,6 +6374,9 @@
               <a:defRPr/>
             </a:lvl6pPr>
             <a:lvl7pPr marL="3200400" lvl="6" indent="-317500" algn="ctr">
+              <a:lnSpc>
+                <a:spcPct val="115000"/>
+              </a:lnSpc>
               <a:spcBef>
                 <a:spcPts val="0"/>
               </a:spcBef>
@@ -4049,6 +6388,9 @@
               <a:defRPr/>
             </a:lvl7pPr>
             <a:lvl8pPr marL="3657600" lvl="7" indent="-317500" algn="ctr">
+              <a:lnSpc>
+                <a:spcPct val="115000"/>
+              </a:lnSpc>
               <a:spcBef>
                 <a:spcPts val="0"/>
               </a:spcBef>
@@ -4060,6 +6402,9 @@
               <a:defRPr/>
             </a:lvl8pPr>
             <a:lvl9pPr marL="4114800" lvl="8" indent="-317500" algn="ctr">
+              <a:lnSpc>
+                <a:spcPct val="115000"/>
+              </a:lnSpc>
               <a:spcBef>
                 <a:spcPts val="0"/>
               </a:spcBef>
@@ -4078,7 +6423,7 @@
       </p:sp>
       <p:sp>
         <p:nvSpPr>
-          <p:cNvPr id="47" name="Google Shape;47;p11"/>
+          <p:cNvPr id="44" name="Google Shape;44;p10"/>
           <p:cNvSpPr txBox="1">
             <a:spLocks noGrp="1"/>
           </p:cNvSpPr>
@@ -4094,47 +6439,249 @@
           <a:prstGeom prst="rect">
             <a:avLst/>
           </a:prstGeom>
+          <a:noFill/>
+          <a:ln>
+            <a:noFill/>
+          </a:ln>
         </p:spPr>
         <p:txBody>
           <a:bodyPr spcFirstLastPara="1" wrap="square" lIns="91425" tIns="91425" rIns="91425" bIns="91425" anchor="ctr" anchorCtr="0">
             <a:normAutofit/>
           </a:bodyPr>
           <a:lstStyle>
-            <a:lvl1pPr lvl="0">
-              <a:buNone/>
-              <a:defRPr/>
+            <a:lvl1pPr marL="0" marR="0" lvl="0" indent="0" algn="r">
+              <a:lnSpc>
+                <a:spcPct val="100000"/>
+              </a:lnSpc>
+              <a:spcBef>
+                <a:spcPts val="0"/>
+              </a:spcBef>
+              <a:spcAft>
+                <a:spcPts val="0"/>
+              </a:spcAft>
+              <a:buClr>
+                <a:srgbClr val="000000"/>
+              </a:buClr>
+              <a:buSzPts val="1000"/>
+              <a:buFont typeface="Arial"/>
+              <a:buNone/>
+              <a:defRPr sz="1000" b="0" i="0" u="none" strike="noStrike" cap="none">
+                <a:solidFill>
+                  <a:schemeClr val="dk2"/>
+                </a:solidFill>
+                <a:latin typeface="Arial"/>
+                <a:ea typeface="Arial"/>
+                <a:cs typeface="Arial"/>
+                <a:sym typeface="Arial"/>
+              </a:defRPr>
             </a:lvl1pPr>
-            <a:lvl2pPr lvl="1">
-              <a:buNone/>
-              <a:defRPr/>
+            <a:lvl2pPr marL="0" marR="0" lvl="1" indent="0" algn="r">
+              <a:lnSpc>
+                <a:spcPct val="100000"/>
+              </a:lnSpc>
+              <a:spcBef>
+                <a:spcPts val="0"/>
+              </a:spcBef>
+              <a:spcAft>
+                <a:spcPts val="0"/>
+              </a:spcAft>
+              <a:buClr>
+                <a:srgbClr val="000000"/>
+              </a:buClr>
+              <a:buSzPts val="1000"/>
+              <a:buFont typeface="Arial"/>
+              <a:buNone/>
+              <a:defRPr sz="1000" b="0" i="0" u="none" strike="noStrike" cap="none">
+                <a:solidFill>
+                  <a:schemeClr val="dk2"/>
+                </a:solidFill>
+                <a:latin typeface="Arial"/>
+                <a:ea typeface="Arial"/>
+                <a:cs typeface="Arial"/>
+                <a:sym typeface="Arial"/>
+              </a:defRPr>
             </a:lvl2pPr>
-            <a:lvl3pPr lvl="2">
-              <a:buNone/>
-              <a:defRPr/>
+            <a:lvl3pPr marL="0" marR="0" lvl="2" indent="0" algn="r">
+              <a:lnSpc>
+                <a:spcPct val="100000"/>
+              </a:lnSpc>
+              <a:spcBef>
+                <a:spcPts val="0"/>
+              </a:spcBef>
+              <a:spcAft>
+                <a:spcPts val="0"/>
+              </a:spcAft>
+              <a:buClr>
+                <a:srgbClr val="000000"/>
+              </a:buClr>
+              <a:buSzPts val="1000"/>
+              <a:buFont typeface="Arial"/>
+              <a:buNone/>
+              <a:defRPr sz="1000" b="0" i="0" u="none" strike="noStrike" cap="none">
+                <a:solidFill>
+                  <a:schemeClr val="dk2"/>
+                </a:solidFill>
+                <a:latin typeface="Arial"/>
+                <a:ea typeface="Arial"/>
+                <a:cs typeface="Arial"/>
+                <a:sym typeface="Arial"/>
+              </a:defRPr>
             </a:lvl3pPr>
-            <a:lvl4pPr lvl="3">
-              <a:buNone/>
-              <a:defRPr/>
+            <a:lvl4pPr marL="0" marR="0" lvl="3" indent="0" algn="r">
+              <a:lnSpc>
+                <a:spcPct val="100000"/>
+              </a:lnSpc>
+              <a:spcBef>
+                <a:spcPts val="0"/>
+              </a:spcBef>
+              <a:spcAft>
+                <a:spcPts val="0"/>
+              </a:spcAft>
+              <a:buClr>
+                <a:srgbClr val="000000"/>
+              </a:buClr>
+              <a:buSzPts val="1000"/>
+              <a:buFont typeface="Arial"/>
+              <a:buNone/>
+              <a:defRPr sz="1000" b="0" i="0" u="none" strike="noStrike" cap="none">
+                <a:solidFill>
+                  <a:schemeClr val="dk2"/>
+                </a:solidFill>
+                <a:latin typeface="Arial"/>
+                <a:ea typeface="Arial"/>
+                <a:cs typeface="Arial"/>
+                <a:sym typeface="Arial"/>
+              </a:defRPr>
             </a:lvl4pPr>
-            <a:lvl5pPr lvl="4">
-              <a:buNone/>
-              <a:defRPr/>
+            <a:lvl5pPr marL="0" marR="0" lvl="4" indent="0" algn="r">
+              <a:lnSpc>
+                <a:spcPct val="100000"/>
+              </a:lnSpc>
+              <a:spcBef>
+                <a:spcPts val="0"/>
+              </a:spcBef>
+              <a:spcAft>
+                <a:spcPts val="0"/>
+              </a:spcAft>
+              <a:buClr>
+                <a:srgbClr val="000000"/>
+              </a:buClr>
+              <a:buSzPts val="1000"/>
+              <a:buFont typeface="Arial"/>
+              <a:buNone/>
+              <a:defRPr sz="1000" b="0" i="0" u="none" strike="noStrike" cap="none">
+                <a:solidFill>
+                  <a:schemeClr val="dk2"/>
+                </a:solidFill>
+                <a:latin typeface="Arial"/>
+                <a:ea typeface="Arial"/>
+                <a:cs typeface="Arial"/>
+                <a:sym typeface="Arial"/>
+              </a:defRPr>
             </a:lvl5pPr>
-            <a:lvl6pPr lvl="5">
-              <a:buNone/>
-              <a:defRPr/>
+            <a:lvl6pPr marL="0" marR="0" lvl="5" indent="0" algn="r">
+              <a:lnSpc>
+                <a:spcPct val="100000"/>
+              </a:lnSpc>
+              <a:spcBef>
+                <a:spcPts val="0"/>
+              </a:spcBef>
+              <a:spcAft>
+                <a:spcPts val="0"/>
+              </a:spcAft>
+              <a:buClr>
+                <a:srgbClr val="000000"/>
+              </a:buClr>
+              <a:buSzPts val="1000"/>
+              <a:buFont typeface="Arial"/>
+              <a:buNone/>
+              <a:defRPr sz="1000" b="0" i="0" u="none" strike="noStrike" cap="none">
+                <a:solidFill>
+                  <a:schemeClr val="dk2"/>
+                </a:solidFill>
+                <a:latin typeface="Arial"/>
+                <a:ea typeface="Arial"/>
+                <a:cs typeface="Arial"/>
+                <a:sym typeface="Arial"/>
+              </a:defRPr>
             </a:lvl6pPr>
-            <a:lvl7pPr lvl="6">
-              <a:buNone/>
-              <a:defRPr/>
+            <a:lvl7pPr marL="0" marR="0" lvl="6" indent="0" algn="r">
+              <a:lnSpc>
+                <a:spcPct val="100000"/>
+              </a:lnSpc>
+              <a:spcBef>
+                <a:spcPts val="0"/>
+              </a:spcBef>
+              <a:spcAft>
+                <a:spcPts val="0"/>
+              </a:spcAft>
+              <a:buClr>
+                <a:srgbClr val="000000"/>
+              </a:buClr>
+              <a:buSzPts val="1000"/>
+              <a:buFont typeface="Arial"/>
+              <a:buNone/>
+              <a:defRPr sz="1000" b="0" i="0" u="none" strike="noStrike" cap="none">
+                <a:solidFill>
+                  <a:schemeClr val="dk2"/>
+                </a:solidFill>
+                <a:latin typeface="Arial"/>
+                <a:ea typeface="Arial"/>
+                <a:cs typeface="Arial"/>
+                <a:sym typeface="Arial"/>
+              </a:defRPr>
             </a:lvl7pPr>
-            <a:lvl8pPr lvl="7">
-              <a:buNone/>
-              <a:defRPr/>
+            <a:lvl8pPr marL="0" marR="0" lvl="7" indent="0" algn="r">
+              <a:lnSpc>
+                <a:spcPct val="100000"/>
+              </a:lnSpc>
+              <a:spcBef>
+                <a:spcPts val="0"/>
+              </a:spcBef>
+              <a:spcAft>
+                <a:spcPts val="0"/>
+              </a:spcAft>
+              <a:buClr>
+                <a:srgbClr val="000000"/>
+              </a:buClr>
+              <a:buSzPts val="1000"/>
+              <a:buFont typeface="Arial"/>
+              <a:buNone/>
+              <a:defRPr sz="1000" b="0" i="0" u="none" strike="noStrike" cap="none">
+                <a:solidFill>
+                  <a:schemeClr val="dk2"/>
+                </a:solidFill>
+                <a:latin typeface="Arial"/>
+                <a:ea typeface="Arial"/>
+                <a:cs typeface="Arial"/>
+                <a:sym typeface="Arial"/>
+              </a:defRPr>
             </a:lvl8pPr>
-            <a:lvl9pPr lvl="8">
-              <a:buNone/>
-              <a:defRPr/>
+            <a:lvl9pPr marL="0" marR="0" lvl="8" indent="0" algn="r">
+              <a:lnSpc>
+                <a:spcPct val="100000"/>
+              </a:lnSpc>
+              <a:spcBef>
+                <a:spcPts val="0"/>
+              </a:spcBef>
+              <a:spcAft>
+                <a:spcPts val="0"/>
+              </a:spcAft>
+              <a:buClr>
+                <a:srgbClr val="000000"/>
+              </a:buClr>
+              <a:buSzPts val="1000"/>
+              <a:buFont typeface="Arial"/>
+              <a:buNone/>
+              <a:defRPr sz="1000" b="0" i="0" u="none" strike="noStrike" cap="none">
+                <a:solidFill>
+                  <a:schemeClr val="dk2"/>
+                </a:solidFill>
+                <a:latin typeface="Arial"/>
+                <a:ea typeface="Arial"/>
+                <a:cs typeface="Arial"/>
+                <a:sym typeface="Arial"/>
+              </a:defRPr>
             </a:lvl9pPr>
           </a:lstStyle>
           <a:p>
@@ -4216,7 +6763,10 @@
             <a:normAutofit/>
           </a:bodyPr>
           <a:lstStyle>
-            <a:lvl1pPr lvl="0">
+            <a:lvl1pPr marR="0" lvl="0" algn="l" rtl="0">
+              <a:lnSpc>
+                <a:spcPct val="100000"/>
+              </a:lnSpc>
               <a:spcBef>
                 <a:spcPts val="0"/>
               </a:spcBef>
@@ -4227,14 +6777,22 @@
                 <a:schemeClr val="dk1"/>
               </a:buClr>
               <a:buSzPts val="2800"/>
-              <a:buNone/>
-              <a:defRPr sz="2800">
+              <a:buFont typeface="Arial"/>
+              <a:buNone/>
+              <a:defRPr sz="2800" b="0" i="0" u="none" strike="noStrike" cap="none">
                 <a:solidFill>
                   <a:schemeClr val="dk1"/>
                 </a:solidFill>
+                <a:latin typeface="Arial"/>
+                <a:ea typeface="Arial"/>
+                <a:cs typeface="Arial"/>
+                <a:sym typeface="Arial"/>
               </a:defRPr>
             </a:lvl1pPr>
-            <a:lvl2pPr lvl="1">
+            <a:lvl2pPr marR="0" lvl="1" algn="l" rtl="0">
+              <a:lnSpc>
+                <a:spcPct val="100000"/>
+              </a:lnSpc>
               <a:spcBef>
                 <a:spcPts val="0"/>
               </a:spcBef>
@@ -4245,14 +6803,22 @@
                 <a:schemeClr val="dk1"/>
               </a:buClr>
               <a:buSzPts val="2800"/>
-              <a:buNone/>
-              <a:defRPr sz="2800">
+              <a:buFont typeface="Arial"/>
+              <a:buNone/>
+              <a:defRPr sz="2800" b="0" i="0" u="none" strike="noStrike" cap="none">
                 <a:solidFill>
                   <a:schemeClr val="dk1"/>
                 </a:solidFill>
+                <a:latin typeface="Arial"/>
+                <a:ea typeface="Arial"/>
+                <a:cs typeface="Arial"/>
+                <a:sym typeface="Arial"/>
               </a:defRPr>
             </a:lvl2pPr>
-            <a:lvl3pPr lvl="2">
+            <a:lvl3pPr marR="0" lvl="2" algn="l" rtl="0">
+              <a:lnSpc>
+                <a:spcPct val="100000"/>
+              </a:lnSpc>
               <a:spcBef>
                 <a:spcPts val="0"/>
               </a:spcBef>
@@ -4263,14 +6829,22 @@
                 <a:schemeClr val="dk1"/>
               </a:buClr>
               <a:buSzPts val="2800"/>
-              <a:buNone/>
-              <a:defRPr sz="2800">
+              <a:buFont typeface="Arial"/>
+              <a:buNone/>
+              <a:defRPr sz="2800" b="0" i="0" u="none" strike="noStrike" cap="none">
                 <a:solidFill>
                   <a:schemeClr val="dk1"/>
                 </a:solidFill>
+                <a:latin typeface="Arial"/>
+                <a:ea typeface="Arial"/>
+                <a:cs typeface="Arial"/>
+                <a:sym typeface="Arial"/>
               </a:defRPr>
             </a:lvl3pPr>
-            <a:lvl4pPr lvl="3">
+            <a:lvl4pPr marR="0" lvl="3" algn="l" rtl="0">
+              <a:lnSpc>
+                <a:spcPct val="100000"/>
+              </a:lnSpc>
               <a:spcBef>
                 <a:spcPts val="0"/>
               </a:spcBef>
@@ -4281,14 +6855,22 @@
                 <a:schemeClr val="dk1"/>
               </a:buClr>
               <a:buSzPts val="2800"/>
-              <a:buNone/>
-              <a:defRPr sz="2800">
+              <a:buFont typeface="Arial"/>
+              <a:buNone/>
+              <a:defRPr sz="2800" b="0" i="0" u="none" strike="noStrike" cap="none">
                 <a:solidFill>
                   <a:schemeClr val="dk1"/>
                 </a:solidFill>
+                <a:latin typeface="Arial"/>
+                <a:ea typeface="Arial"/>
+                <a:cs typeface="Arial"/>
+                <a:sym typeface="Arial"/>
               </a:defRPr>
             </a:lvl4pPr>
-            <a:lvl5pPr lvl="4">
+            <a:lvl5pPr marR="0" lvl="4" algn="l" rtl="0">
+              <a:lnSpc>
+                <a:spcPct val="100000"/>
+              </a:lnSpc>
               <a:spcBef>
                 <a:spcPts val="0"/>
               </a:spcBef>
@@ -4299,14 +6881,22 @@
                 <a:schemeClr val="dk1"/>
               </a:buClr>
               <a:buSzPts val="2800"/>
-              <a:buNone/>
-              <a:defRPr sz="2800">
+              <a:buFont typeface="Arial"/>
+              <a:buNone/>
+              <a:defRPr sz="2800" b="0" i="0" u="none" strike="noStrike" cap="none">
                 <a:solidFill>
                   <a:schemeClr val="dk1"/>
                 </a:solidFill>
+                <a:latin typeface="Arial"/>
+                <a:ea typeface="Arial"/>
+                <a:cs typeface="Arial"/>
+                <a:sym typeface="Arial"/>
               </a:defRPr>
             </a:lvl5pPr>
-            <a:lvl6pPr lvl="5">
+            <a:lvl6pPr marR="0" lvl="5" algn="l" rtl="0">
+              <a:lnSpc>
+                <a:spcPct val="100000"/>
+              </a:lnSpc>
               <a:spcBef>
                 <a:spcPts val="0"/>
               </a:spcBef>
@@ -4317,14 +6907,22 @@
                 <a:schemeClr val="dk1"/>
               </a:buClr>
               <a:buSzPts val="2800"/>
-              <a:buNone/>
-              <a:defRPr sz="2800">
+              <a:buFont typeface="Arial"/>
+              <a:buNone/>
+              <a:defRPr sz="2800" b="0" i="0" u="none" strike="noStrike" cap="none">
                 <a:solidFill>
                   <a:schemeClr val="dk1"/>
                 </a:solidFill>
+                <a:latin typeface="Arial"/>
+                <a:ea typeface="Arial"/>
+                <a:cs typeface="Arial"/>
+                <a:sym typeface="Arial"/>
               </a:defRPr>
             </a:lvl6pPr>
-            <a:lvl7pPr lvl="6">
+            <a:lvl7pPr marR="0" lvl="6" algn="l" rtl="0">
+              <a:lnSpc>
+                <a:spcPct val="100000"/>
+              </a:lnSpc>
               <a:spcBef>
                 <a:spcPts val="0"/>
               </a:spcBef>
@@ -4335,14 +6933,22 @@
                 <a:schemeClr val="dk1"/>
               </a:buClr>
               <a:buSzPts val="2800"/>
-              <a:buNone/>
-              <a:defRPr sz="2800">
+              <a:buFont typeface="Arial"/>
+              <a:buNone/>
+              <a:defRPr sz="2800" b="0" i="0" u="none" strike="noStrike" cap="none">
                 <a:solidFill>
                   <a:schemeClr val="dk1"/>
                 </a:solidFill>
+                <a:latin typeface="Arial"/>
+                <a:ea typeface="Arial"/>
+                <a:cs typeface="Arial"/>
+                <a:sym typeface="Arial"/>
               </a:defRPr>
             </a:lvl7pPr>
-            <a:lvl8pPr lvl="7">
+            <a:lvl8pPr marR="0" lvl="7" algn="l" rtl="0">
+              <a:lnSpc>
+                <a:spcPct val="100000"/>
+              </a:lnSpc>
               <a:spcBef>
                 <a:spcPts val="0"/>
               </a:spcBef>
@@ -4353,14 +6959,22 @@
                 <a:schemeClr val="dk1"/>
               </a:buClr>
               <a:buSzPts val="2800"/>
-              <a:buNone/>
-              <a:defRPr sz="2800">
+              <a:buFont typeface="Arial"/>
+              <a:buNone/>
+              <a:defRPr sz="2800" b="0" i="0" u="none" strike="noStrike" cap="none">
                 <a:solidFill>
                   <a:schemeClr val="dk1"/>
                 </a:solidFill>
+                <a:latin typeface="Arial"/>
+                <a:ea typeface="Arial"/>
+                <a:cs typeface="Arial"/>
+                <a:sym typeface="Arial"/>
               </a:defRPr>
             </a:lvl8pPr>
-            <a:lvl9pPr lvl="8">
+            <a:lvl9pPr marR="0" lvl="8" algn="l" rtl="0">
+              <a:lnSpc>
+                <a:spcPct val="100000"/>
+              </a:lnSpc>
               <a:spcBef>
                 <a:spcPts val="0"/>
               </a:spcBef>
@@ -4371,11 +6985,16 @@
                 <a:schemeClr val="dk1"/>
               </a:buClr>
               <a:buSzPts val="2800"/>
-              <a:buNone/>
-              <a:defRPr sz="2800">
+              <a:buFont typeface="Arial"/>
+              <a:buNone/>
+              <a:defRPr sz="2800" b="0" i="0" u="none" strike="noStrike" cap="none">
                 <a:solidFill>
                   <a:schemeClr val="dk1"/>
                 </a:solidFill>
+                <a:latin typeface="Arial"/>
+                <a:ea typeface="Arial"/>
+                <a:cs typeface="Arial"/>
+                <a:sym typeface="Arial"/>
               </a:defRPr>
             </a:lvl9pPr>
           </a:lstStyle>
@@ -4412,7 +7031,7 @@
             <a:normAutofit/>
           </a:bodyPr>
           <a:lstStyle>
-            <a:lvl1pPr marL="457200" lvl="0" indent="-342900">
+            <a:lvl1pPr marL="457200" marR="0" lvl="0" indent="-342900" algn="l" rtl="0">
               <a:lnSpc>
                 <a:spcPct val="115000"/>
               </a:lnSpc>
@@ -4426,14 +7045,19 @@
                 <a:schemeClr val="dk2"/>
               </a:buClr>
               <a:buSzPts val="1800"/>
+              <a:buFont typeface="Arial"/>
               <a:buChar char="●"/>
-              <a:defRPr sz="1800">
-                <a:solidFill>
-                  <a:schemeClr val="dk2"/>
-                </a:solidFill>
+              <a:defRPr sz="1800" b="0" i="0" u="none" strike="noStrike" cap="none">
+                <a:solidFill>
+                  <a:schemeClr val="dk2"/>
+                </a:solidFill>
+                <a:latin typeface="Arial"/>
+                <a:ea typeface="Arial"/>
+                <a:cs typeface="Arial"/>
+                <a:sym typeface="Arial"/>
               </a:defRPr>
             </a:lvl1pPr>
-            <a:lvl2pPr marL="914400" lvl="1" indent="-317500">
+            <a:lvl2pPr marL="914400" marR="0" lvl="1" indent="-317500" algn="l" rtl="0">
               <a:lnSpc>
                 <a:spcPct val="115000"/>
               </a:lnSpc>
@@ -4447,14 +7071,19 @@
                 <a:schemeClr val="dk2"/>
               </a:buClr>
               <a:buSzPts val="1400"/>
+              <a:buFont typeface="Arial"/>
               <a:buChar char="○"/>
-              <a:defRPr>
-                <a:solidFill>
-                  <a:schemeClr val="dk2"/>
-                </a:solidFill>
+              <a:defRPr sz="1400" b="0" i="0" u="none" strike="noStrike" cap="none">
+                <a:solidFill>
+                  <a:schemeClr val="dk2"/>
+                </a:solidFill>
+                <a:latin typeface="Arial"/>
+                <a:ea typeface="Arial"/>
+                <a:cs typeface="Arial"/>
+                <a:sym typeface="Arial"/>
               </a:defRPr>
             </a:lvl2pPr>
-            <a:lvl3pPr marL="1371600" lvl="2" indent="-317500">
+            <a:lvl3pPr marL="1371600" marR="0" lvl="2" indent="-317500" algn="l" rtl="0">
               <a:lnSpc>
                 <a:spcPct val="115000"/>
               </a:lnSpc>
@@ -4468,14 +7097,19 @@
                 <a:schemeClr val="dk2"/>
               </a:buClr>
               <a:buSzPts val="1400"/>
+              <a:buFont typeface="Arial"/>
               <a:buChar char="■"/>
-              <a:defRPr>
-                <a:solidFill>
-                  <a:schemeClr val="dk2"/>
-                </a:solidFill>
+              <a:defRPr sz="1400" b="0" i="0" u="none" strike="noStrike" cap="none">
+                <a:solidFill>
+                  <a:schemeClr val="dk2"/>
+                </a:solidFill>
+                <a:latin typeface="Arial"/>
+                <a:ea typeface="Arial"/>
+                <a:cs typeface="Arial"/>
+                <a:sym typeface="Arial"/>
               </a:defRPr>
             </a:lvl3pPr>
-            <a:lvl4pPr marL="1828800" lvl="3" indent="-317500">
+            <a:lvl4pPr marL="1828800" marR="0" lvl="3" indent="-317500" algn="l" rtl="0">
               <a:lnSpc>
                 <a:spcPct val="115000"/>
               </a:lnSpc>
@@ -4489,14 +7123,19 @@
                 <a:schemeClr val="dk2"/>
               </a:buClr>
               <a:buSzPts val="1400"/>
+              <a:buFont typeface="Arial"/>
               <a:buChar char="●"/>
-              <a:defRPr>
-                <a:solidFill>
-                  <a:schemeClr val="dk2"/>
-                </a:solidFill>
+              <a:defRPr sz="1400" b="0" i="0" u="none" strike="noStrike" cap="none">
+                <a:solidFill>
+                  <a:schemeClr val="dk2"/>
+                </a:solidFill>
+                <a:latin typeface="Arial"/>
+                <a:ea typeface="Arial"/>
+                <a:cs typeface="Arial"/>
+                <a:sym typeface="Arial"/>
               </a:defRPr>
             </a:lvl4pPr>
-            <a:lvl5pPr marL="2286000" lvl="4" indent="-317500">
+            <a:lvl5pPr marL="2286000" marR="0" lvl="4" indent="-317500" algn="l" rtl="0">
               <a:lnSpc>
                 <a:spcPct val="115000"/>
               </a:lnSpc>
@@ -4510,14 +7149,19 @@
                 <a:schemeClr val="dk2"/>
               </a:buClr>
               <a:buSzPts val="1400"/>
+              <a:buFont typeface="Arial"/>
               <a:buChar char="○"/>
-              <a:defRPr>
-                <a:solidFill>
-                  <a:schemeClr val="dk2"/>
-                </a:solidFill>
+              <a:defRPr sz="1400" b="0" i="0" u="none" strike="noStrike" cap="none">
+                <a:solidFill>
+                  <a:schemeClr val="dk2"/>
+                </a:solidFill>
+                <a:latin typeface="Arial"/>
+                <a:ea typeface="Arial"/>
+                <a:cs typeface="Arial"/>
+                <a:sym typeface="Arial"/>
               </a:defRPr>
             </a:lvl5pPr>
-            <a:lvl6pPr marL="2743200" lvl="5" indent="-317500">
+            <a:lvl6pPr marL="2743200" marR="0" lvl="5" indent="-317500" algn="l" rtl="0">
               <a:lnSpc>
                 <a:spcPct val="115000"/>
               </a:lnSpc>
@@ -4531,14 +7175,19 @@
                 <a:schemeClr val="dk2"/>
               </a:buClr>
               <a:buSzPts val="1400"/>
+              <a:buFont typeface="Arial"/>
               <a:buChar char="■"/>
-              <a:defRPr>
-                <a:solidFill>
-                  <a:schemeClr val="dk2"/>
-                </a:solidFill>
+              <a:defRPr sz="1400" b="0" i="0" u="none" strike="noStrike" cap="none">
+                <a:solidFill>
+                  <a:schemeClr val="dk2"/>
+                </a:solidFill>
+                <a:latin typeface="Arial"/>
+                <a:ea typeface="Arial"/>
+                <a:cs typeface="Arial"/>
+                <a:sym typeface="Arial"/>
               </a:defRPr>
             </a:lvl6pPr>
-            <a:lvl7pPr marL="3200400" lvl="6" indent="-317500">
+            <a:lvl7pPr marL="3200400" marR="0" lvl="6" indent="-317500" algn="l" rtl="0">
               <a:lnSpc>
                 <a:spcPct val="115000"/>
               </a:lnSpc>
@@ -4552,14 +7201,19 @@
                 <a:schemeClr val="dk2"/>
               </a:buClr>
               <a:buSzPts val="1400"/>
+              <a:buFont typeface="Arial"/>
               <a:buChar char="●"/>
-              <a:defRPr>
-                <a:solidFill>
-                  <a:schemeClr val="dk2"/>
-                </a:solidFill>
+              <a:defRPr sz="1400" b="0" i="0" u="none" strike="noStrike" cap="none">
+                <a:solidFill>
+                  <a:schemeClr val="dk2"/>
+                </a:solidFill>
+                <a:latin typeface="Arial"/>
+                <a:ea typeface="Arial"/>
+                <a:cs typeface="Arial"/>
+                <a:sym typeface="Arial"/>
               </a:defRPr>
             </a:lvl7pPr>
-            <a:lvl8pPr marL="3657600" lvl="7" indent="-317500">
+            <a:lvl8pPr marL="3657600" marR="0" lvl="7" indent="-317500" algn="l" rtl="0">
               <a:lnSpc>
                 <a:spcPct val="115000"/>
               </a:lnSpc>
@@ -4573,14 +7227,19 @@
                 <a:schemeClr val="dk2"/>
               </a:buClr>
               <a:buSzPts val="1400"/>
+              <a:buFont typeface="Arial"/>
               <a:buChar char="○"/>
-              <a:defRPr>
-                <a:solidFill>
-                  <a:schemeClr val="dk2"/>
-                </a:solidFill>
+              <a:defRPr sz="1400" b="0" i="0" u="none" strike="noStrike" cap="none">
+                <a:solidFill>
+                  <a:schemeClr val="dk2"/>
+                </a:solidFill>
+                <a:latin typeface="Arial"/>
+                <a:ea typeface="Arial"/>
+                <a:cs typeface="Arial"/>
+                <a:sym typeface="Arial"/>
               </a:defRPr>
             </a:lvl8pPr>
-            <a:lvl9pPr marL="4114800" lvl="8" indent="-317500">
+            <a:lvl9pPr marL="4114800" marR="0" lvl="8" indent="-317500" algn="l" rtl="0">
               <a:lnSpc>
                 <a:spcPct val="115000"/>
               </a:lnSpc>
@@ -4594,11 +7253,16 @@
                 <a:schemeClr val="dk2"/>
               </a:buClr>
               <a:buSzPts val="1400"/>
+              <a:buFont typeface="Arial"/>
               <a:buChar char="■"/>
-              <a:defRPr>
-                <a:solidFill>
-                  <a:schemeClr val="dk2"/>
-                </a:solidFill>
+              <a:defRPr sz="1400" b="0" i="0" u="none" strike="noStrike" cap="none">
+                <a:solidFill>
+                  <a:schemeClr val="dk2"/>
+                </a:solidFill>
+                <a:latin typeface="Arial"/>
+                <a:ea typeface="Arial"/>
+                <a:cs typeface="Arial"/>
+                <a:sym typeface="Arial"/>
               </a:defRPr>
             </a:lvl9pPr>
           </a:lstStyle>
@@ -4635,76 +7299,238 @@
             <a:normAutofit/>
           </a:bodyPr>
           <a:lstStyle>
-            <a:lvl1pPr lvl="0" algn="r">
-              <a:buNone/>
-              <a:defRPr sz="1000">
-                <a:solidFill>
-                  <a:schemeClr val="dk2"/>
-                </a:solidFill>
+            <a:lvl1pPr marL="0" marR="0" lvl="0" indent="0" algn="r" rtl="0">
+              <a:lnSpc>
+                <a:spcPct val="100000"/>
+              </a:lnSpc>
+              <a:spcBef>
+                <a:spcPts val="0"/>
+              </a:spcBef>
+              <a:spcAft>
+                <a:spcPts val="0"/>
+              </a:spcAft>
+              <a:buClr>
+                <a:srgbClr val="000000"/>
+              </a:buClr>
+              <a:buSzPts val="1000"/>
+              <a:buFont typeface="Arial"/>
+              <a:buNone/>
+              <a:defRPr sz="1000" b="0" i="0" u="none" strike="noStrike" cap="none">
+                <a:solidFill>
+                  <a:schemeClr val="dk2"/>
+                </a:solidFill>
+                <a:latin typeface="Arial"/>
+                <a:ea typeface="Arial"/>
+                <a:cs typeface="Arial"/>
+                <a:sym typeface="Arial"/>
               </a:defRPr>
             </a:lvl1pPr>
-            <a:lvl2pPr lvl="1" algn="r">
-              <a:buNone/>
-              <a:defRPr sz="1000">
-                <a:solidFill>
-                  <a:schemeClr val="dk2"/>
-                </a:solidFill>
+            <a:lvl2pPr marL="0" marR="0" lvl="1" indent="0" algn="r" rtl="0">
+              <a:lnSpc>
+                <a:spcPct val="100000"/>
+              </a:lnSpc>
+              <a:spcBef>
+                <a:spcPts val="0"/>
+              </a:spcBef>
+              <a:spcAft>
+                <a:spcPts val="0"/>
+              </a:spcAft>
+              <a:buClr>
+                <a:srgbClr val="000000"/>
+              </a:buClr>
+              <a:buSzPts val="1000"/>
+              <a:buFont typeface="Arial"/>
+              <a:buNone/>
+              <a:defRPr sz="1000" b="0" i="0" u="none" strike="noStrike" cap="none">
+                <a:solidFill>
+                  <a:schemeClr val="dk2"/>
+                </a:solidFill>
+                <a:latin typeface="Arial"/>
+                <a:ea typeface="Arial"/>
+                <a:cs typeface="Arial"/>
+                <a:sym typeface="Arial"/>
               </a:defRPr>
             </a:lvl2pPr>
-            <a:lvl3pPr lvl="2" algn="r">
-              <a:buNone/>
-              <a:defRPr sz="1000">
-                <a:solidFill>
-                  <a:schemeClr val="dk2"/>
-                </a:solidFill>
+            <a:lvl3pPr marL="0" marR="0" lvl="2" indent="0" algn="r" rtl="0">
+              <a:lnSpc>
+                <a:spcPct val="100000"/>
+              </a:lnSpc>
+              <a:spcBef>
+                <a:spcPts val="0"/>
+              </a:spcBef>
+              <a:spcAft>
+                <a:spcPts val="0"/>
+              </a:spcAft>
+              <a:buClr>
+                <a:srgbClr val="000000"/>
+              </a:buClr>
+              <a:buSzPts val="1000"/>
+              <a:buFont typeface="Arial"/>
+              <a:buNone/>
+              <a:defRPr sz="1000" b="0" i="0" u="none" strike="noStrike" cap="none">
+                <a:solidFill>
+                  <a:schemeClr val="dk2"/>
+                </a:solidFill>
+                <a:latin typeface="Arial"/>
+                <a:ea typeface="Arial"/>
+                <a:cs typeface="Arial"/>
+                <a:sym typeface="Arial"/>
               </a:defRPr>
             </a:lvl3pPr>
-            <a:lvl4pPr lvl="3" algn="r">
-              <a:buNone/>
-              <a:defRPr sz="1000">
-                <a:solidFill>
-                  <a:schemeClr val="dk2"/>
-                </a:solidFill>
+            <a:lvl4pPr marL="0" marR="0" lvl="3" indent="0" algn="r" rtl="0">
+              <a:lnSpc>
+                <a:spcPct val="100000"/>
+              </a:lnSpc>
+              <a:spcBef>
+                <a:spcPts val="0"/>
+              </a:spcBef>
+              <a:spcAft>
+                <a:spcPts val="0"/>
+              </a:spcAft>
+              <a:buClr>
+                <a:srgbClr val="000000"/>
+              </a:buClr>
+              <a:buSzPts val="1000"/>
+              <a:buFont typeface="Arial"/>
+              <a:buNone/>
+              <a:defRPr sz="1000" b="0" i="0" u="none" strike="noStrike" cap="none">
+                <a:solidFill>
+                  <a:schemeClr val="dk2"/>
+                </a:solidFill>
+                <a:latin typeface="Arial"/>
+                <a:ea typeface="Arial"/>
+                <a:cs typeface="Arial"/>
+                <a:sym typeface="Arial"/>
               </a:defRPr>
             </a:lvl4pPr>
-            <a:lvl5pPr lvl="4" algn="r">
-              <a:buNone/>
-              <a:defRPr sz="1000">
-                <a:solidFill>
-                  <a:schemeClr val="dk2"/>
-                </a:solidFill>
+            <a:lvl5pPr marL="0" marR="0" lvl="4" indent="0" algn="r" rtl="0">
+              <a:lnSpc>
+                <a:spcPct val="100000"/>
+              </a:lnSpc>
+              <a:spcBef>
+                <a:spcPts val="0"/>
+              </a:spcBef>
+              <a:spcAft>
+                <a:spcPts val="0"/>
+              </a:spcAft>
+              <a:buClr>
+                <a:srgbClr val="000000"/>
+              </a:buClr>
+              <a:buSzPts val="1000"/>
+              <a:buFont typeface="Arial"/>
+              <a:buNone/>
+              <a:defRPr sz="1000" b="0" i="0" u="none" strike="noStrike" cap="none">
+                <a:solidFill>
+                  <a:schemeClr val="dk2"/>
+                </a:solidFill>
+                <a:latin typeface="Arial"/>
+                <a:ea typeface="Arial"/>
+                <a:cs typeface="Arial"/>
+                <a:sym typeface="Arial"/>
               </a:defRPr>
             </a:lvl5pPr>
-            <a:lvl6pPr lvl="5" algn="r">
-              <a:buNone/>
-              <a:defRPr sz="1000">
-                <a:solidFill>
-                  <a:schemeClr val="dk2"/>
-                </a:solidFill>
+            <a:lvl6pPr marL="0" marR="0" lvl="5" indent="0" algn="r" rtl="0">
+              <a:lnSpc>
+                <a:spcPct val="100000"/>
+              </a:lnSpc>
+              <a:spcBef>
+                <a:spcPts val="0"/>
+              </a:spcBef>
+              <a:spcAft>
+                <a:spcPts val="0"/>
+              </a:spcAft>
+              <a:buClr>
+                <a:srgbClr val="000000"/>
+              </a:buClr>
+              <a:buSzPts val="1000"/>
+              <a:buFont typeface="Arial"/>
+              <a:buNone/>
+              <a:defRPr sz="1000" b="0" i="0" u="none" strike="noStrike" cap="none">
+                <a:solidFill>
+                  <a:schemeClr val="dk2"/>
+                </a:solidFill>
+                <a:latin typeface="Arial"/>
+                <a:ea typeface="Arial"/>
+                <a:cs typeface="Arial"/>
+                <a:sym typeface="Arial"/>
               </a:defRPr>
             </a:lvl6pPr>
-            <a:lvl7pPr lvl="6" algn="r">
-              <a:buNone/>
-              <a:defRPr sz="1000">
-                <a:solidFill>
-                  <a:schemeClr val="dk2"/>
-                </a:solidFill>
+            <a:lvl7pPr marL="0" marR="0" lvl="6" indent="0" algn="r" rtl="0">
+              <a:lnSpc>
+                <a:spcPct val="100000"/>
+              </a:lnSpc>
+              <a:spcBef>
+                <a:spcPts val="0"/>
+              </a:spcBef>
+              <a:spcAft>
+                <a:spcPts val="0"/>
+              </a:spcAft>
+              <a:buClr>
+                <a:srgbClr val="000000"/>
+              </a:buClr>
+              <a:buSzPts val="1000"/>
+              <a:buFont typeface="Arial"/>
+              <a:buNone/>
+              <a:defRPr sz="1000" b="0" i="0" u="none" strike="noStrike" cap="none">
+                <a:solidFill>
+                  <a:schemeClr val="dk2"/>
+                </a:solidFill>
+                <a:latin typeface="Arial"/>
+                <a:ea typeface="Arial"/>
+                <a:cs typeface="Arial"/>
+                <a:sym typeface="Arial"/>
               </a:defRPr>
             </a:lvl7pPr>
-            <a:lvl8pPr lvl="7" algn="r">
-              <a:buNone/>
-              <a:defRPr sz="1000">
-                <a:solidFill>
-                  <a:schemeClr val="dk2"/>
-                </a:solidFill>
+            <a:lvl8pPr marL="0" marR="0" lvl="7" indent="0" algn="r" rtl="0">
+              <a:lnSpc>
+                <a:spcPct val="100000"/>
+              </a:lnSpc>
+              <a:spcBef>
+                <a:spcPts val="0"/>
+              </a:spcBef>
+              <a:spcAft>
+                <a:spcPts val="0"/>
+              </a:spcAft>
+              <a:buClr>
+                <a:srgbClr val="000000"/>
+              </a:buClr>
+              <a:buSzPts val="1000"/>
+              <a:buFont typeface="Arial"/>
+              <a:buNone/>
+              <a:defRPr sz="1000" b="0" i="0" u="none" strike="noStrike" cap="none">
+                <a:solidFill>
+                  <a:schemeClr val="dk2"/>
+                </a:solidFill>
+                <a:latin typeface="Arial"/>
+                <a:ea typeface="Arial"/>
+                <a:cs typeface="Arial"/>
+                <a:sym typeface="Arial"/>
               </a:defRPr>
             </a:lvl8pPr>
-            <a:lvl9pPr lvl="8" algn="r">
-              <a:buNone/>
-              <a:defRPr sz="1000">
-                <a:solidFill>
-                  <a:schemeClr val="dk2"/>
-                </a:solidFill>
+            <a:lvl9pPr marL="0" marR="0" lvl="8" indent="0" algn="r" rtl="0">
+              <a:lnSpc>
+                <a:spcPct val="100000"/>
+              </a:lnSpc>
+              <a:spcBef>
+                <a:spcPts val="0"/>
+              </a:spcBef>
+              <a:spcAft>
+                <a:spcPts val="0"/>
+              </a:spcAft>
+              <a:buClr>
+                <a:srgbClr val="000000"/>
+              </a:buClr>
+              <a:buSzPts val="1000"/>
+              <a:buFont typeface="Arial"/>
+              <a:buNone/>
+              <a:defRPr sz="1000" b="0" i="0" u="none" strike="noStrike" cap="none">
+                <a:solidFill>
+                  <a:schemeClr val="dk2"/>
+                </a:solidFill>
+                <a:latin typeface="Arial"/>
+                <a:ea typeface="Arial"/>
+                <a:cs typeface="Arial"/>
+                <a:sym typeface="Arial"/>
               </a:defRPr>
             </a:lvl9pPr>
           </a:lstStyle>
@@ -4731,15 +7557,15 @@
   <p:clrMap bg1="lt1" tx1="dk1" bg2="dk2" tx2="lt2" accent1="accent1" accent2="accent2" accent3="accent3" accent4="accent4" accent5="accent5" accent6="accent6" hlink="hlink" folHlink="folHlink"/>
   <p:sldLayoutIdLst>
     <p:sldLayoutId id="2147483648" r:id="rId1"/>
-    <p:sldLayoutId id="2147483650" r:id="rId2"/>
-    <p:sldLayoutId id="2147483651" r:id="rId3"/>
-    <p:sldLayoutId id="2147483652" r:id="rId4"/>
-    <p:sldLayoutId id="2147483653" r:id="rId5"/>
-    <p:sldLayoutId id="2147483654" r:id="rId6"/>
-    <p:sldLayoutId id="2147483655" r:id="rId7"/>
-    <p:sldLayoutId id="2147483656" r:id="rId8"/>
-    <p:sldLayoutId id="2147483657" r:id="rId9"/>
-    <p:sldLayoutId id="2147483658" r:id="rId10"/>
+    <p:sldLayoutId id="2147483649" r:id="rId2"/>
+    <p:sldLayoutId id="2147483650" r:id="rId3"/>
+    <p:sldLayoutId id="2147483651" r:id="rId4"/>
+    <p:sldLayoutId id="2147483652" r:id="rId5"/>
+    <p:sldLayoutId id="2147483653" r:id="rId6"/>
+    <p:sldLayoutId id="2147483654" r:id="rId7"/>
+    <p:sldLayoutId id="2147483655" r:id="rId8"/>
+    <p:sldLayoutId id="2147483656" r:id="rId9"/>
+    <p:sldLayoutId id="2147483657" r:id="rId10"/>
   </p:sldLayoutIdLst>
   <p:hf sldNum="0" hdr="0" ftr="0" dt="0"/>
   <p:txStyles>
@@ -5452,7 +8278,7 @@
     </p:bg>
     <p:spTree>
       <p:nvGrpSpPr>
-        <p:cNvPr id="1" name="Shape 62"/>
+        <p:cNvPr id="1" name="Shape 50"/>
         <p:cNvGrpSpPr/>
         <p:nvPr/>
       </p:nvGrpSpPr>
@@ -5466,22 +8292,21 @@
       </p:grpSpPr>
       <p:pic>
         <p:nvPicPr>
-          <p:cNvPr id="63" name="Google Shape;63;p14"/>
+          <p:cNvPr id="51" name="Google Shape;51;p12"/>
           <p:cNvPicPr preferRelativeResize="0"/>
           <p:nvPr/>
         </p:nvPicPr>
-        <p:blipFill>
+        <p:blipFill rotWithShape="1">
           <a:blip r:embed="rId4">
             <a:alphaModFix/>
           </a:blip>
-          <a:stretch>
-            <a:fillRect/>
-          </a:stretch>
+          <a:srcRect/>
+          <a:stretch/>
         </p:blipFill>
         <p:spPr>
           <a:xfrm>
-            <a:off x="979125" y="61725"/>
-            <a:ext cx="1659652" cy="1204576"/>
+            <a:off x="979125" y="214125"/>
+            <a:ext cx="1659648" cy="1106775"/>
           </a:xfrm>
           <a:prstGeom prst="rect">
             <a:avLst/>
@@ -5494,14 +8319,14 @@
       </p:pic>
       <p:sp>
         <p:nvSpPr>
-          <p:cNvPr id="64" name="Google Shape;64;p14"/>
+          <p:cNvPr id="52" name="Google Shape;52;p12"/>
           <p:cNvSpPr txBox="1"/>
           <p:nvPr/>
         </p:nvSpPr>
         <p:spPr>
           <a:xfrm>
-            <a:off x="2638775" y="3545525"/>
-            <a:ext cx="4354500" cy="8157900"/>
+            <a:off x="3198925" y="3483050"/>
+            <a:ext cx="4104300" cy="7572900"/>
           </a:xfrm>
           <a:prstGeom prst="rect">
             <a:avLst/>
@@ -5517,7 +8342,10 @@
           </a:bodyPr>
           <a:lstStyle/>
           <a:p>
-            <a:pPr marL="0" lvl="0" indent="0" algn="l" rtl="0">
+            <a:pPr marL="0" marR="0" lvl="0" indent="0" algn="l" rtl="0">
+              <a:lnSpc>
+                <a:spcPct val="100000"/>
+              </a:lnSpc>
               <a:spcBef>
                 <a:spcPts val="0"/>
               </a:spcBef>
@@ -5532,20 +8360,20 @@
               <a:buNone/>
             </a:pPr>
             <a:r>
-              <a:rPr lang="en-GB" sz="2400" b="1" dirty="0">
-                <a:solidFill>
-                  <a:schemeClr val="dk1"/>
+              <a:rPr lang="en-GB" sz="2400" b="1" i="0" u="none" strike="noStrike" cap="none">
+                <a:solidFill>
+                  <a:srgbClr val="000000"/>
                 </a:solidFill>
                 <a:latin typeface="Century Gothic"/>
                 <a:ea typeface="Century Gothic"/>
                 <a:cs typeface="Century Gothic"/>
                 <a:sym typeface="Century Gothic"/>
               </a:rPr>
-              <a:t>          Employee Name</a:t>
+              <a:t>     Employee Name</a:t>
             </a:r>
-            <a:endParaRPr sz="2400" b="1" dirty="0">
+            <a:endParaRPr sz="2400" b="1" i="0" u="none" strike="noStrike" cap="none">
               <a:solidFill>
-                <a:schemeClr val="dk1"/>
+                <a:srgbClr val="000000"/>
               </a:solidFill>
               <a:latin typeface="Century Gothic"/>
               <a:ea typeface="Century Gothic"/>
@@ -5554,7 +8382,10 @@
             </a:endParaRPr>
           </a:p>
           <a:p>
-            <a:pPr marL="0" lvl="0" indent="0" algn="ctr" rtl="0">
+            <a:pPr marL="0" marR="0" lvl="0" indent="0" algn="l" rtl="0">
+              <a:lnSpc>
+                <a:spcPct val="100000"/>
+              </a:lnSpc>
               <a:spcBef>
                 <a:spcPts val="0"/>
               </a:spcBef>
@@ -5568,7 +8399,10 @@
               <a:buFont typeface="Arial"/>
               <a:buNone/>
             </a:pPr>
-            <a:endParaRPr sz="2600" b="1" dirty="0">
+            <a:endParaRPr sz="2400" b="1" i="0" u="none" strike="noStrike" cap="none">
+              <a:solidFill>
+                <a:srgbClr val="000000"/>
+              </a:solidFill>
               <a:latin typeface="Century Gothic"/>
               <a:ea typeface="Century Gothic"/>
               <a:cs typeface="Century Gothic"/>
@@ -5576,7 +8410,10 @@
             </a:endParaRPr>
           </a:p>
           <a:p>
-            <a:pPr marL="0" lvl="0" indent="0" algn="ctr" rtl="0">
+            <a:pPr marL="0" marR="0" lvl="0" indent="0" algn="l" rtl="0">
+              <a:lnSpc>
+                <a:spcPct val="100000"/>
+              </a:lnSpc>
               <a:spcBef>
                 <a:spcPts val="0"/>
               </a:spcBef>
@@ -5590,7 +8427,10 @@
               <a:buFont typeface="Arial"/>
               <a:buNone/>
             </a:pPr>
-            <a:endParaRPr sz="2600" b="1" dirty="0">
+            <a:endParaRPr sz="2400" b="1" i="0" u="none" strike="noStrike" cap="none">
+              <a:solidFill>
+                <a:srgbClr val="000000"/>
+              </a:solidFill>
               <a:latin typeface="Century Gothic"/>
               <a:ea typeface="Century Gothic"/>
               <a:cs typeface="Century Gothic"/>
@@ -5598,7 +8438,10 @@
             </a:endParaRPr>
           </a:p>
           <a:p>
-            <a:pPr marL="0" lvl="0" indent="0" algn="ctr" rtl="0">
+            <a:pPr marL="0" marR="0" lvl="0" indent="0" algn="l" rtl="0">
+              <a:lnSpc>
+                <a:spcPct val="100000"/>
+              </a:lnSpc>
               <a:spcBef>
                 <a:spcPts val="0"/>
               </a:spcBef>
@@ -5612,7 +8455,10 @@
               <a:buFont typeface="Arial"/>
               <a:buNone/>
             </a:pPr>
-            <a:endParaRPr sz="2600" b="1" dirty="0">
+            <a:endParaRPr sz="2400" b="1" i="0" u="none" strike="noStrike" cap="none">
+              <a:solidFill>
+                <a:srgbClr val="000000"/>
+              </a:solidFill>
               <a:latin typeface="Century Gothic"/>
               <a:ea typeface="Century Gothic"/>
               <a:cs typeface="Century Gothic"/>
@@ -5620,7 +8466,10 @@
             </a:endParaRPr>
           </a:p>
           <a:p>
-            <a:pPr marL="0" lvl="0" indent="0" algn="ctr" rtl="0">
+            <a:pPr marL="0" marR="0" lvl="0" indent="0" algn="l" rtl="0">
+              <a:lnSpc>
+                <a:spcPct val="100000"/>
+              </a:lnSpc>
               <a:spcBef>
                 <a:spcPts val="0"/>
               </a:spcBef>
@@ -5634,7 +8483,10 @@
               <a:buFont typeface="Arial"/>
               <a:buNone/>
             </a:pPr>
-            <a:endParaRPr sz="2600" b="1" dirty="0">
+            <a:endParaRPr sz="2400" b="1" i="0" u="none" strike="noStrike" cap="none">
+              <a:solidFill>
+                <a:srgbClr val="000000"/>
+              </a:solidFill>
               <a:latin typeface="Century Gothic"/>
               <a:ea typeface="Century Gothic"/>
               <a:cs typeface="Century Gothic"/>
@@ -5642,7 +8494,10 @@
             </a:endParaRPr>
           </a:p>
           <a:p>
-            <a:pPr marL="0" lvl="0" indent="0" algn="ctr" rtl="0">
+            <a:pPr marL="0" marR="0" lvl="0" indent="0" algn="l" rtl="0">
+              <a:lnSpc>
+                <a:spcPct val="100000"/>
+              </a:lnSpc>
               <a:spcBef>
                 <a:spcPts val="0"/>
               </a:spcBef>
@@ -5656,7 +8511,10 @@
               <a:buFont typeface="Arial"/>
               <a:buNone/>
             </a:pPr>
-            <a:endParaRPr sz="2600" b="1" dirty="0">
+            <a:endParaRPr sz="2400" b="1" i="0" u="none" strike="noStrike" cap="none">
+              <a:solidFill>
+                <a:srgbClr val="000000"/>
+              </a:solidFill>
               <a:latin typeface="Century Gothic"/>
               <a:ea typeface="Century Gothic"/>
               <a:cs typeface="Century Gothic"/>
@@ -5664,7 +8522,10 @@
             </a:endParaRPr>
           </a:p>
           <a:p>
-            <a:pPr marL="0" lvl="0" indent="0" algn="ctr" rtl="0">
+            <a:pPr marL="0" marR="0" lvl="0" indent="0" algn="l" rtl="0">
+              <a:lnSpc>
+                <a:spcPct val="100000"/>
+              </a:lnSpc>
               <a:spcBef>
                 <a:spcPts val="0"/>
               </a:spcBef>
@@ -5678,7 +8539,10 @@
               <a:buFont typeface="Arial"/>
               <a:buNone/>
             </a:pPr>
-            <a:endParaRPr sz="2600" b="1" dirty="0">
+            <a:endParaRPr sz="2400" b="1" i="0" u="none" strike="noStrike" cap="none">
+              <a:solidFill>
+                <a:srgbClr val="000000"/>
+              </a:solidFill>
               <a:latin typeface="Century Gothic"/>
               <a:ea typeface="Century Gothic"/>
               <a:cs typeface="Century Gothic"/>
@@ -5686,7 +8550,10 @@
             </a:endParaRPr>
           </a:p>
           <a:p>
-            <a:pPr marL="0" lvl="0" indent="0" algn="ctr" rtl="0">
+            <a:pPr marL="0" marR="0" lvl="0" indent="0" algn="l" rtl="0">
+              <a:lnSpc>
+                <a:spcPct val="100000"/>
+              </a:lnSpc>
               <a:spcBef>
                 <a:spcPts val="0"/>
               </a:spcBef>
@@ -5700,7 +8567,10 @@
               <a:buFont typeface="Arial"/>
               <a:buNone/>
             </a:pPr>
-            <a:endParaRPr sz="2600" b="1" dirty="0">
+            <a:endParaRPr sz="2400" b="1" i="0" u="none" strike="noStrike" cap="none">
+              <a:solidFill>
+                <a:srgbClr val="000000"/>
+              </a:solidFill>
               <a:latin typeface="Century Gothic"/>
               <a:ea typeface="Century Gothic"/>
               <a:cs typeface="Century Gothic"/>
@@ -5708,7 +8578,10 @@
             </a:endParaRPr>
           </a:p>
           <a:p>
-            <a:pPr marL="0" lvl="0" indent="0" algn="ctr" rtl="0">
+            <a:pPr marL="0" marR="0" lvl="0" indent="0" algn="l" rtl="0">
+              <a:lnSpc>
+                <a:spcPct val="100000"/>
+              </a:lnSpc>
               <a:spcBef>
                 <a:spcPts val="0"/>
               </a:spcBef>
@@ -5722,7 +8595,10 @@
               <a:buFont typeface="Arial"/>
               <a:buNone/>
             </a:pPr>
-            <a:endParaRPr sz="2600" b="1" dirty="0">
+            <a:endParaRPr sz="2400" b="1" i="0" u="none" strike="noStrike" cap="none">
+              <a:solidFill>
+                <a:srgbClr val="000000"/>
+              </a:solidFill>
               <a:latin typeface="Century Gothic"/>
               <a:ea typeface="Century Gothic"/>
               <a:cs typeface="Century Gothic"/>
@@ -5730,7 +8606,10 @@
             </a:endParaRPr>
           </a:p>
           <a:p>
-            <a:pPr marL="0" lvl="0" indent="0" algn="ctr" rtl="0">
+            <a:pPr marL="0" marR="0" lvl="0" indent="0" algn="l" rtl="0">
+              <a:lnSpc>
+                <a:spcPct val="100000"/>
+              </a:lnSpc>
               <a:spcBef>
                 <a:spcPts val="0"/>
               </a:spcBef>
@@ -5744,7 +8623,10 @@
               <a:buFont typeface="Arial"/>
               <a:buNone/>
             </a:pPr>
-            <a:endParaRPr sz="2600" b="1" dirty="0">
+            <a:endParaRPr sz="2400" b="1" i="0" u="none" strike="noStrike" cap="none">
+              <a:solidFill>
+                <a:srgbClr val="000000"/>
+              </a:solidFill>
               <a:latin typeface="Century Gothic"/>
               <a:ea typeface="Century Gothic"/>
               <a:cs typeface="Century Gothic"/>
@@ -5752,7 +8634,10 @@
             </a:endParaRPr>
           </a:p>
           <a:p>
-            <a:pPr marL="0" lvl="0" indent="0" algn="ctr" rtl="0">
+            <a:pPr marL="0" marR="0" lvl="0" indent="0" algn="l" rtl="0">
+              <a:lnSpc>
+                <a:spcPct val="100000"/>
+              </a:lnSpc>
               <a:spcBef>
                 <a:spcPts val="0"/>
               </a:spcBef>
@@ -5766,7 +8651,10 @@
               <a:buFont typeface="Arial"/>
               <a:buNone/>
             </a:pPr>
-            <a:endParaRPr sz="2600" b="1" dirty="0">
+            <a:endParaRPr sz="2400" b="1" i="0" u="none" strike="noStrike" cap="none">
+              <a:solidFill>
+                <a:srgbClr val="000000"/>
+              </a:solidFill>
               <a:latin typeface="Century Gothic"/>
               <a:ea typeface="Century Gothic"/>
               <a:cs typeface="Century Gothic"/>
@@ -5774,7 +8662,10 @@
             </a:endParaRPr>
           </a:p>
           <a:p>
-            <a:pPr marL="0" lvl="0" indent="0" algn="ctr" rtl="0">
+            <a:pPr marL="0" marR="0" lvl="0" indent="0" algn="l" rtl="0">
+              <a:lnSpc>
+                <a:spcPct val="100000"/>
+              </a:lnSpc>
               <a:spcBef>
                 <a:spcPts val="0"/>
               </a:spcBef>
@@ -5788,7 +8679,10 @@
               <a:buFont typeface="Arial"/>
               <a:buNone/>
             </a:pPr>
-            <a:endParaRPr sz="2600" b="1" dirty="0">
+            <a:endParaRPr sz="2400" b="1" i="0" u="none" strike="noStrike" cap="none">
+              <a:solidFill>
+                <a:srgbClr val="000000"/>
+              </a:solidFill>
               <a:latin typeface="Century Gothic"/>
               <a:ea typeface="Century Gothic"/>
               <a:cs typeface="Century Gothic"/>
@@ -5796,7 +8690,10 @@
             </a:endParaRPr>
           </a:p>
           <a:p>
-            <a:pPr marL="0" lvl="0" indent="0" algn="ctr" rtl="0">
+            <a:pPr marL="0" marR="0" lvl="0" indent="0" algn="l" rtl="0">
+              <a:lnSpc>
+                <a:spcPct val="100000"/>
+              </a:lnSpc>
               <a:spcBef>
                 <a:spcPts val="0"/>
               </a:spcBef>
@@ -5810,7 +8707,10 @@
               <a:buFont typeface="Arial"/>
               <a:buNone/>
             </a:pPr>
-            <a:endParaRPr sz="2600" b="1" dirty="0">
+            <a:endParaRPr sz="2400" b="1" i="0" u="none" strike="noStrike" cap="none">
+              <a:solidFill>
+                <a:srgbClr val="000000"/>
+              </a:solidFill>
               <a:latin typeface="Century Gothic"/>
               <a:ea typeface="Century Gothic"/>
               <a:cs typeface="Century Gothic"/>
@@ -5818,7 +8718,10 @@
             </a:endParaRPr>
           </a:p>
           <a:p>
-            <a:pPr marL="0" lvl="0" indent="0" algn="ctr" rtl="0">
+            <a:pPr marL="0" marR="0" lvl="0" indent="0" algn="l" rtl="0">
+              <a:lnSpc>
+                <a:spcPct val="100000"/>
+              </a:lnSpc>
               <a:spcBef>
                 <a:spcPts val="0"/>
               </a:spcBef>
@@ -5832,7 +8735,10 @@
               <a:buFont typeface="Arial"/>
               <a:buNone/>
             </a:pPr>
-            <a:endParaRPr sz="2600" b="1" dirty="0">
+            <a:endParaRPr sz="2400" b="1" i="0" u="none" strike="noStrike" cap="none">
+              <a:solidFill>
+                <a:srgbClr val="000000"/>
+              </a:solidFill>
               <a:latin typeface="Century Gothic"/>
               <a:ea typeface="Century Gothic"/>
               <a:cs typeface="Century Gothic"/>
@@ -5840,7 +8746,10 @@
             </a:endParaRPr>
           </a:p>
           <a:p>
-            <a:pPr marL="0" lvl="0" indent="0" algn="ctr" rtl="0">
+            <a:pPr marL="0" marR="0" lvl="0" indent="0" algn="l" rtl="0">
+              <a:lnSpc>
+                <a:spcPct val="100000"/>
+              </a:lnSpc>
               <a:spcBef>
                 <a:spcPts val="0"/>
               </a:spcBef>
@@ -5854,7 +8763,10 @@
               <a:buFont typeface="Arial"/>
               <a:buNone/>
             </a:pPr>
-            <a:endParaRPr sz="2600" b="1" dirty="0">
+            <a:endParaRPr sz="2400" b="1" i="0" u="none" strike="noStrike" cap="none">
+              <a:solidFill>
+                <a:srgbClr val="000000"/>
+              </a:solidFill>
               <a:latin typeface="Century Gothic"/>
               <a:ea typeface="Century Gothic"/>
               <a:cs typeface="Century Gothic"/>
@@ -5862,7 +8774,10 @@
             </a:endParaRPr>
           </a:p>
           <a:p>
-            <a:pPr marL="0" lvl="0" indent="0" algn="ctr" rtl="0">
+            <a:pPr marL="0" marR="0" lvl="0" indent="0" algn="l" rtl="0">
+              <a:lnSpc>
+                <a:spcPct val="100000"/>
+              </a:lnSpc>
               <a:spcBef>
                 <a:spcPts val="0"/>
               </a:spcBef>
@@ -5876,7 +8791,10 @@
               <a:buFont typeface="Arial"/>
               <a:buNone/>
             </a:pPr>
-            <a:endParaRPr sz="2600" b="1" dirty="0">
+            <a:endParaRPr sz="2400" b="1" i="0" u="none" strike="noStrike" cap="none">
+              <a:solidFill>
+                <a:srgbClr val="000000"/>
+              </a:solidFill>
               <a:latin typeface="Century Gothic"/>
               <a:ea typeface="Century Gothic"/>
               <a:cs typeface="Century Gothic"/>
@@ -5884,7 +8802,10 @@
             </a:endParaRPr>
           </a:p>
           <a:p>
-            <a:pPr marL="0" lvl="0" indent="0" algn="ctr" rtl="0">
+            <a:pPr marL="0" marR="0" lvl="0" indent="0" algn="l" rtl="0">
+              <a:lnSpc>
+                <a:spcPct val="100000"/>
+              </a:lnSpc>
               <a:spcBef>
                 <a:spcPts val="0"/>
               </a:spcBef>
@@ -5898,7 +8819,10 @@
               <a:buFont typeface="Arial"/>
               <a:buNone/>
             </a:pPr>
-            <a:endParaRPr sz="2600" b="1" dirty="0">
+            <a:endParaRPr sz="2400" b="1" i="0" u="none" strike="noStrike" cap="none">
+              <a:solidFill>
+                <a:srgbClr val="000000"/>
+              </a:solidFill>
               <a:latin typeface="Century Gothic"/>
               <a:ea typeface="Century Gothic"/>
               <a:cs typeface="Century Gothic"/>
@@ -5906,7 +8830,10 @@
             </a:endParaRPr>
           </a:p>
           <a:p>
-            <a:pPr marL="0" lvl="0" indent="0" algn="ctr" rtl="0">
+            <a:pPr marL="0" marR="0" lvl="0" indent="0" algn="l" rtl="0">
+              <a:lnSpc>
+                <a:spcPct val="100000"/>
+              </a:lnSpc>
               <a:spcBef>
                 <a:spcPts val="0"/>
               </a:spcBef>
@@ -5920,7 +8847,10 @@
               <a:buFont typeface="Arial"/>
               <a:buNone/>
             </a:pPr>
-            <a:endParaRPr sz="2600" b="1" dirty="0">
+            <a:endParaRPr sz="2400" b="1" i="0" u="none" strike="noStrike" cap="none">
+              <a:solidFill>
+                <a:srgbClr val="000000"/>
+              </a:solidFill>
               <a:latin typeface="Century Gothic"/>
               <a:ea typeface="Century Gothic"/>
               <a:cs typeface="Century Gothic"/>
@@ -5928,7 +8858,10 @@
             </a:endParaRPr>
           </a:p>
           <a:p>
-            <a:pPr marL="0" lvl="0" indent="0" algn="ctr" rtl="0">
+            <a:pPr marL="0" marR="0" lvl="0" indent="0" algn="l" rtl="0">
+              <a:lnSpc>
+                <a:spcPct val="100000"/>
+              </a:lnSpc>
               <a:spcBef>
                 <a:spcPts val="0"/>
               </a:spcBef>
@@ -5942,50 +8875,215 @@
               <a:buFont typeface="Arial"/>
               <a:buNone/>
             </a:pPr>
-            <a:endParaRPr sz="2600" b="1" dirty="0">
-              <a:latin typeface="Century Gothic"/>
-              <a:ea typeface="Century Gothic"/>
-              <a:cs typeface="Century Gothic"/>
-              <a:sym typeface="Century Gothic"/>
+            <a:endParaRPr sz="2400" b="1" i="0" u="none" strike="noStrike" cap="none">
+              <a:solidFill>
+                <a:srgbClr val="000000"/>
+              </a:solidFill>
+              <a:latin typeface="Arial"/>
+              <a:ea typeface="Arial"/>
+              <a:cs typeface="Arial"/>
+              <a:sym typeface="Arial"/>
             </a:endParaRPr>
           </a:p>
           <a:p>
-            <a:pPr marL="0" lvl="0" indent="0" algn="ctr" rtl="0">
-              <a:spcBef>
-                <a:spcPts val="0"/>
-              </a:spcBef>
-              <a:spcAft>
-                <a:spcPts val="0"/>
-              </a:spcAft>
+            <a:pPr marL="0" marR="0" lvl="0" indent="0" algn="l" rtl="0">
+              <a:lnSpc>
+                <a:spcPct val="100000"/>
+              </a:lnSpc>
+              <a:spcBef>
+                <a:spcPts val="0"/>
+              </a:spcBef>
+              <a:spcAft>
+                <a:spcPts val="0"/>
+              </a:spcAft>
+              <a:buClr>
+                <a:srgbClr val="000000"/>
+              </a:buClr>
+              <a:buSzPts val="2400"/>
+              <a:buFont typeface="Arial"/>
               <a:buNone/>
             </a:pPr>
-            <a:endParaRPr sz="2600" b="1" dirty="0">
-              <a:latin typeface="Century Gothic"/>
-              <a:ea typeface="Century Gothic"/>
-              <a:cs typeface="Century Gothic"/>
-              <a:sym typeface="Century Gothic"/>
+            <a:endParaRPr sz="2400" b="1" i="0" u="none" strike="noStrike" cap="none">
+              <a:solidFill>
+                <a:srgbClr val="000000"/>
+              </a:solidFill>
+              <a:latin typeface="Arial"/>
+              <a:ea typeface="Arial"/>
+              <a:cs typeface="Arial"/>
+              <a:sym typeface="Arial"/>
+            </a:endParaRPr>
+          </a:p>
+        </p:txBody>
+      </p:sp>
+      <p:sp>
+        <p:nvSpPr>
+          <p:cNvPr id="53" name="Google Shape;53;p12"/>
+          <p:cNvSpPr/>
+          <p:nvPr/>
+        </p:nvSpPr>
+        <p:spPr>
+          <a:xfrm>
+            <a:off x="0" y="0"/>
+            <a:ext cx="765600" cy="2212500"/>
+          </a:xfrm>
+          <a:prstGeom prst="halfFrame">
+            <a:avLst>
+              <a:gd name="adj1" fmla="val 33333"/>
+              <a:gd name="adj2" fmla="val 33333"/>
+            </a:avLst>
+          </a:prstGeom>
+          <a:gradFill>
+            <a:gsLst>
+              <a:gs pos="0">
+                <a:srgbClr val="EA454B"/>
+              </a:gs>
+              <a:gs pos="50000">
+                <a:srgbClr val="FFC02B"/>
+              </a:gs>
+              <a:gs pos="100000">
+                <a:srgbClr val="54AE52"/>
+              </a:gs>
+            </a:gsLst>
+            <a:lin ang="5400012" scaled="0"/>
+          </a:gradFill>
+          <a:ln w="9525" cap="flat" cmpd="sng">
+            <a:solidFill>
+              <a:schemeClr val="dk2"/>
+            </a:solidFill>
+            <a:prstDash val="solid"/>
+            <a:round/>
+            <a:headEnd type="none" w="sm" len="sm"/>
+            <a:tailEnd type="none" w="sm" len="sm"/>
+          </a:ln>
+        </p:spPr>
+        <p:txBody>
+          <a:bodyPr spcFirstLastPara="1" wrap="square" lIns="91425" tIns="91425" rIns="91425" bIns="91425" anchor="ctr" anchorCtr="0">
+            <a:noAutofit/>
+          </a:bodyPr>
+          <a:lstStyle/>
+          <a:p>
+            <a:pPr marL="0" marR="0" lvl="0" indent="0" algn="l" rtl="0">
+              <a:lnSpc>
+                <a:spcPct val="100000"/>
+              </a:lnSpc>
+              <a:spcBef>
+                <a:spcPts val="0"/>
+              </a:spcBef>
+              <a:spcAft>
+                <a:spcPts val="0"/>
+              </a:spcAft>
+              <a:buClr>
+                <a:srgbClr val="000000"/>
+              </a:buClr>
+              <a:buSzPts val="1400"/>
+              <a:buFont typeface="Arial"/>
+              <a:buNone/>
+            </a:pPr>
+            <a:endParaRPr sz="1400" b="0" i="0" u="none" strike="noStrike" cap="none">
+              <a:solidFill>
+                <a:srgbClr val="000000"/>
+              </a:solidFill>
+              <a:latin typeface="Arial"/>
+              <a:ea typeface="Arial"/>
+              <a:cs typeface="Arial"/>
+              <a:sym typeface="Arial"/>
+            </a:endParaRPr>
+          </a:p>
+        </p:txBody>
+      </p:sp>
+      <p:sp>
+        <p:nvSpPr>
+          <p:cNvPr id="54" name="Google Shape;54;p12"/>
+          <p:cNvSpPr/>
+          <p:nvPr/>
+        </p:nvSpPr>
+        <p:spPr>
+          <a:xfrm rot="10800000">
+            <a:off x="8371550" y="2909150"/>
+            <a:ext cx="765600" cy="2212500"/>
+          </a:xfrm>
+          <a:prstGeom prst="halfFrame">
+            <a:avLst>
+              <a:gd name="adj1" fmla="val 33333"/>
+              <a:gd name="adj2" fmla="val 33333"/>
+            </a:avLst>
+          </a:prstGeom>
+          <a:gradFill>
+            <a:gsLst>
+              <a:gs pos="0">
+                <a:srgbClr val="EA454B"/>
+              </a:gs>
+              <a:gs pos="50000">
+                <a:srgbClr val="FFC02B"/>
+              </a:gs>
+              <a:gs pos="100000">
+                <a:srgbClr val="54AE52"/>
+              </a:gs>
+            </a:gsLst>
+            <a:lin ang="5400012" scaled="0"/>
+          </a:gradFill>
+          <a:ln w="9525" cap="flat" cmpd="sng">
+            <a:solidFill>
+              <a:schemeClr val="dk2"/>
+            </a:solidFill>
+            <a:prstDash val="solid"/>
+            <a:round/>
+            <a:headEnd type="none" w="sm" len="sm"/>
+            <a:tailEnd type="none" w="sm" len="sm"/>
+          </a:ln>
+        </p:spPr>
+        <p:txBody>
+          <a:bodyPr spcFirstLastPara="1" wrap="square" lIns="91425" tIns="91425" rIns="91425" bIns="91425" anchor="ctr" anchorCtr="0">
+            <a:noAutofit/>
+          </a:bodyPr>
+          <a:lstStyle/>
+          <a:p>
+            <a:pPr marL="0" marR="0" lvl="0" indent="0" algn="l" rtl="0">
+              <a:lnSpc>
+                <a:spcPct val="100000"/>
+              </a:lnSpc>
+              <a:spcBef>
+                <a:spcPts val="0"/>
+              </a:spcBef>
+              <a:spcAft>
+                <a:spcPts val="0"/>
+              </a:spcAft>
+              <a:buClr>
+                <a:srgbClr val="000000"/>
+              </a:buClr>
+              <a:buSzPts val="1400"/>
+              <a:buFont typeface="Arial"/>
+              <a:buNone/>
+            </a:pPr>
+            <a:endParaRPr sz="1400" b="0" i="0" u="none" strike="noStrike" cap="none">
+              <a:solidFill>
+                <a:srgbClr val="000000"/>
+              </a:solidFill>
+              <a:latin typeface="Arial"/>
+              <a:ea typeface="Arial"/>
+              <a:cs typeface="Arial"/>
+              <a:sym typeface="Arial"/>
             </a:endParaRPr>
           </a:p>
         </p:txBody>
       </p:sp>
       <p:pic>
         <p:nvPicPr>
-          <p:cNvPr id="65" name="Google Shape;65;p14"/>
+          <p:cNvPr id="55" name="Google Shape;55;p12"/>
           <p:cNvPicPr preferRelativeResize="0"/>
           <p:nvPr/>
         </p:nvPicPr>
-        <p:blipFill>
+        <p:blipFill rotWithShape="1">
           <a:blip r:embed="rId5">
             <a:alphaModFix/>
           </a:blip>
-          <a:stretch>
-            <a:fillRect/>
-          </a:stretch>
+          <a:srcRect/>
+          <a:stretch/>
         </p:blipFill>
         <p:spPr>
           <a:xfrm>
-            <a:off x="3257575" y="853575"/>
-            <a:ext cx="2952797" cy="2691950"/>
+            <a:off x="3514775" y="906275"/>
+            <a:ext cx="2676275" cy="2576775"/>
           </a:xfrm>
           <a:prstGeom prst="rect">
             <a:avLst/>
@@ -6005,69 +9103,68 @@
 </file>
 
 <file path=ppt/slides/slide2.xml><?xml version="1.0" encoding="utf-8"?>
-<p:sld xmlns:a="http://schemas.openxmlformats.org/drawingml/2006/main" xmlns:r="http://schemas.openxmlformats.org/officeDocument/2006/relationships" xmlns:p="http://schemas.openxmlformats.org/presentationml/2006/main">
+<p:sld xmlns:a="http://schemas.openxmlformats.org/drawingml/2006/main" xmlns:p="http://schemas.openxmlformats.org/presentationml/2006/main" xmlns:r="http://schemas.openxmlformats.org/officeDocument/2006/relationships">
   <p:cSld>
-    <p:bg>
-      <p:bgPr>
-        <a:blipFill>
-          <a:blip r:embed="rId3">
-            <a:alphaModFix/>
-          </a:blip>
-          <a:stretch>
-            <a:fillRect/>
-          </a:stretch>
-        </a:blipFill>
-        <a:effectLst/>
-      </p:bgPr>
-    </p:bg>
     <p:spTree>
       <p:nvGrpSpPr>
-        <p:cNvPr id="1" name="Shape 62"/>
+        <p:cNvPr id="1" name=""/>
         <p:cNvGrpSpPr/>
         <p:nvPr/>
       </p:nvGrpSpPr>
-      <p:grpSpPr>
-        <a:xfrm>
-          <a:off x="0" y="0"/>
-          <a:ext cx="0" cy="0"/>
-          <a:chOff x="0" y="0"/>
-          <a:chExt cx="0" cy="0"/>
-        </a:xfrm>
-      </p:grpSpPr>
-      <p:pic>
-        <p:nvPicPr>
-          <p:cNvPr id="63" name="Google Shape;63;p14"/>
-          <p:cNvPicPr preferRelativeResize="0"/>
+      <p:grpSpPr/>
+      <p:sp>
+        <p:nvSpPr>
+          <p:cNvPr id="3" name="TextBox 2"/>
+          <p:cNvSpPr txBox="1"/>
           <p:nvPr/>
-        </p:nvPicPr>
-        <p:blipFill>
-          <a:blip r:embed="rId4">
-            <a:alphaModFix/>
-          </a:blip>
-          <a:stretch>
-            <a:fillRect/>
-          </a:stretch>
-        </p:blipFill>
+        </p:nvSpPr>
         <p:spPr>
           <a:xfrm>
-            <a:off x="979125" y="61725"/>
-            <a:ext cx="1659652" cy="1204576"/>
+            <a:off x="0" y="0"/>
+            <a:ext cx="765600" cy="2212500"/>
           </a:xfrm>
           <a:prstGeom prst="rect">
             <a:avLst/>
           </a:prstGeom>
           <a:noFill/>
-          <a:ln>
-            <a:noFill/>
-          </a:ln>
         </p:spPr>
-      </p:pic>
+        <p:txBody>
+          <a:bodyPr wrap="square">
+            <a:spAutoFit/>
+          </a:bodyPr>
+          <a:lstStyle/>
+          <a:p>
+            <a:pPr algn="l"/>
+          </a:p>
+        </p:txBody>
+      </p:sp>
+      <p:sp>
+        <p:nvSpPr>
+          <p:cNvPr id="4" name="TextBox 3"/>
+          <p:cNvSpPr txBox="1"/>
+          <p:nvPr/>
+        </p:nvSpPr>
+        <p:spPr>
+          <a:xfrm>
+            <a:off x="8371550" y="2909150"/>
+            <a:ext cx="765600" cy="2212500"/>
+          </a:xfrm>
+          <a:prstGeom prst="rect">
+            <a:avLst/>
+          </a:prstGeom>
+          <a:noFill/>
+        </p:spPr>
+        <p:txBody>
+          <a:bodyPr wrap="square">
+            <a:spAutoFit/>
+          </a:bodyPr>
+          <a:lstStyle/>
+          <a:p>
+            <a:pPr algn="l"/>
+          </a:p>
+        </p:txBody>
+      </p:sp>
     </p:spTree>
-    <p:extLst>
-      <p:ext uri="{BB962C8B-B14F-4D97-AF65-F5344CB8AC3E}">
-        <p14:creationId xmlns:p14="http://schemas.microsoft.com/office/powerpoint/2010/main" val="424842502"/>
-      </p:ext>
-    </p:extLst>
   </p:cSld>
   <p:clrMapOvr>
     <a:masterClrMapping/>
